--- a/CA2 Identifying Wafer Failures with Deep Learning2.pptx
+++ b/CA2 Identifying Wafer Failures with Deep Learning2.pptx
@@ -282,7 +282,7 @@
           <a:p>
             <a:fld id="{FD7289CB-BA1E-4861-BA4E-15B1674C31F8}" type="datetimeFigureOut">
               <a:rPr lang="en-US" smtClean="0"/>
-              <a:t>9/19/2019</a:t>
+              <a:t>9/20/2019</a:t>
             </a:fld>
             <a:endParaRPr lang="en-US"/>
           </a:p>
@@ -480,7 +480,7 @@
           <a:p>
             <a:fld id="{FD7289CB-BA1E-4861-BA4E-15B1674C31F8}" type="datetimeFigureOut">
               <a:rPr lang="en-US" smtClean="0"/>
-              <a:t>9/19/2019</a:t>
+              <a:t>9/20/2019</a:t>
             </a:fld>
             <a:endParaRPr lang="en-US"/>
           </a:p>
@@ -688,7 +688,7 @@
           <a:p>
             <a:fld id="{FD7289CB-BA1E-4861-BA4E-15B1674C31F8}" type="datetimeFigureOut">
               <a:rPr lang="en-US" smtClean="0"/>
-              <a:t>9/19/2019</a:t>
+              <a:t>9/20/2019</a:t>
             </a:fld>
             <a:endParaRPr lang="en-US"/>
           </a:p>
@@ -886,7 +886,7 @@
           <a:p>
             <a:fld id="{FD7289CB-BA1E-4861-BA4E-15B1674C31F8}" type="datetimeFigureOut">
               <a:rPr lang="en-US" smtClean="0"/>
-              <a:t>9/19/2019</a:t>
+              <a:t>9/20/2019</a:t>
             </a:fld>
             <a:endParaRPr lang="en-US"/>
           </a:p>
@@ -1161,7 +1161,7 @@
           <a:p>
             <a:fld id="{FD7289CB-BA1E-4861-BA4E-15B1674C31F8}" type="datetimeFigureOut">
               <a:rPr lang="en-US" smtClean="0"/>
-              <a:t>9/19/2019</a:t>
+              <a:t>9/20/2019</a:t>
             </a:fld>
             <a:endParaRPr lang="en-US"/>
           </a:p>
@@ -1426,7 +1426,7 @@
           <a:p>
             <a:fld id="{FD7289CB-BA1E-4861-BA4E-15B1674C31F8}" type="datetimeFigureOut">
               <a:rPr lang="en-US" smtClean="0"/>
-              <a:t>9/19/2019</a:t>
+              <a:t>9/20/2019</a:t>
             </a:fld>
             <a:endParaRPr lang="en-US"/>
           </a:p>
@@ -1838,7 +1838,7 @@
           <a:p>
             <a:fld id="{FD7289CB-BA1E-4861-BA4E-15B1674C31F8}" type="datetimeFigureOut">
               <a:rPr lang="en-US" smtClean="0"/>
-              <a:t>9/19/2019</a:t>
+              <a:t>9/20/2019</a:t>
             </a:fld>
             <a:endParaRPr lang="en-US"/>
           </a:p>
@@ -1979,7 +1979,7 @@
           <a:p>
             <a:fld id="{FD7289CB-BA1E-4861-BA4E-15B1674C31F8}" type="datetimeFigureOut">
               <a:rPr lang="en-US" smtClean="0"/>
-              <a:t>9/19/2019</a:t>
+              <a:t>9/20/2019</a:t>
             </a:fld>
             <a:endParaRPr lang="en-US"/>
           </a:p>
@@ -2092,7 +2092,7 @@
           <a:p>
             <a:fld id="{FD7289CB-BA1E-4861-BA4E-15B1674C31F8}" type="datetimeFigureOut">
               <a:rPr lang="en-US" smtClean="0"/>
-              <a:t>9/19/2019</a:t>
+              <a:t>9/20/2019</a:t>
             </a:fld>
             <a:endParaRPr lang="en-US"/>
           </a:p>
@@ -2403,7 +2403,7 @@
           <a:p>
             <a:fld id="{FD7289CB-BA1E-4861-BA4E-15B1674C31F8}" type="datetimeFigureOut">
               <a:rPr lang="en-US" smtClean="0"/>
-              <a:t>9/19/2019</a:t>
+              <a:t>9/20/2019</a:t>
             </a:fld>
             <a:endParaRPr lang="en-US"/>
           </a:p>
@@ -2691,7 +2691,7 @@
           <a:p>
             <a:fld id="{FD7289CB-BA1E-4861-BA4E-15B1674C31F8}" type="datetimeFigureOut">
               <a:rPr lang="en-US" smtClean="0"/>
-              <a:t>9/19/2019</a:t>
+              <a:t>9/20/2019</a:t>
             </a:fld>
             <a:endParaRPr lang="en-US"/>
           </a:p>
@@ -2932,7 +2932,7 @@
           <a:p>
             <a:fld id="{FD7289CB-BA1E-4861-BA4E-15B1674C31F8}" type="datetimeFigureOut">
               <a:rPr lang="en-US" smtClean="0"/>
-              <a:t>9/19/2019</a:t>
+              <a:t>9/20/2019</a:t>
             </a:fld>
             <a:endParaRPr lang="en-US"/>
           </a:p>
@@ -3532,8 +3532,8 @@
         </p:nvSpPr>
         <p:spPr>
           <a:xfrm>
-            <a:off x="7454285" y="4509856"/>
-            <a:ext cx="3030244" cy="1200329"/>
+            <a:off x="7322400" y="4509856"/>
+            <a:ext cx="4854992" cy="1200329"/>
           </a:xfrm>
           <a:prstGeom prst="rect">
             <a:avLst/>
@@ -3586,8 +3586,21 @@
                   <a:schemeClr val="bg1"/>
                 </a:solidFill>
               </a:rPr>
-              <a:t>Ong  Boon Ping</a:t>
-            </a:r>
+              <a:t>Ong  Boon </a:t>
+            </a:r>
+            <a:r>
+              <a:rPr lang="en-US" sz="2400">
+                <a:solidFill>
+                  <a:schemeClr val="bg1"/>
+                </a:solidFill>
+              </a:rPr>
+              <a:t>Ping                 A0195172B</a:t>
+            </a:r>
+            <a:endParaRPr lang="en-US" sz="2400" dirty="0">
+              <a:solidFill>
+                <a:schemeClr val="bg1"/>
+              </a:solidFill>
+            </a:endParaRPr>
           </a:p>
           <a:p>
             <a:r>
@@ -3596,7 +3609,7 @@
                   <a:schemeClr val="bg1"/>
                 </a:solidFill>
               </a:rPr>
-              <a:t>Tan Chin Gee</a:t>
+              <a:t>Tan Chin Gee                     A0195296M</a:t>
             </a:r>
           </a:p>
           <a:p>
@@ -3622,7 +3635,7 @@
                   <a:schemeClr val="bg1"/>
                 </a:solidFill>
               </a:rPr>
-              <a:t> Francis</a:t>
+              <a:t> Francis    A0195414A</a:t>
             </a:r>
             <a:endParaRPr lang="en-SG" sz="2400" dirty="0">
               <a:solidFill>

--- a/CA2 Identifying Wafer Failures with Deep Learning2.pptx
+++ b/CA2 Identifying Wafer Failures with Deep Learning2.pptx
@@ -17,18 +17,17 @@
     <p:sldId id="285" r:id="rId11"/>
     <p:sldId id="289" r:id="rId12"/>
     <p:sldId id="290" r:id="rId13"/>
-    <p:sldId id="291" r:id="rId14"/>
-    <p:sldId id="296" r:id="rId15"/>
-    <p:sldId id="286" r:id="rId16"/>
-    <p:sldId id="261" r:id="rId17"/>
-    <p:sldId id="292" r:id="rId18"/>
-    <p:sldId id="295" r:id="rId19"/>
-    <p:sldId id="293" r:id="rId20"/>
-    <p:sldId id="294" r:id="rId21"/>
-    <p:sldId id="263" r:id="rId22"/>
-    <p:sldId id="264" r:id="rId23"/>
-    <p:sldId id="265" r:id="rId24"/>
-    <p:sldId id="297" r:id="rId25"/>
+    <p:sldId id="286" r:id="rId14"/>
+    <p:sldId id="261" r:id="rId15"/>
+    <p:sldId id="292" r:id="rId16"/>
+    <p:sldId id="295" r:id="rId17"/>
+    <p:sldId id="293" r:id="rId18"/>
+    <p:sldId id="294" r:id="rId19"/>
+    <p:sldId id="296" r:id="rId20"/>
+    <p:sldId id="263" r:id="rId21"/>
+    <p:sldId id="264" r:id="rId22"/>
+    <p:sldId id="265" r:id="rId23"/>
+    <p:sldId id="297" r:id="rId24"/>
   </p:sldIdLst>
   <p:sldSz cx="12192000" cy="6858000"/>
   <p:notesSz cx="6858000" cy="9144000"/>
@@ -282,7 +281,7 @@
           <a:p>
             <a:fld id="{FD7289CB-BA1E-4861-BA4E-15B1674C31F8}" type="datetimeFigureOut">
               <a:rPr lang="en-US" smtClean="0"/>
-              <a:t>9/20/2019</a:t>
+              <a:t>9/23/2019</a:t>
             </a:fld>
             <a:endParaRPr lang="en-US"/>
           </a:p>
@@ -480,7 +479,7 @@
           <a:p>
             <a:fld id="{FD7289CB-BA1E-4861-BA4E-15B1674C31F8}" type="datetimeFigureOut">
               <a:rPr lang="en-US" smtClean="0"/>
-              <a:t>9/20/2019</a:t>
+              <a:t>9/23/2019</a:t>
             </a:fld>
             <a:endParaRPr lang="en-US"/>
           </a:p>
@@ -688,7 +687,7 @@
           <a:p>
             <a:fld id="{FD7289CB-BA1E-4861-BA4E-15B1674C31F8}" type="datetimeFigureOut">
               <a:rPr lang="en-US" smtClean="0"/>
-              <a:t>9/20/2019</a:t>
+              <a:t>9/23/2019</a:t>
             </a:fld>
             <a:endParaRPr lang="en-US"/>
           </a:p>
@@ -886,7 +885,7 @@
           <a:p>
             <a:fld id="{FD7289CB-BA1E-4861-BA4E-15B1674C31F8}" type="datetimeFigureOut">
               <a:rPr lang="en-US" smtClean="0"/>
-              <a:t>9/20/2019</a:t>
+              <a:t>9/23/2019</a:t>
             </a:fld>
             <a:endParaRPr lang="en-US"/>
           </a:p>
@@ -1161,7 +1160,7 @@
           <a:p>
             <a:fld id="{FD7289CB-BA1E-4861-BA4E-15B1674C31F8}" type="datetimeFigureOut">
               <a:rPr lang="en-US" smtClean="0"/>
-              <a:t>9/20/2019</a:t>
+              <a:t>9/23/2019</a:t>
             </a:fld>
             <a:endParaRPr lang="en-US"/>
           </a:p>
@@ -1426,7 +1425,7 @@
           <a:p>
             <a:fld id="{FD7289CB-BA1E-4861-BA4E-15B1674C31F8}" type="datetimeFigureOut">
               <a:rPr lang="en-US" smtClean="0"/>
-              <a:t>9/20/2019</a:t>
+              <a:t>9/23/2019</a:t>
             </a:fld>
             <a:endParaRPr lang="en-US"/>
           </a:p>
@@ -1838,7 +1837,7 @@
           <a:p>
             <a:fld id="{FD7289CB-BA1E-4861-BA4E-15B1674C31F8}" type="datetimeFigureOut">
               <a:rPr lang="en-US" smtClean="0"/>
-              <a:t>9/20/2019</a:t>
+              <a:t>9/23/2019</a:t>
             </a:fld>
             <a:endParaRPr lang="en-US"/>
           </a:p>
@@ -1979,7 +1978,7 @@
           <a:p>
             <a:fld id="{FD7289CB-BA1E-4861-BA4E-15B1674C31F8}" type="datetimeFigureOut">
               <a:rPr lang="en-US" smtClean="0"/>
-              <a:t>9/20/2019</a:t>
+              <a:t>9/23/2019</a:t>
             </a:fld>
             <a:endParaRPr lang="en-US"/>
           </a:p>
@@ -2092,7 +2091,7 @@
           <a:p>
             <a:fld id="{FD7289CB-BA1E-4861-BA4E-15B1674C31F8}" type="datetimeFigureOut">
               <a:rPr lang="en-US" smtClean="0"/>
-              <a:t>9/20/2019</a:t>
+              <a:t>9/23/2019</a:t>
             </a:fld>
             <a:endParaRPr lang="en-US"/>
           </a:p>
@@ -2403,7 +2402,7 @@
           <a:p>
             <a:fld id="{FD7289CB-BA1E-4861-BA4E-15B1674C31F8}" type="datetimeFigureOut">
               <a:rPr lang="en-US" smtClean="0"/>
-              <a:t>9/20/2019</a:t>
+              <a:t>9/23/2019</a:t>
             </a:fld>
             <a:endParaRPr lang="en-US"/>
           </a:p>
@@ -2691,7 +2690,7 @@
           <a:p>
             <a:fld id="{FD7289CB-BA1E-4861-BA4E-15B1674C31F8}" type="datetimeFigureOut">
               <a:rPr lang="en-US" smtClean="0"/>
-              <a:t>9/20/2019</a:t>
+              <a:t>9/23/2019</a:t>
             </a:fld>
             <a:endParaRPr lang="en-US"/>
           </a:p>
@@ -2932,7 +2931,7 @@
           <a:p>
             <a:fld id="{FD7289CB-BA1E-4861-BA4E-15B1674C31F8}" type="datetimeFigureOut">
               <a:rPr lang="en-US" smtClean="0"/>
-              <a:t>9/20/2019</a:t>
+              <a:t>9/23/2019</a:t>
             </a:fld>
             <a:endParaRPr lang="en-US"/>
           </a:p>
@@ -5749,8 +5748,8 @@
         </p:nvSpPr>
         <p:spPr>
           <a:xfrm>
-            <a:off x="14608" y="1537284"/>
-            <a:ext cx="12177392" cy="5262979"/>
+            <a:off x="14608" y="1825624"/>
+            <a:ext cx="12177392" cy="4667251"/>
           </a:xfrm>
           <a:prstGeom prst="rect">
             <a:avLst/>
@@ -5826,7 +5825,63 @@
                   </a:glow>
                 </a:effectLst>
               </a:rPr>
-              <a:t>Data Preparation</a:t>
+              <a:t>Training the Neural Network </a:t>
+            </a:r>
+            <a:br>
+              <a:rPr lang="en-US" dirty="0">
+                <a:solidFill>
+                  <a:schemeClr val="accent1">
+                    <a:lumMod val="20000"/>
+                    <a:lumOff val="80000"/>
+                  </a:schemeClr>
+                </a:solidFill>
+                <a:effectLst>
+                  <a:glow rad="228600">
+                    <a:schemeClr val="accent1">
+                      <a:satMod val="175000"/>
+                      <a:alpha val="40000"/>
+                    </a:schemeClr>
+                  </a:glow>
+                </a:effectLst>
+              </a:rPr>
+            </a:br>
+            <a:r>
+              <a:rPr lang="en-US" dirty="0">
+                <a:solidFill>
+                  <a:schemeClr val="accent1">
+                    <a:lumMod val="20000"/>
+                    <a:lumOff val="80000"/>
+                  </a:schemeClr>
+                </a:solidFill>
+                <a:effectLst>
+                  <a:glow rad="228600">
+                    <a:schemeClr val="accent1">
+                      <a:satMod val="175000"/>
+                      <a:alpha val="40000"/>
+                    </a:schemeClr>
+                  </a:glow>
+                </a:effectLst>
+              </a:rPr>
+              <a:t>	</a:t>
+            </a:r>
+            <a:r>
+              <a:rPr lang="en-US" sz="3200" dirty="0">
+                <a:solidFill>
+                  <a:schemeClr val="accent1">
+                    <a:lumMod val="20000"/>
+                    <a:lumOff val="80000"/>
+                  </a:schemeClr>
+                </a:solidFill>
+                <a:effectLst>
+                  <a:glow rad="228600">
+                    <a:schemeClr val="accent1">
+                      <a:satMod val="175000"/>
+                      <a:alpha val="40000"/>
+                    </a:schemeClr>
+                  </a:glow>
+                </a:effectLst>
+              </a:rPr>
+              <a:t>– Standard Neural Network</a:t>
             </a:r>
           </a:p>
         </p:txBody>
@@ -5849,37 +5904,37 @@
         </p:nvSpPr>
         <p:spPr>
           <a:xfrm>
-            <a:off x="838201" y="1912124"/>
-            <a:ext cx="3573162" cy="4648201"/>
-          </a:xfrm>
-        </p:spPr>
-        <p:txBody>
-          <a:bodyPr vert="horz" lIns="91440" tIns="45720" rIns="91440" bIns="45720" rtlCol="0">
-            <a:normAutofit/>
-          </a:bodyPr>
-          <a:lstStyle/>
-          <a:p>
-            <a:r>
-              <a:rPr lang="en-MY" dirty="0">
-                <a:solidFill>
-                  <a:schemeClr val="bg1">
-                    <a:lumMod val="95000"/>
-                  </a:schemeClr>
-                </a:solidFill>
-              </a:rPr>
-              <a:t>The input was converted to categorical value.</a:t>
-            </a:r>
-          </a:p>
-          <a:p>
-            <a:r>
-              <a:rPr lang="en-MY" dirty="0">
-                <a:solidFill>
-                  <a:schemeClr val="bg1">
-                    <a:lumMod val="95000"/>
-                  </a:schemeClr>
-                </a:solidFill>
-              </a:rPr>
-              <a:t>Number of classes is also accounted.</a:t>
+            <a:off x="823784" y="2141537"/>
+            <a:ext cx="3933567" cy="4351338"/>
+          </a:xfrm>
+        </p:spPr>
+        <p:txBody>
+          <a:bodyPr/>
+          <a:lstStyle/>
+          <a:p>
+            <a:pPr marL="0" indent="0">
+              <a:buNone/>
+            </a:pPr>
+            <a:r>
+              <a:rPr lang="en-US" dirty="0">
+                <a:solidFill>
+                  <a:schemeClr val="bg1"/>
+                </a:solidFill>
+              </a:rPr>
+              <a:t>We started with the standard convolutional neural network which gave us an accuracy of </a:t>
+            </a:r>
+          </a:p>
+          <a:p>
+            <a:pPr marL="0" indent="0">
+              <a:buNone/>
+            </a:pPr>
+            <a:r>
+              <a:rPr lang="en-US" sz="3600" dirty="0">
+                <a:solidFill>
+                  <a:srgbClr val="FFFF00"/>
+                </a:solidFill>
+              </a:rPr>
+              <a:t>91.74%</a:t>
             </a:r>
           </a:p>
         </p:txBody>
@@ -5889,7 +5944,7 @@
           <p:cNvPr id="6" name="Rectangle 5">
             <a:extLst>
               <a:ext uri="{FF2B5EF4-FFF2-40B4-BE49-F238E27FC236}">
-                <a16:creationId xmlns:a16="http://schemas.microsoft.com/office/drawing/2014/main" id="{BF2CEFE8-7256-4B40-B252-E86BD2CC0648}"/>
+                <a16:creationId xmlns:a16="http://schemas.microsoft.com/office/drawing/2014/main" id="{A54DD88C-D977-422B-B722-CAD61B6CA889}"/>
               </a:ext>
             </a:extLst>
           </p:cNvPr>
@@ -5898,8 +5953,8 @@
         </p:nvSpPr>
         <p:spPr>
           <a:xfrm>
-            <a:off x="5383427" y="1537284"/>
-            <a:ext cx="6793965" cy="5047536"/>
+            <a:off x="4856205" y="2006601"/>
+            <a:ext cx="7203991" cy="3970318"/>
           </a:xfrm>
           <a:prstGeom prst="rect">
             <a:avLst/>
@@ -5911,573 +5966,346 @@
           </a:bodyPr>
           <a:lstStyle/>
           <a:p>
-            <a:pPr lvl="0">
-              <a:defRPr/>
-            </a:pPr>
-            <a:r>
-              <a:rPr lang="en-MY" sz="1400" dirty="0">
-                <a:solidFill>
-                  <a:srgbClr val="FFFF00"/>
-                </a:solidFill>
-              </a:rPr>
-              <a:t> # Retrieve the row size of each image</a:t>
-            </a:r>
-          </a:p>
-          <a:p>
-            <a:pPr lvl="0">
-              <a:defRPr/>
-            </a:pPr>
-            <a:r>
-              <a:rPr lang="en-MY" sz="1400" dirty="0">
-                <a:solidFill>
-                  <a:srgbClr val="FFFF00"/>
-                </a:solidFill>
-              </a:rPr>
-              <a:t>                            # Retrieve the column size of each image</a:t>
-            </a:r>
-          </a:p>
-          <a:p>
-            <a:pPr lvl="0">
-              <a:defRPr/>
-            </a:pPr>
-            <a:r>
-              <a:rPr lang="en-MY" sz="1400" dirty="0" err="1">
-                <a:solidFill>
-                  <a:srgbClr val="FFFF00"/>
-                </a:solidFill>
-              </a:rPr>
-              <a:t>imgrows</a:t>
-            </a:r>
-            <a:r>
-              <a:rPr lang="en-MY" sz="1400" dirty="0">
-                <a:solidFill>
-                  <a:srgbClr val="FFFF00"/>
-                </a:solidFill>
-              </a:rPr>
-              <a:t>     = </a:t>
-            </a:r>
-            <a:r>
-              <a:rPr lang="en-MY" sz="1400" dirty="0" err="1">
-                <a:solidFill>
-                  <a:srgbClr val="FFFF00"/>
-                </a:solidFill>
-              </a:rPr>
-              <a:t>trDat.shape</a:t>
-            </a:r>
-            <a:r>
-              <a:rPr lang="en-MY" sz="1400" dirty="0">
-                <a:solidFill>
-                  <a:srgbClr val="FFFF00"/>
-                </a:solidFill>
-              </a:rPr>
-              <a:t>[1]</a:t>
-            </a:r>
-          </a:p>
-          <a:p>
-            <a:pPr lvl="0">
-              <a:defRPr/>
-            </a:pPr>
-            <a:r>
-              <a:rPr lang="en-MY" sz="1400" dirty="0" err="1">
-                <a:solidFill>
-                  <a:srgbClr val="FFFF00"/>
-                </a:solidFill>
-              </a:rPr>
-              <a:t>imgclms</a:t>
-            </a:r>
-            <a:r>
-              <a:rPr lang="en-MY" sz="1400" dirty="0">
-                <a:solidFill>
-                  <a:srgbClr val="FFFF00"/>
-                </a:solidFill>
-              </a:rPr>
-              <a:t>     = </a:t>
-            </a:r>
-            <a:r>
-              <a:rPr lang="en-MY" sz="1400" dirty="0" err="1">
-                <a:solidFill>
-                  <a:srgbClr val="FFFF00"/>
-                </a:solidFill>
-              </a:rPr>
-              <a:t>trDat.shape</a:t>
-            </a:r>
-            <a:r>
-              <a:rPr lang="en-MY" sz="1400" dirty="0">
-                <a:solidFill>
-                  <a:srgbClr val="FFFF00"/>
-                </a:solidFill>
-              </a:rPr>
-              <a:t>[2]</a:t>
-            </a:r>
-          </a:p>
-          <a:p>
-            <a:pPr lvl="0">
-              <a:defRPr/>
-            </a:pPr>
-            <a:endParaRPr lang="en-MY" sz="1400" dirty="0">
-              <a:solidFill>
-                <a:srgbClr val="FFFF00"/>
-              </a:solidFill>
-            </a:endParaRPr>
-          </a:p>
-          <a:p>
-            <a:pPr lvl="0">
-              <a:defRPr/>
-            </a:pPr>
-            <a:endParaRPr lang="en-MY" sz="1400" dirty="0">
-              <a:solidFill>
-                <a:srgbClr val="FFFF00"/>
-              </a:solidFill>
-            </a:endParaRPr>
-          </a:p>
-          <a:p>
-            <a:pPr lvl="0">
-              <a:defRPr/>
-            </a:pPr>
-            <a:r>
-              <a:rPr lang="en-MY" sz="1400" dirty="0">
-                <a:solidFill>
-                  <a:srgbClr val="FFFF00"/>
-                </a:solidFill>
-              </a:rPr>
-              <a:t>                            # reshape the data to be [samples][width][height][channel]</a:t>
-            </a:r>
-          </a:p>
-          <a:p>
-            <a:pPr lvl="0">
-              <a:defRPr/>
-            </a:pPr>
-            <a:r>
-              <a:rPr lang="en-MY" sz="1400" dirty="0">
-                <a:solidFill>
-                  <a:srgbClr val="FFFF00"/>
-                </a:solidFill>
-              </a:rPr>
-              <a:t>                            # This is required by </a:t>
-            </a:r>
-            <a:r>
-              <a:rPr lang="en-MY" sz="1400" dirty="0" err="1">
-                <a:solidFill>
-                  <a:srgbClr val="FFFF00"/>
-                </a:solidFill>
-              </a:rPr>
-              <a:t>Keras</a:t>
-            </a:r>
-            <a:r>
-              <a:rPr lang="en-MY" sz="1400" dirty="0">
-                <a:solidFill>
-                  <a:srgbClr val="FFFF00"/>
-                </a:solidFill>
-              </a:rPr>
-              <a:t> framework</a:t>
-            </a:r>
-          </a:p>
-          <a:p>
-            <a:pPr lvl="0">
-              <a:defRPr/>
-            </a:pPr>
-            <a:r>
-              <a:rPr lang="en-MY" sz="1400" dirty="0" err="1">
-                <a:solidFill>
-                  <a:srgbClr val="FFFF00"/>
-                </a:solidFill>
-              </a:rPr>
-              <a:t>trDat</a:t>
-            </a:r>
-            <a:r>
-              <a:rPr lang="en-MY" sz="1400" dirty="0">
-                <a:solidFill>
-                  <a:srgbClr val="FFFF00"/>
-                </a:solidFill>
-              </a:rPr>
-              <a:t>       = </a:t>
-            </a:r>
-            <a:r>
-              <a:rPr lang="en-MY" sz="1400" dirty="0" err="1">
-                <a:solidFill>
-                  <a:srgbClr val="FFFF00"/>
-                </a:solidFill>
-              </a:rPr>
-              <a:t>trDat.reshape</a:t>
-            </a:r>
-            <a:r>
-              <a:rPr lang="en-MY" sz="1400" dirty="0">
-                <a:solidFill>
-                  <a:srgbClr val="FFFF00"/>
-                </a:solidFill>
-              </a:rPr>
-              <a:t>(</a:t>
-            </a:r>
-            <a:r>
-              <a:rPr lang="en-MY" sz="1400" dirty="0" err="1">
-                <a:solidFill>
-                  <a:srgbClr val="FFFF00"/>
-                </a:solidFill>
-              </a:rPr>
-              <a:t>trDat.shape</a:t>
-            </a:r>
-            <a:r>
-              <a:rPr lang="en-MY" sz="1400" dirty="0">
-                <a:solidFill>
-                  <a:srgbClr val="FFFF00"/>
-                </a:solidFill>
-              </a:rPr>
-              <a:t>[0],</a:t>
-            </a:r>
-          </a:p>
-          <a:p>
-            <a:pPr lvl="0">
-              <a:defRPr/>
-            </a:pPr>
-            <a:r>
-              <a:rPr lang="en-MY" sz="1400" dirty="0">
-                <a:solidFill>
-                  <a:srgbClr val="FFFF00"/>
-                </a:solidFill>
-              </a:rPr>
-              <a:t>                            </a:t>
-            </a:r>
-            <a:r>
-              <a:rPr lang="en-MY" sz="1400" dirty="0" err="1">
-                <a:solidFill>
-                  <a:srgbClr val="FFFF00"/>
-                </a:solidFill>
-              </a:rPr>
-              <a:t>imgrows</a:t>
-            </a:r>
-            <a:r>
-              <a:rPr lang="en-MY" sz="1400" dirty="0">
-                <a:solidFill>
-                  <a:srgbClr val="FFFF00"/>
-                </a:solidFill>
-              </a:rPr>
-              <a:t>,</a:t>
-            </a:r>
-          </a:p>
-          <a:p>
-            <a:pPr lvl="0">
-              <a:defRPr/>
-            </a:pPr>
-            <a:r>
-              <a:rPr lang="en-MY" sz="1400" dirty="0">
-                <a:solidFill>
-                  <a:srgbClr val="FFFF00"/>
-                </a:solidFill>
-              </a:rPr>
-              <a:t>                            </a:t>
-            </a:r>
-            <a:r>
-              <a:rPr lang="en-MY" sz="1400" dirty="0" err="1">
-                <a:solidFill>
-                  <a:srgbClr val="FFFF00"/>
-                </a:solidFill>
-              </a:rPr>
-              <a:t>imgclms</a:t>
-            </a:r>
-            <a:r>
-              <a:rPr lang="en-MY" sz="1400" dirty="0">
-                <a:solidFill>
-                  <a:srgbClr val="FFFF00"/>
-                </a:solidFill>
-              </a:rPr>
-              <a:t>,</a:t>
-            </a:r>
-          </a:p>
-          <a:p>
-            <a:pPr lvl="0">
-              <a:defRPr/>
-            </a:pPr>
-            <a:r>
-              <a:rPr lang="en-MY" sz="1400" dirty="0">
-                <a:solidFill>
-                  <a:srgbClr val="FFFF00"/>
-                </a:solidFill>
-              </a:rPr>
-              <a:t>                            1)</a:t>
-            </a:r>
-          </a:p>
-          <a:p>
-            <a:pPr lvl="0">
-              <a:defRPr/>
-            </a:pPr>
-            <a:r>
-              <a:rPr lang="en-MY" sz="1400" dirty="0" err="1">
-                <a:solidFill>
-                  <a:srgbClr val="FFFF00"/>
-                </a:solidFill>
-              </a:rPr>
-              <a:t>tsDat</a:t>
-            </a:r>
-            <a:r>
-              <a:rPr lang="en-MY" sz="1400" dirty="0">
-                <a:solidFill>
-                  <a:srgbClr val="FFFF00"/>
-                </a:solidFill>
-              </a:rPr>
-              <a:t>       = </a:t>
-            </a:r>
-            <a:r>
-              <a:rPr lang="en-MY" sz="1400" dirty="0" err="1">
-                <a:solidFill>
-                  <a:srgbClr val="FFFF00"/>
-                </a:solidFill>
-              </a:rPr>
-              <a:t>tsDat.reshape</a:t>
-            </a:r>
-            <a:r>
-              <a:rPr lang="en-MY" sz="1400" dirty="0">
-                <a:solidFill>
-                  <a:srgbClr val="FFFF00"/>
-                </a:solidFill>
-              </a:rPr>
-              <a:t>(</a:t>
-            </a:r>
-            <a:r>
-              <a:rPr lang="en-MY" sz="1400" dirty="0" err="1">
-                <a:solidFill>
-                  <a:srgbClr val="FFFF00"/>
-                </a:solidFill>
-              </a:rPr>
-              <a:t>tsDat.shape</a:t>
-            </a:r>
-            <a:r>
-              <a:rPr lang="en-MY" sz="1400" dirty="0">
-                <a:solidFill>
-                  <a:srgbClr val="FFFF00"/>
-                </a:solidFill>
-              </a:rPr>
-              <a:t>[0],</a:t>
-            </a:r>
-          </a:p>
-          <a:p>
-            <a:pPr lvl="0">
-              <a:defRPr/>
-            </a:pPr>
-            <a:r>
-              <a:rPr lang="en-MY" sz="1400" dirty="0">
-                <a:solidFill>
-                  <a:srgbClr val="FFFF00"/>
-                </a:solidFill>
-              </a:rPr>
-              <a:t>                            </a:t>
-            </a:r>
-            <a:r>
-              <a:rPr lang="en-MY" sz="1400" dirty="0" err="1">
-                <a:solidFill>
-                  <a:srgbClr val="FFFF00"/>
-                </a:solidFill>
-              </a:rPr>
-              <a:t>imgrows</a:t>
-            </a:r>
-            <a:r>
-              <a:rPr lang="en-MY" sz="1400" dirty="0">
-                <a:solidFill>
-                  <a:srgbClr val="FFFF00"/>
-                </a:solidFill>
-              </a:rPr>
-              <a:t>,</a:t>
-            </a:r>
-          </a:p>
-          <a:p>
-            <a:pPr lvl="0">
-              <a:defRPr/>
-            </a:pPr>
-            <a:r>
-              <a:rPr lang="en-MY" sz="1400" dirty="0">
-                <a:solidFill>
-                  <a:srgbClr val="FFFF00"/>
-                </a:solidFill>
-              </a:rPr>
-              <a:t>                            </a:t>
-            </a:r>
-            <a:r>
-              <a:rPr lang="en-MY" sz="1400" dirty="0" err="1">
-                <a:solidFill>
-                  <a:srgbClr val="FFFF00"/>
-                </a:solidFill>
-              </a:rPr>
-              <a:t>imgclms</a:t>
-            </a:r>
-            <a:r>
-              <a:rPr lang="en-MY" sz="1400" dirty="0">
-                <a:solidFill>
-                  <a:srgbClr val="FFFF00"/>
-                </a:solidFill>
-              </a:rPr>
-              <a:t>,</a:t>
-            </a:r>
-          </a:p>
-          <a:p>
-            <a:pPr lvl="0">
-              <a:defRPr/>
-            </a:pPr>
-            <a:r>
-              <a:rPr lang="en-MY" sz="1400" dirty="0">
-                <a:solidFill>
-                  <a:srgbClr val="FFFF00"/>
-                </a:solidFill>
-              </a:rPr>
-              <a:t>                            1)</a:t>
-            </a:r>
-          </a:p>
-          <a:p>
-            <a:pPr lvl="0">
-              <a:defRPr/>
-            </a:pPr>
-            <a:endParaRPr lang="en-MY" sz="1400" dirty="0">
-              <a:solidFill>
-                <a:srgbClr val="FFFF00"/>
-              </a:solidFill>
-            </a:endParaRPr>
-          </a:p>
-          <a:p>
-            <a:pPr lvl="0">
-              <a:defRPr/>
-            </a:pPr>
-            <a:endParaRPr lang="en-MY" sz="1400" dirty="0">
-              <a:solidFill>
-                <a:srgbClr val="FFFF00"/>
-              </a:solidFill>
-            </a:endParaRPr>
-          </a:p>
-          <a:p>
-            <a:pPr lvl="0">
-              <a:defRPr/>
-            </a:pPr>
-            <a:r>
-              <a:rPr lang="en-MY" sz="1400" dirty="0">
-                <a:solidFill>
-                  <a:srgbClr val="FFFF00"/>
-                </a:solidFill>
-              </a:rPr>
-              <a:t>                            # Perform one hot encoding on the labels</a:t>
-            </a:r>
-          </a:p>
-          <a:p>
-            <a:pPr lvl="0">
-              <a:defRPr/>
-            </a:pPr>
-            <a:r>
-              <a:rPr lang="en-MY" sz="1400" dirty="0">
-                <a:solidFill>
-                  <a:srgbClr val="FFFF00"/>
-                </a:solidFill>
-              </a:rPr>
-              <a:t>                            # Retrieve the number of classes in this problem</a:t>
-            </a:r>
-          </a:p>
-          <a:p>
-            <a:pPr lvl="0">
-              <a:defRPr/>
-            </a:pPr>
-            <a:r>
-              <a:rPr lang="en-MY" sz="1400" dirty="0" err="1">
-                <a:solidFill>
-                  <a:srgbClr val="FFFF00"/>
-                </a:solidFill>
-              </a:rPr>
-              <a:t>trLbl</a:t>
-            </a:r>
-            <a:r>
-              <a:rPr lang="en-MY" sz="1400" dirty="0">
-                <a:solidFill>
-                  <a:srgbClr val="FFFF00"/>
-                </a:solidFill>
-              </a:rPr>
-              <a:t>       = </a:t>
-            </a:r>
-            <a:r>
-              <a:rPr lang="en-MY" sz="1400" dirty="0" err="1">
-                <a:solidFill>
-                  <a:srgbClr val="FFFF00"/>
-                </a:solidFill>
-              </a:rPr>
-              <a:t>to_categorical</a:t>
-            </a:r>
-            <a:r>
-              <a:rPr lang="en-MY" sz="1400" dirty="0">
-                <a:solidFill>
-                  <a:srgbClr val="FFFF00"/>
-                </a:solidFill>
-              </a:rPr>
-              <a:t>(</a:t>
-            </a:r>
-            <a:r>
-              <a:rPr lang="en-MY" sz="1400" dirty="0" err="1">
-                <a:solidFill>
-                  <a:srgbClr val="FFFF00"/>
-                </a:solidFill>
-              </a:rPr>
-              <a:t>trLbl</a:t>
-            </a:r>
-            <a:r>
-              <a:rPr lang="en-MY" sz="1400" dirty="0">
-                <a:solidFill>
-                  <a:srgbClr val="FFFF00"/>
-                </a:solidFill>
-              </a:rPr>
-              <a:t>)</a:t>
-            </a:r>
-          </a:p>
-          <a:p>
-            <a:pPr lvl="0">
-              <a:defRPr/>
-            </a:pPr>
-            <a:r>
-              <a:rPr lang="en-MY" sz="1400" dirty="0" err="1">
-                <a:solidFill>
-                  <a:srgbClr val="FFFF00"/>
-                </a:solidFill>
-              </a:rPr>
-              <a:t>tsLbl</a:t>
-            </a:r>
-            <a:r>
-              <a:rPr lang="en-MY" sz="1400" dirty="0">
-                <a:solidFill>
-                  <a:srgbClr val="FFFF00"/>
-                </a:solidFill>
-              </a:rPr>
-              <a:t>       = </a:t>
-            </a:r>
-            <a:r>
-              <a:rPr lang="en-MY" sz="1400" dirty="0" err="1">
-                <a:solidFill>
-                  <a:srgbClr val="FFFF00"/>
-                </a:solidFill>
-              </a:rPr>
-              <a:t>to_categorical</a:t>
-            </a:r>
-            <a:r>
-              <a:rPr lang="en-MY" sz="1400" dirty="0">
-                <a:solidFill>
-                  <a:srgbClr val="FFFF00"/>
-                </a:solidFill>
-              </a:rPr>
-              <a:t>(</a:t>
-            </a:r>
-            <a:r>
-              <a:rPr lang="en-MY" sz="1400" dirty="0" err="1">
-                <a:solidFill>
-                  <a:srgbClr val="FFFF00"/>
-                </a:solidFill>
-              </a:rPr>
-              <a:t>tsLbl</a:t>
-            </a:r>
-            <a:r>
-              <a:rPr lang="en-MY" sz="1400" dirty="0">
-                <a:solidFill>
-                  <a:srgbClr val="FFFF00"/>
-                </a:solidFill>
-              </a:rPr>
-              <a:t>)</a:t>
-            </a:r>
-          </a:p>
-          <a:p>
-            <a:pPr lvl="0">
-              <a:defRPr/>
-            </a:pPr>
-            <a:r>
-              <a:rPr lang="en-MY" sz="1400" dirty="0" err="1">
+            <a:r>
+              <a:rPr lang="en-SG" dirty="0">
+                <a:solidFill>
+                  <a:srgbClr val="FFFF00"/>
+                </a:solidFill>
+              </a:rPr>
+              <a:t>def </a:t>
+            </a:r>
+            <a:r>
+              <a:rPr lang="en-SG" dirty="0" err="1">
+                <a:solidFill>
+                  <a:srgbClr val="FFFF00"/>
+                </a:solidFill>
+              </a:rPr>
+              <a:t>createModel</a:t>
+            </a:r>
+            <a:r>
+              <a:rPr lang="en-SG" dirty="0">
+                <a:solidFill>
+                  <a:srgbClr val="FFFF00"/>
+                </a:solidFill>
+              </a:rPr>
+              <a:t>():</a:t>
+            </a:r>
+          </a:p>
+          <a:p>
+            <a:r>
+              <a:rPr lang="en-SG" dirty="0">
+                <a:solidFill>
+                  <a:srgbClr val="FFFF00"/>
+                </a:solidFill>
+              </a:rPr>
+              <a:t>    model = Sequential()       </a:t>
+            </a:r>
+          </a:p>
+          <a:p>
+            <a:r>
+              <a:rPr lang="en-SG" dirty="0">
+                <a:solidFill>
+                  <a:srgbClr val="FFFF00"/>
+                </a:solidFill>
+              </a:rPr>
+              <a:t>    </a:t>
+            </a:r>
+            <a:r>
+              <a:rPr lang="en-SG" dirty="0" err="1">
+                <a:solidFill>
+                  <a:srgbClr val="FFFF00"/>
+                </a:solidFill>
+              </a:rPr>
+              <a:t>model.add</a:t>
+            </a:r>
+            <a:r>
+              <a:rPr lang="en-SG" dirty="0">
+                <a:solidFill>
+                  <a:srgbClr val="FFFF00"/>
+                </a:solidFill>
+              </a:rPr>
+              <a:t>(Conv2D(20, (5, 5), </a:t>
+            </a:r>
+            <a:r>
+              <a:rPr lang="en-SG" dirty="0" err="1">
+                <a:solidFill>
+                  <a:srgbClr val="FFFF00"/>
+                </a:solidFill>
+              </a:rPr>
+              <a:t>input_shape</a:t>
+            </a:r>
+            <a:r>
+              <a:rPr lang="en-SG" dirty="0">
+                <a:solidFill>
+                  <a:srgbClr val="FFFF00"/>
+                </a:solidFill>
+              </a:rPr>
+              <a:t>=(21, 21, 1), activation='</a:t>
+            </a:r>
+            <a:r>
+              <a:rPr lang="en-SG" dirty="0" err="1">
+                <a:solidFill>
+                  <a:srgbClr val="FFFF00"/>
+                </a:solidFill>
+              </a:rPr>
+              <a:t>relu</a:t>
+            </a:r>
+            <a:r>
+              <a:rPr lang="en-SG" dirty="0">
+                <a:solidFill>
+                  <a:srgbClr val="FFFF00"/>
+                </a:solidFill>
+              </a:rPr>
+              <a:t>'))       </a:t>
+            </a:r>
+          </a:p>
+          <a:p>
+            <a:r>
+              <a:rPr lang="en-SG" dirty="0">
+                <a:solidFill>
+                  <a:srgbClr val="FFFF00"/>
+                </a:solidFill>
+              </a:rPr>
+              <a:t>    </a:t>
+            </a:r>
+            <a:r>
+              <a:rPr lang="en-SG" dirty="0" err="1">
+                <a:solidFill>
+                  <a:srgbClr val="FFFF00"/>
+                </a:solidFill>
+              </a:rPr>
+              <a:t>model.add</a:t>
+            </a:r>
+            <a:r>
+              <a:rPr lang="en-SG" dirty="0">
+                <a:solidFill>
+                  <a:srgbClr val="FFFF00"/>
+                </a:solidFill>
+              </a:rPr>
+              <a:t>(MaxPooling2D(</a:t>
+            </a:r>
+            <a:r>
+              <a:rPr lang="en-SG" dirty="0" err="1">
+                <a:solidFill>
+                  <a:srgbClr val="FFFF00"/>
+                </a:solidFill>
+              </a:rPr>
+              <a:t>pool_size</a:t>
+            </a:r>
+            <a:r>
+              <a:rPr lang="en-SG" dirty="0">
+                <a:solidFill>
+                  <a:srgbClr val="FFFF00"/>
+                </a:solidFill>
+              </a:rPr>
+              <a:t>=(2, 2)))       </a:t>
+            </a:r>
+          </a:p>
+          <a:p>
+            <a:r>
+              <a:rPr lang="en-SG" dirty="0">
+                <a:solidFill>
+                  <a:srgbClr val="FFFF00"/>
+                </a:solidFill>
+              </a:rPr>
+              <a:t>    </a:t>
+            </a:r>
+            <a:r>
+              <a:rPr lang="en-SG" dirty="0" err="1">
+                <a:solidFill>
+                  <a:srgbClr val="FFFF00"/>
+                </a:solidFill>
+              </a:rPr>
+              <a:t>model.add</a:t>
+            </a:r>
+            <a:r>
+              <a:rPr lang="en-SG" dirty="0">
+                <a:solidFill>
+                  <a:srgbClr val="FFFF00"/>
+                </a:solidFill>
+              </a:rPr>
+              <a:t>(Conv2D(40, (5, 5), activation='</a:t>
+            </a:r>
+            <a:r>
+              <a:rPr lang="en-SG" dirty="0" err="1">
+                <a:solidFill>
+                  <a:srgbClr val="FFFF00"/>
+                </a:solidFill>
+              </a:rPr>
+              <a:t>relu</a:t>
+            </a:r>
+            <a:r>
+              <a:rPr lang="en-SG" dirty="0">
+                <a:solidFill>
+                  <a:srgbClr val="FFFF00"/>
+                </a:solidFill>
+              </a:rPr>
+              <a:t>'))       </a:t>
+            </a:r>
+          </a:p>
+          <a:p>
+            <a:r>
+              <a:rPr lang="en-SG" dirty="0">
+                <a:solidFill>
+                  <a:srgbClr val="FFFF00"/>
+                </a:solidFill>
+              </a:rPr>
+              <a:t>    </a:t>
+            </a:r>
+            <a:r>
+              <a:rPr lang="en-SG" dirty="0" err="1">
+                <a:solidFill>
+                  <a:srgbClr val="FFFF00"/>
+                </a:solidFill>
+              </a:rPr>
+              <a:t>model.add</a:t>
+            </a:r>
+            <a:r>
+              <a:rPr lang="en-SG" dirty="0">
+                <a:solidFill>
+                  <a:srgbClr val="FFFF00"/>
+                </a:solidFill>
+              </a:rPr>
+              <a:t>(MaxPooling2D(</a:t>
+            </a:r>
+            <a:r>
+              <a:rPr lang="en-SG" dirty="0" err="1">
+                <a:solidFill>
+                  <a:srgbClr val="FFFF00"/>
+                </a:solidFill>
+              </a:rPr>
+              <a:t>pool_size</a:t>
+            </a:r>
+            <a:r>
+              <a:rPr lang="en-SG" dirty="0">
+                <a:solidFill>
+                  <a:srgbClr val="FFFF00"/>
+                </a:solidFill>
+              </a:rPr>
+              <a:t>=(2, 2)))       </a:t>
+            </a:r>
+          </a:p>
+          <a:p>
+            <a:r>
+              <a:rPr lang="en-SG" dirty="0">
+                <a:solidFill>
+                  <a:srgbClr val="FFFF00"/>
+                </a:solidFill>
+              </a:rPr>
+              <a:t>    </a:t>
+            </a:r>
+            <a:r>
+              <a:rPr lang="en-SG" dirty="0" err="1">
+                <a:solidFill>
+                  <a:srgbClr val="FFFF00"/>
+                </a:solidFill>
+              </a:rPr>
+              <a:t>model.add</a:t>
+            </a:r>
+            <a:r>
+              <a:rPr lang="en-SG" dirty="0">
+                <a:solidFill>
+                  <a:srgbClr val="FFFF00"/>
+                </a:solidFill>
+              </a:rPr>
+              <a:t>(Dropout(0.2))       </a:t>
+            </a:r>
+          </a:p>
+          <a:p>
+            <a:r>
+              <a:rPr lang="en-SG" dirty="0">
+                <a:solidFill>
+                  <a:srgbClr val="FFFF00"/>
+                </a:solidFill>
+              </a:rPr>
+              <a:t>    </a:t>
+            </a:r>
+            <a:r>
+              <a:rPr lang="en-SG" dirty="0" err="1">
+                <a:solidFill>
+                  <a:srgbClr val="FFFF00"/>
+                </a:solidFill>
+              </a:rPr>
+              <a:t>model.add</a:t>
+            </a:r>
+            <a:r>
+              <a:rPr lang="en-SG" dirty="0">
+                <a:solidFill>
+                  <a:srgbClr val="FFFF00"/>
+                </a:solidFill>
+              </a:rPr>
+              <a:t>(Flatten())       </a:t>
+            </a:r>
+          </a:p>
+          <a:p>
+            <a:r>
+              <a:rPr lang="en-SG" dirty="0">
+                <a:solidFill>
+                  <a:srgbClr val="FFFF00"/>
+                </a:solidFill>
+              </a:rPr>
+              <a:t>    </a:t>
+            </a:r>
+            <a:r>
+              <a:rPr lang="en-SG" dirty="0" err="1">
+                <a:solidFill>
+                  <a:srgbClr val="FFFF00"/>
+                </a:solidFill>
+              </a:rPr>
+              <a:t>model.add</a:t>
+            </a:r>
+            <a:r>
+              <a:rPr lang="en-SG" dirty="0">
+                <a:solidFill>
+                  <a:srgbClr val="FFFF00"/>
+                </a:solidFill>
+              </a:rPr>
+              <a:t>(Dense(128, activation='</a:t>
+            </a:r>
+            <a:r>
+              <a:rPr lang="en-SG" dirty="0" err="1">
+                <a:solidFill>
+                  <a:srgbClr val="FFFF00"/>
+                </a:solidFill>
+              </a:rPr>
+              <a:t>relu</a:t>
+            </a:r>
+            <a:r>
+              <a:rPr lang="en-SG" dirty="0">
+                <a:solidFill>
+                  <a:srgbClr val="FFFF00"/>
+                </a:solidFill>
+              </a:rPr>
+              <a:t>'))       </a:t>
+            </a:r>
+          </a:p>
+          <a:p>
+            <a:r>
+              <a:rPr lang="en-SG" dirty="0">
+                <a:solidFill>
+                  <a:srgbClr val="FFFF00"/>
+                </a:solidFill>
+              </a:rPr>
+              <a:t>    </a:t>
+            </a:r>
+            <a:r>
+              <a:rPr lang="en-SG" dirty="0" err="1">
+                <a:solidFill>
+                  <a:srgbClr val="FFFF00"/>
+                </a:solidFill>
+              </a:rPr>
+              <a:t>model.add</a:t>
+            </a:r>
+            <a:r>
+              <a:rPr lang="en-SG" dirty="0">
+                <a:solidFill>
+                  <a:srgbClr val="FFFF00"/>
+                </a:solidFill>
+              </a:rPr>
+              <a:t>(Dense(</a:t>
+            </a:r>
+            <a:r>
+              <a:rPr lang="en-SG" dirty="0" err="1">
                 <a:solidFill>
                   <a:srgbClr val="FFFF00"/>
                 </a:solidFill>
@@ -6485,28 +6313,106 @@
               <a:t>num_classes</a:t>
             </a:r>
             <a:r>
-              <a:rPr lang="en-MY" sz="1400" dirty="0">
-                <a:solidFill>
-                  <a:srgbClr val="FFFF00"/>
-                </a:solidFill>
-              </a:rPr>
-              <a:t> = </a:t>
-            </a:r>
-            <a:r>
-              <a:rPr lang="en-MY" sz="1400" dirty="0" err="1">
-                <a:solidFill>
-                  <a:srgbClr val="FFFF00"/>
-                </a:solidFill>
-              </a:rPr>
-              <a:t>tsLbl.shape</a:t>
-            </a:r>
-            <a:r>
-              <a:rPr lang="en-MY" sz="1400" dirty="0">
-                <a:solidFill>
-                  <a:srgbClr val="FFFF00"/>
-                </a:solidFill>
-              </a:rPr>
-              <a:t>[1]</a:t>
+              <a:rPr lang="en-SG" dirty="0">
+                <a:solidFill>
+                  <a:srgbClr val="FFFF00"/>
+                </a:solidFill>
+              </a:rPr>
+              <a:t>, activation='</a:t>
+            </a:r>
+            <a:r>
+              <a:rPr lang="en-SG" dirty="0" err="1">
+                <a:solidFill>
+                  <a:srgbClr val="FFFF00"/>
+                </a:solidFill>
+              </a:rPr>
+              <a:t>softmax</a:t>
+            </a:r>
+            <a:r>
+              <a:rPr lang="en-SG" dirty="0">
+                <a:solidFill>
+                  <a:srgbClr val="FFFF00"/>
+                </a:solidFill>
+              </a:rPr>
+              <a:t>'))            </a:t>
+            </a:r>
+          </a:p>
+          <a:p>
+            <a:r>
+              <a:rPr lang="en-SG" dirty="0">
+                <a:solidFill>
+                  <a:srgbClr val="FFFF00"/>
+                </a:solidFill>
+              </a:rPr>
+              <a:t>    </a:t>
+            </a:r>
+            <a:r>
+              <a:rPr lang="en-SG" dirty="0" err="1">
+                <a:solidFill>
+                  <a:srgbClr val="FFFF00"/>
+                </a:solidFill>
+              </a:rPr>
+              <a:t>model.compile</a:t>
+            </a:r>
+            <a:r>
+              <a:rPr lang="en-SG" dirty="0">
+                <a:solidFill>
+                  <a:srgbClr val="FFFF00"/>
+                </a:solidFill>
+              </a:rPr>
+              <a:t>(loss='</a:t>
+            </a:r>
+            <a:r>
+              <a:rPr lang="en-SG" dirty="0" err="1">
+                <a:solidFill>
+                  <a:srgbClr val="FFFF00"/>
+                </a:solidFill>
+              </a:rPr>
+              <a:t>categorical_crossentropy</a:t>
+            </a:r>
+            <a:r>
+              <a:rPr lang="en-SG" dirty="0">
+                <a:solidFill>
+                  <a:srgbClr val="FFFF00"/>
+                </a:solidFill>
+              </a:rPr>
+              <a:t>', optimizer='</a:t>
+            </a:r>
+            <a:r>
+              <a:rPr lang="en-SG" dirty="0" err="1">
+                <a:solidFill>
+                  <a:srgbClr val="FFFF00"/>
+                </a:solidFill>
+              </a:rPr>
+              <a:t>adam</a:t>
+            </a:r>
+            <a:r>
+              <a:rPr lang="en-SG" dirty="0">
+                <a:solidFill>
+                  <a:srgbClr val="FFFF00"/>
+                </a:solidFill>
+              </a:rPr>
+              <a:t>’, 	metrics=['accuracy']) </a:t>
+            </a:r>
+          </a:p>
+          <a:p>
+            <a:r>
+              <a:rPr lang="en-SG" dirty="0">
+                <a:solidFill>
+                  <a:srgbClr val="FFFF00"/>
+                </a:solidFill>
+              </a:rPr>
+              <a:t>      </a:t>
+            </a:r>
+          </a:p>
+          <a:p>
+            <a:r>
+              <a:rPr lang="en-SG" dirty="0">
+                <a:solidFill>
+                  <a:srgbClr val="FFFF00"/>
+                </a:solidFill>
+              </a:rPr>
+              <a:t>    return model</a:t>
             </a:r>
           </a:p>
         </p:txBody>
@@ -6514,7 +6420,7 @@
     </p:spTree>
     <p:extLst>
       <p:ext uri="{BB962C8B-B14F-4D97-AF65-F5344CB8AC3E}">
-        <p14:creationId xmlns:p14="http://schemas.microsoft.com/office/powerpoint/2010/main" val="4181686552"/>
+        <p14:creationId xmlns:p14="http://schemas.microsoft.com/office/powerpoint/2010/main" val="3993530136"/>
       </p:ext>
     </p:extLst>
   </p:cSld>
@@ -6579,10 +6485,10 @@
       </p:pic>
       <p:sp>
         <p:nvSpPr>
-          <p:cNvPr id="14" name="Rectangle 13">
-            <a:extLst>
-              <a:ext uri="{FF2B5EF4-FFF2-40B4-BE49-F238E27FC236}">
-                <a16:creationId xmlns:a16="http://schemas.microsoft.com/office/drawing/2014/main" id="{5F6D48A8-D84F-4EC0-A50B-44F490212364}"/>
+          <p:cNvPr id="5" name="Rectangle 4">
+            <a:extLst>
+              <a:ext uri="{FF2B5EF4-FFF2-40B4-BE49-F238E27FC236}">
+                <a16:creationId xmlns:a16="http://schemas.microsoft.com/office/drawing/2014/main" id="{AD864145-8069-48BD-A4B5-9A9F320D1E5E}"/>
               </a:ext>
             </a:extLst>
           </p:cNvPr>
@@ -6591,8 +6497,8 @@
         </p:nvSpPr>
         <p:spPr>
           <a:xfrm>
-            <a:off x="588463" y="1386610"/>
-            <a:ext cx="11015074" cy="5128489"/>
+            <a:off x="5243452" y="3340605"/>
+            <a:ext cx="6859220" cy="725312"/>
           </a:xfrm>
           <a:prstGeom prst="rect">
             <a:avLst/>
@@ -6630,10 +6536,10 @@
       </p:sp>
       <p:sp>
         <p:nvSpPr>
-          <p:cNvPr id="17" name="Title 1">
-            <a:extLst>
-              <a:ext uri="{FF2B5EF4-FFF2-40B4-BE49-F238E27FC236}">
-                <a16:creationId xmlns:a16="http://schemas.microsoft.com/office/drawing/2014/main" id="{35869334-5B83-4310-8BF7-2CF769D310AD}"/>
+          <p:cNvPr id="2" name="Title 1">
+            <a:extLst>
+              <a:ext uri="{FF2B5EF4-FFF2-40B4-BE49-F238E27FC236}">
+                <a16:creationId xmlns:a16="http://schemas.microsoft.com/office/drawing/2014/main" id="{C61AFF62-17DE-4FE5-9E08-14589EF1AFC2}"/>
               </a:ext>
             </a:extLst>
           </p:cNvPr>
@@ -6646,18 +6552,18 @@
         </p:nvSpPr>
         <p:spPr>
           <a:xfrm>
-            <a:off x="588463" y="61048"/>
-            <a:ext cx="4850220" cy="1325563"/>
+            <a:off x="1562776" y="863685"/>
+            <a:ext cx="8417011" cy="382273"/>
           </a:xfrm>
         </p:spPr>
         <p:txBody>
           <a:bodyPr vert="horz" lIns="91440" tIns="45720" rIns="91440" bIns="45720" rtlCol="0" anchor="ctr">
-            <a:normAutofit/>
+            <a:normAutofit fontScale="90000"/>
           </a:bodyPr>
           <a:lstStyle/>
           <a:p>
             <a:r>
-              <a:rPr lang="en-US" sz="3600" dirty="0">
+              <a:rPr lang="en-US" dirty="0">
                 <a:solidFill>
                   <a:schemeClr val="accent1">
                     <a:lumMod val="20000"/>
@@ -6673,59 +6579,274 @@
                   </a:glow>
                 </a:effectLst>
               </a:rPr>
-              <a:t>Learning Rate Setting</a:t>
-            </a:r>
-          </a:p>
-        </p:txBody>
-      </p:sp>
-      <p:sp>
-        <p:nvSpPr>
-          <p:cNvPr id="22" name="Content Placeholder 2">
-            <a:extLst>
-              <a:ext uri="{FF2B5EF4-FFF2-40B4-BE49-F238E27FC236}">
-                <a16:creationId xmlns:a16="http://schemas.microsoft.com/office/drawing/2014/main" id="{BEA25717-6A53-4136-834C-E8DB3315455F}"/>
-              </a:ext>
-            </a:extLst>
-          </p:cNvPr>
-          <p:cNvSpPr>
-            <a:spLocks noGrp="1"/>
-          </p:cNvSpPr>
-          <p:nvPr>
-            <p:ph idx="1"/>
-          </p:nvPr>
-        </p:nvSpPr>
-        <p:spPr>
-          <a:xfrm>
-            <a:off x="838200" y="1825625"/>
-            <a:ext cx="10515600" cy="4351338"/>
-          </a:xfrm>
-        </p:spPr>
-        <p:txBody>
-          <a:bodyPr/>
-          <a:lstStyle/>
-          <a:p>
-            <a:pPr marL="0" indent="0">
-              <a:buNone/>
-            </a:pPr>
-            <a:r>
-              <a:rPr lang="en-MY" dirty="0">
+              <a:t>Results</a:t>
+            </a:r>
+          </a:p>
+        </p:txBody>
+      </p:sp>
+      <p:sp>
+        <p:nvSpPr>
+          <p:cNvPr id="7" name="Rectangle 6">
+            <a:extLst>
+              <a:ext uri="{FF2B5EF4-FFF2-40B4-BE49-F238E27FC236}">
+                <a16:creationId xmlns:a16="http://schemas.microsoft.com/office/drawing/2014/main" id="{DA0BC44D-2FC2-43AD-A585-20FF6AA7F652}"/>
+              </a:ext>
+            </a:extLst>
+          </p:cNvPr>
+          <p:cNvSpPr/>
+          <p:nvPr/>
+        </p:nvSpPr>
+        <p:spPr>
+          <a:xfrm>
+            <a:off x="5920403" y="3415079"/>
+            <a:ext cx="5898196" cy="584775"/>
+          </a:xfrm>
+          <a:prstGeom prst="rect">
+            <a:avLst/>
+          </a:prstGeom>
+        </p:spPr>
+        <p:txBody>
+          <a:bodyPr wrap="square">
+            <a:spAutoFit/>
+          </a:bodyPr>
+          <a:lstStyle/>
+          <a:p>
+            <a:r>
+              <a:rPr lang="en-SG" sz="2400" dirty="0">
                 <a:solidFill>
                   <a:schemeClr val="bg1">
                     <a:lumMod val="95000"/>
                   </a:schemeClr>
                 </a:solidFill>
-              </a:rPr>
-              <a:t>Applying initial learning rate at the beginning, and applying step wise decay when setting the learning scheduler.</a:t>
+                <a:latin typeface="&amp;quot"/>
+              </a:rPr>
+              <a:t>Best accuracy (on testing dataset): </a:t>
+            </a:r>
+            <a:r>
+              <a:rPr lang="en-SG" sz="3200" dirty="0">
+                <a:solidFill>
+                  <a:srgbClr val="FFFF00"/>
+                </a:solidFill>
+                <a:latin typeface="&amp;quot"/>
+              </a:rPr>
+              <a:t>91.74%</a:t>
+            </a:r>
+          </a:p>
+        </p:txBody>
+      </p:sp>
+      <p:sp>
+        <p:nvSpPr>
+          <p:cNvPr id="10" name="Rectangle 9">
+            <a:extLst>
+              <a:ext uri="{FF2B5EF4-FFF2-40B4-BE49-F238E27FC236}">
+                <a16:creationId xmlns:a16="http://schemas.microsoft.com/office/drawing/2014/main" id="{40089651-4F8C-4BF7-A03C-88B8942023D6}"/>
+              </a:ext>
+            </a:extLst>
+          </p:cNvPr>
+          <p:cNvSpPr/>
+          <p:nvPr/>
+        </p:nvSpPr>
+        <p:spPr>
+          <a:xfrm>
+            <a:off x="852569" y="4790961"/>
+            <a:ext cx="1420415" cy="1701914"/>
+          </a:xfrm>
+          <a:prstGeom prst="rect">
+            <a:avLst/>
+          </a:prstGeom>
+          <a:solidFill>
+            <a:schemeClr val="tx1">
+              <a:alpha val="50000"/>
+            </a:schemeClr>
+          </a:solidFill>
+        </p:spPr>
+        <p:style>
+          <a:lnRef idx="2">
+            <a:schemeClr val="accent1">
+              <a:shade val="50000"/>
+            </a:schemeClr>
+          </a:lnRef>
+          <a:fillRef idx="1">
+            <a:schemeClr val="accent1"/>
+          </a:fillRef>
+          <a:effectRef idx="0">
+            <a:schemeClr val="accent1"/>
+          </a:effectRef>
+          <a:fontRef idx="minor">
+            <a:schemeClr val="lt1"/>
+          </a:fontRef>
+        </p:style>
+        <p:txBody>
+          <a:bodyPr rtlCol="0" anchor="ctr"/>
+          <a:lstStyle/>
+          <a:p>
+            <a:pPr algn="ctr"/>
+            <a:endParaRPr lang="en-SG"/>
+          </a:p>
+        </p:txBody>
+      </p:sp>
+      <p:sp>
+        <p:nvSpPr>
+          <p:cNvPr id="14" name="Rectangle 13">
+            <a:extLst>
+              <a:ext uri="{FF2B5EF4-FFF2-40B4-BE49-F238E27FC236}">
+                <a16:creationId xmlns:a16="http://schemas.microsoft.com/office/drawing/2014/main" id="{5F6D48A8-D84F-4EC0-A50B-44F490212364}"/>
+              </a:ext>
+            </a:extLst>
+          </p:cNvPr>
+          <p:cNvSpPr/>
+          <p:nvPr/>
+        </p:nvSpPr>
+        <p:spPr>
+          <a:xfrm>
+            <a:off x="5243451" y="864973"/>
+            <a:ext cx="6859220" cy="2240176"/>
+          </a:xfrm>
+          <a:prstGeom prst="rect">
+            <a:avLst/>
+          </a:prstGeom>
+          <a:solidFill>
+            <a:schemeClr val="tx1">
+              <a:alpha val="50000"/>
+            </a:schemeClr>
+          </a:solidFill>
+        </p:spPr>
+        <p:style>
+          <a:lnRef idx="2">
+            <a:schemeClr val="accent1">
+              <a:shade val="50000"/>
+            </a:schemeClr>
+          </a:lnRef>
+          <a:fillRef idx="1">
+            <a:schemeClr val="accent1"/>
+          </a:fillRef>
+          <a:effectRef idx="0">
+            <a:schemeClr val="accent1"/>
+          </a:effectRef>
+          <a:fontRef idx="minor">
+            <a:schemeClr val="lt1"/>
+          </a:fontRef>
+        </p:style>
+        <p:txBody>
+          <a:bodyPr rtlCol="0" anchor="ctr"/>
+          <a:lstStyle/>
+          <a:p>
+            <a:pPr algn="ctr"/>
+            <a:endParaRPr lang="en-SG"/>
+          </a:p>
+        </p:txBody>
+      </p:sp>
+      <p:sp>
+        <p:nvSpPr>
+          <p:cNvPr id="15" name="Rectangle 14">
+            <a:extLst>
+              <a:ext uri="{FF2B5EF4-FFF2-40B4-BE49-F238E27FC236}">
+                <a16:creationId xmlns:a16="http://schemas.microsoft.com/office/drawing/2014/main" id="{60735BD5-849A-47BE-9F6C-CFDF91602973}"/>
+              </a:ext>
+            </a:extLst>
+          </p:cNvPr>
+          <p:cNvSpPr/>
+          <p:nvPr/>
+        </p:nvSpPr>
+        <p:spPr>
+          <a:xfrm>
+            <a:off x="895350" y="4903254"/>
+            <a:ext cx="1509632" cy="646331"/>
+          </a:xfrm>
+          <a:prstGeom prst="rect">
+            <a:avLst/>
+          </a:prstGeom>
+        </p:spPr>
+        <p:txBody>
+          <a:bodyPr wrap="square">
+            <a:spAutoFit/>
+          </a:bodyPr>
+          <a:lstStyle/>
+          <a:p>
+            <a:r>
+              <a:rPr lang="en-SG" dirty="0">
+                <a:solidFill>
+                  <a:schemeClr val="bg1">
+                    <a:lumMod val="95000"/>
+                  </a:schemeClr>
+                </a:solidFill>
+                <a:latin typeface="&amp;quot"/>
+              </a:rPr>
+              <a:t>Confusion Matrix</a:t>
+            </a:r>
+          </a:p>
+        </p:txBody>
+      </p:sp>
+      <p:sp>
+        <p:nvSpPr>
+          <p:cNvPr id="11" name="Rectangle 10">
+            <a:extLst>
+              <a:ext uri="{FF2B5EF4-FFF2-40B4-BE49-F238E27FC236}">
+                <a16:creationId xmlns:a16="http://schemas.microsoft.com/office/drawing/2014/main" id="{4BF70356-A21D-4A85-AF4F-01F0C968F0BA}"/>
+              </a:ext>
+            </a:extLst>
+          </p:cNvPr>
+          <p:cNvSpPr/>
+          <p:nvPr/>
+        </p:nvSpPr>
+        <p:spPr>
+          <a:xfrm>
+            <a:off x="5536153" y="948397"/>
+            <a:ext cx="5663863" cy="923330"/>
+          </a:xfrm>
+          <a:prstGeom prst="rect">
+            <a:avLst/>
+          </a:prstGeom>
+        </p:spPr>
+        <p:txBody>
+          <a:bodyPr wrap="square">
+            <a:spAutoFit/>
+          </a:bodyPr>
+          <a:lstStyle/>
+          <a:p>
+            <a:r>
+              <a:rPr lang="en-SG" dirty="0">
+                <a:solidFill>
+                  <a:schemeClr val="bg1">
+                    <a:lumMod val="95000"/>
+                  </a:schemeClr>
+                </a:solidFill>
+                <a:latin typeface="&amp;quot"/>
+              </a:rPr>
+              <a:t>Original Convolutional Neural Network</a:t>
+            </a:r>
+          </a:p>
+          <a:p>
+            <a:endParaRPr lang="en-SG" dirty="0">
+              <a:solidFill>
+                <a:schemeClr val="bg1">
+                  <a:lumMod val="95000"/>
+                </a:schemeClr>
+              </a:solidFill>
+              <a:latin typeface="&amp;quot"/>
+            </a:endParaRPr>
+          </a:p>
+          <a:p>
+            <a:r>
+              <a:rPr lang="en-SG" dirty="0">
+                <a:solidFill>
+                  <a:schemeClr val="bg1">
+                    <a:lumMod val="95000"/>
+                  </a:schemeClr>
+                </a:solidFill>
+                <a:latin typeface="&amp;quot"/>
+              </a:rPr>
+              <a:t>Batch Size = 32</a:t>
             </a:r>
           </a:p>
         </p:txBody>
       </p:sp>
       <p:pic>
         <p:nvPicPr>
-          <p:cNvPr id="23" name="Picture 22">
-            <a:extLst>
-              <a:ext uri="{FF2B5EF4-FFF2-40B4-BE49-F238E27FC236}">
-                <a16:creationId xmlns:a16="http://schemas.microsoft.com/office/drawing/2014/main" id="{7F3C6DBE-965C-4354-82F1-96C7CB630DAD}"/>
+          <p:cNvPr id="17" name="Picture 16">
+            <a:extLst>
+              <a:ext uri="{FF2B5EF4-FFF2-40B4-BE49-F238E27FC236}">
+                <a16:creationId xmlns:a16="http://schemas.microsoft.com/office/drawing/2014/main" id="{4E46135B-D02F-4DC8-8B5A-5DF8246BA106}"/>
               </a:ext>
             </a:extLst>
           </p:cNvPr>
@@ -6734,26 +6855,343 @@
           </p:cNvPicPr>
           <p:nvPr/>
         </p:nvPicPr>
-        <p:blipFill>
+        <p:blipFill rotWithShape="1">
           <a:blip r:embed="rId3"/>
-          <a:stretch>
-            <a:fillRect/>
-          </a:stretch>
+          <a:srcRect t="24652" r="57725" b="45557"/>
+          <a:stretch/>
         </p:blipFill>
         <p:spPr>
           <a:xfrm>
-            <a:off x="3972568" y="3429000"/>
-            <a:ext cx="3629025" cy="2352675"/>
+            <a:off x="5250592" y="4074328"/>
+            <a:ext cx="6859220" cy="2445764"/>
           </a:xfrm>
           <a:prstGeom prst="rect">
             <a:avLst/>
           </a:prstGeom>
         </p:spPr>
       </p:pic>
+      <p:pic>
+        <p:nvPicPr>
+          <p:cNvPr id="18" name="Picture 17">
+            <a:extLst>
+              <a:ext uri="{FF2B5EF4-FFF2-40B4-BE49-F238E27FC236}">
+                <a16:creationId xmlns:a16="http://schemas.microsoft.com/office/drawing/2014/main" id="{6449308F-09EE-4896-BE0B-E0620A684A86}"/>
+              </a:ext>
+            </a:extLst>
+          </p:cNvPr>
+          <p:cNvPicPr>
+            <a:picLocks noChangeAspect="1"/>
+          </p:cNvPicPr>
+          <p:nvPr/>
+        </p:nvPicPr>
+        <p:blipFill rotWithShape="1">
+          <a:blip r:embed="rId3"/>
+          <a:srcRect t="54444" r="83672" b="26667"/>
+          <a:stretch/>
+        </p:blipFill>
+        <p:spPr>
+          <a:xfrm>
+            <a:off x="2357357" y="4790960"/>
+            <a:ext cx="2615440" cy="1701913"/>
+          </a:xfrm>
+          <a:prstGeom prst="rect">
+            <a:avLst/>
+          </a:prstGeom>
+        </p:spPr>
+      </p:pic>
+      <p:pic>
+        <p:nvPicPr>
+          <p:cNvPr id="19" name="Picture 18">
+            <a:extLst>
+              <a:ext uri="{FF2B5EF4-FFF2-40B4-BE49-F238E27FC236}">
+                <a16:creationId xmlns:a16="http://schemas.microsoft.com/office/drawing/2014/main" id="{46A864DA-1A77-4280-8CC1-29C51799E39B}"/>
+              </a:ext>
+            </a:extLst>
+          </p:cNvPr>
+          <p:cNvPicPr>
+            <a:picLocks noChangeAspect="1"/>
+          </p:cNvPicPr>
+          <p:nvPr/>
+        </p:nvPicPr>
+        <p:blipFill rotWithShape="1">
+          <a:blip r:embed="rId4"/>
+          <a:srcRect l="733" t="23194" r="70078" b="40713"/>
+          <a:stretch/>
+        </p:blipFill>
+        <p:spPr>
+          <a:xfrm>
+            <a:off x="897734" y="1619743"/>
+            <a:ext cx="4061644" cy="2825026"/>
+          </a:xfrm>
+          <a:prstGeom prst="rect">
+            <a:avLst/>
+          </a:prstGeom>
+        </p:spPr>
+      </p:pic>
+      <p:sp>
+        <p:nvSpPr>
+          <p:cNvPr id="3" name="Oval 2">
+            <a:extLst>
+              <a:ext uri="{FF2B5EF4-FFF2-40B4-BE49-F238E27FC236}">
+                <a16:creationId xmlns:a16="http://schemas.microsoft.com/office/drawing/2014/main" id="{6CA7BD02-C6A9-42DC-AED6-C5A0CF5E7ABE}"/>
+              </a:ext>
+            </a:extLst>
+          </p:cNvPr>
+          <p:cNvSpPr/>
+          <p:nvPr/>
+        </p:nvSpPr>
+        <p:spPr>
+          <a:xfrm>
+            <a:off x="3701988" y="2210540"/>
+            <a:ext cx="985422" cy="665825"/>
+          </a:xfrm>
+          <a:prstGeom prst="ellipse">
+            <a:avLst/>
+          </a:prstGeom>
+          <a:noFill/>
+          <a:ln w="25400">
+            <a:solidFill>
+              <a:srgbClr val="00B0F0"/>
+            </a:solidFill>
+          </a:ln>
+        </p:spPr>
+        <p:style>
+          <a:lnRef idx="2">
+            <a:schemeClr val="accent1">
+              <a:shade val="50000"/>
+            </a:schemeClr>
+          </a:lnRef>
+          <a:fillRef idx="1">
+            <a:schemeClr val="accent1"/>
+          </a:fillRef>
+          <a:effectRef idx="0">
+            <a:schemeClr val="accent1"/>
+          </a:effectRef>
+          <a:fontRef idx="minor">
+            <a:schemeClr val="lt1"/>
+          </a:fontRef>
+        </p:style>
+        <p:txBody>
+          <a:bodyPr rtlCol="0" anchor="ctr"/>
+          <a:lstStyle/>
+          <a:p>
+            <a:pPr algn="ctr"/>
+            <a:endParaRPr lang="en-SG"/>
+          </a:p>
+        </p:txBody>
+      </p:sp>
+      <p:cxnSp>
+        <p:nvCxnSpPr>
+          <p:cNvPr id="9" name="Straight Connector 8">
+            <a:extLst>
+              <a:ext uri="{FF2B5EF4-FFF2-40B4-BE49-F238E27FC236}">
+                <a16:creationId xmlns:a16="http://schemas.microsoft.com/office/drawing/2014/main" id="{8A1E6E6A-A52E-48B0-BEFE-3374C1AB72F2}"/>
+              </a:ext>
+            </a:extLst>
+          </p:cNvPr>
+          <p:cNvCxnSpPr>
+            <a:stCxn id="3" idx="6"/>
+            <a:endCxn id="6" idx="1"/>
+          </p:cNvCxnSpPr>
+          <p:nvPr/>
+        </p:nvCxnSpPr>
+        <p:spPr>
+          <a:xfrm>
+            <a:off x="4687410" y="2543453"/>
+            <a:ext cx="951995" cy="322610"/>
+          </a:xfrm>
+          <a:prstGeom prst="line">
+            <a:avLst/>
+          </a:prstGeom>
+          <a:ln w="28575">
+            <a:solidFill>
+              <a:srgbClr val="85DFFF"/>
+            </a:solidFill>
+          </a:ln>
+        </p:spPr>
+        <p:style>
+          <a:lnRef idx="1">
+            <a:schemeClr val="accent1"/>
+          </a:lnRef>
+          <a:fillRef idx="0">
+            <a:schemeClr val="accent1"/>
+          </a:fillRef>
+          <a:effectRef idx="0">
+            <a:schemeClr val="accent1"/>
+          </a:effectRef>
+          <a:fontRef idx="minor">
+            <a:schemeClr val="tx1"/>
+          </a:fontRef>
+        </p:style>
+      </p:cxnSp>
+      <p:sp>
+        <p:nvSpPr>
+          <p:cNvPr id="20" name="Rectangle 19">
+            <a:extLst>
+              <a:ext uri="{FF2B5EF4-FFF2-40B4-BE49-F238E27FC236}">
+                <a16:creationId xmlns:a16="http://schemas.microsoft.com/office/drawing/2014/main" id="{5F0D1847-3932-49DE-9DFF-730260E4013C}"/>
+              </a:ext>
+            </a:extLst>
+          </p:cNvPr>
+          <p:cNvSpPr/>
+          <p:nvPr/>
+        </p:nvSpPr>
+        <p:spPr>
+          <a:xfrm>
+            <a:off x="5639405" y="2639667"/>
+            <a:ext cx="2980812" cy="382145"/>
+          </a:xfrm>
+          <a:prstGeom prst="rect">
+            <a:avLst/>
+          </a:prstGeom>
+          <a:solidFill>
+            <a:schemeClr val="tx1">
+              <a:alpha val="50000"/>
+            </a:schemeClr>
+          </a:solidFill>
+        </p:spPr>
+        <p:style>
+          <a:lnRef idx="2">
+            <a:schemeClr val="accent1">
+              <a:shade val="50000"/>
+            </a:schemeClr>
+          </a:lnRef>
+          <a:fillRef idx="1">
+            <a:schemeClr val="accent1"/>
+          </a:fillRef>
+          <a:effectRef idx="0">
+            <a:schemeClr val="accent1"/>
+          </a:effectRef>
+          <a:fontRef idx="minor">
+            <a:schemeClr val="lt1"/>
+          </a:fontRef>
+        </p:style>
+        <p:txBody>
+          <a:bodyPr rtlCol="0" anchor="ctr"/>
+          <a:lstStyle/>
+          <a:p>
+            <a:pPr algn="ctr"/>
+            <a:endParaRPr lang="en-SG"/>
+          </a:p>
+        </p:txBody>
+      </p:sp>
+      <p:sp>
+        <p:nvSpPr>
+          <p:cNvPr id="6" name="TextBox 5">
+            <a:extLst>
+              <a:ext uri="{FF2B5EF4-FFF2-40B4-BE49-F238E27FC236}">
+                <a16:creationId xmlns:a16="http://schemas.microsoft.com/office/drawing/2014/main" id="{F42A2E0E-DB88-4E61-BABD-2C34526D5645}"/>
+              </a:ext>
+            </a:extLst>
+          </p:cNvPr>
+          <p:cNvSpPr txBox="1"/>
+          <p:nvPr/>
+        </p:nvSpPr>
+        <p:spPr>
+          <a:xfrm>
+            <a:off x="5639405" y="2681397"/>
+            <a:ext cx="4465468" cy="369332"/>
+          </a:xfrm>
+          <a:prstGeom prst="rect">
+            <a:avLst/>
+          </a:prstGeom>
+          <a:noFill/>
+        </p:spPr>
+        <p:txBody>
+          <a:bodyPr wrap="square" rtlCol="0">
+            <a:spAutoFit/>
+          </a:bodyPr>
+          <a:lstStyle/>
+          <a:p>
+            <a:r>
+              <a:rPr lang="en-US" dirty="0">
+                <a:solidFill>
+                  <a:srgbClr val="85DFFF"/>
+                </a:solidFill>
+              </a:rPr>
+              <a:t>Loss value starts to increase…</a:t>
+            </a:r>
+            <a:endParaRPr lang="en-SG" dirty="0">
+              <a:solidFill>
+                <a:srgbClr val="85DFFF"/>
+              </a:solidFill>
+            </a:endParaRPr>
+          </a:p>
+        </p:txBody>
+      </p:sp>
+      <p:sp>
+        <p:nvSpPr>
+          <p:cNvPr id="21" name="Title 1">
+            <a:extLst>
+              <a:ext uri="{FF2B5EF4-FFF2-40B4-BE49-F238E27FC236}">
+                <a16:creationId xmlns:a16="http://schemas.microsoft.com/office/drawing/2014/main" id="{6D9F711F-EC23-4CD5-8C2C-F6F9C1C8F8AC}"/>
+              </a:ext>
+            </a:extLst>
+          </p:cNvPr>
+          <p:cNvSpPr txBox="1">
+            <a:spLocks/>
+          </p:cNvSpPr>
+          <p:nvPr/>
+        </p:nvSpPr>
+        <p:spPr>
+          <a:xfrm>
+            <a:off x="270394" y="112473"/>
+            <a:ext cx="6488752" cy="779260"/>
+          </a:xfrm>
+          <a:prstGeom prst="rect">
+            <a:avLst/>
+          </a:prstGeom>
+        </p:spPr>
+        <p:txBody>
+          <a:bodyPr vert="horz" lIns="91440" tIns="45720" rIns="91440" bIns="45720" rtlCol="0" anchor="ctr">
+            <a:normAutofit/>
+          </a:bodyPr>
+          <a:lstStyle>
+            <a:lvl1pPr algn="l" defTabSz="914400" rtl="0" eaLnBrk="1" latinLnBrk="0" hangingPunct="1">
+              <a:lnSpc>
+                <a:spcPct val="90000"/>
+              </a:lnSpc>
+              <a:spcBef>
+                <a:spcPct val="0"/>
+              </a:spcBef>
+              <a:buNone/>
+              <a:defRPr sz="4400" kern="1200">
+                <a:solidFill>
+                  <a:schemeClr val="tx1"/>
+                </a:solidFill>
+                <a:latin typeface="+mj-lt"/>
+                <a:ea typeface="+mj-ea"/>
+                <a:cs typeface="+mj-cs"/>
+              </a:defRPr>
+            </a:lvl1pPr>
+          </a:lstStyle>
+          <a:p>
+            <a:r>
+              <a:rPr lang="en-US" dirty="0">
+                <a:solidFill>
+                  <a:schemeClr val="accent1">
+                    <a:lumMod val="20000"/>
+                    <a:lumOff val="80000"/>
+                  </a:schemeClr>
+                </a:solidFill>
+                <a:effectLst>
+                  <a:glow rad="228600">
+                    <a:schemeClr val="accent1">
+                      <a:satMod val="175000"/>
+                      <a:alpha val="40000"/>
+                    </a:schemeClr>
+                  </a:glow>
+                </a:effectLst>
+              </a:rPr>
+              <a:t>Standard Neural Network</a:t>
+            </a:r>
+          </a:p>
+        </p:txBody>
+      </p:sp>
     </p:spTree>
     <p:extLst>
       <p:ext uri="{BB962C8B-B14F-4D97-AF65-F5344CB8AC3E}">
-        <p14:creationId xmlns:p14="http://schemas.microsoft.com/office/powerpoint/2010/main" val="88083868"/>
+        <p14:creationId xmlns:p14="http://schemas.microsoft.com/office/powerpoint/2010/main" val="2240183593"/>
       </p:ext>
     </p:extLst>
   </p:cSld>
@@ -6830,8 +7268,8 @@
         </p:nvSpPr>
         <p:spPr>
           <a:xfrm>
-            <a:off x="14608" y="1825624"/>
-            <a:ext cx="12177392" cy="4667251"/>
+            <a:off x="14608" y="1544596"/>
+            <a:ext cx="12177392" cy="5202194"/>
           </a:xfrm>
           <a:prstGeom prst="rect">
             <a:avLst/>
@@ -6883,7 +7321,12 @@
             <p:ph type="title"/>
           </p:nvPr>
         </p:nvSpPr>
-        <p:spPr/>
+        <p:spPr>
+          <a:xfrm>
+            <a:off x="838200" y="204486"/>
+            <a:ext cx="10515600" cy="1018834"/>
+          </a:xfrm>
+        </p:spPr>
         <p:txBody>
           <a:bodyPr vert="horz" lIns="91440" tIns="45720" rIns="91440" bIns="45720" rtlCol="0" anchor="ctr">
             <a:normAutofit/>
@@ -6907,140 +7350,116 @@
                   </a:glow>
                 </a:effectLst>
               </a:rPr>
-              <a:t>Training the Neural Network </a:t>
-            </a:r>
-            <a:br>
-              <a:rPr lang="en-US" dirty="0">
-                <a:solidFill>
+              <a:t>Incorporating the Resnet</a:t>
+            </a:r>
+            <a:endParaRPr lang="en-US" sz="3200" dirty="0">
+              <a:solidFill>
+                <a:schemeClr val="accent1">
+                  <a:lumMod val="20000"/>
+                  <a:lumOff val="80000"/>
+                </a:schemeClr>
+              </a:solidFill>
+              <a:effectLst>
+                <a:glow rad="228600">
                   <a:schemeClr val="accent1">
-                    <a:lumMod val="20000"/>
-                    <a:lumOff val="80000"/>
+                    <a:satMod val="175000"/>
+                    <a:alpha val="40000"/>
                   </a:schemeClr>
-                </a:solidFill>
-                <a:effectLst>
-                  <a:glow rad="228600">
-                    <a:schemeClr val="accent1">
-                      <a:satMod val="175000"/>
-                      <a:alpha val="40000"/>
-                    </a:schemeClr>
-                  </a:glow>
-                </a:effectLst>
-              </a:rPr>
-            </a:br>
-            <a:r>
-              <a:rPr lang="en-US" dirty="0">
-                <a:solidFill>
-                  <a:schemeClr val="accent1">
-                    <a:lumMod val="20000"/>
-                    <a:lumOff val="80000"/>
-                  </a:schemeClr>
-                </a:solidFill>
-                <a:effectLst>
-                  <a:glow rad="228600">
-                    <a:schemeClr val="accent1">
-                      <a:satMod val="175000"/>
-                      <a:alpha val="40000"/>
-                    </a:schemeClr>
-                  </a:glow>
-                </a:effectLst>
-              </a:rPr>
-              <a:t>	</a:t>
-            </a:r>
-            <a:r>
-              <a:rPr lang="en-US" sz="3200" dirty="0">
-                <a:solidFill>
-                  <a:schemeClr val="accent1">
-                    <a:lumMod val="20000"/>
-                    <a:lumOff val="80000"/>
-                  </a:schemeClr>
-                </a:solidFill>
-                <a:effectLst>
-                  <a:glow rad="228600">
-                    <a:schemeClr val="accent1">
-                      <a:satMod val="175000"/>
-                      <a:alpha val="40000"/>
-                    </a:schemeClr>
-                  </a:glow>
-                </a:effectLst>
-              </a:rPr>
-              <a:t>– Standard Neural Network</a:t>
-            </a:r>
-          </a:p>
-        </p:txBody>
-      </p:sp>
-      <p:sp>
-        <p:nvSpPr>
-          <p:cNvPr id="3" name="Content Placeholder 2">
-            <a:extLst>
-              <a:ext uri="{FF2B5EF4-FFF2-40B4-BE49-F238E27FC236}">
-                <a16:creationId xmlns:a16="http://schemas.microsoft.com/office/drawing/2014/main" id="{B66A79AE-D9E6-4A33-BF03-F5F5C76B0E50}"/>
-              </a:ext>
-            </a:extLst>
-          </p:cNvPr>
-          <p:cNvSpPr>
-            <a:spLocks noGrp="1"/>
-          </p:cNvSpPr>
-          <p:nvPr>
-            <p:ph idx="1"/>
-          </p:nvPr>
-        </p:nvSpPr>
-        <p:spPr>
-          <a:xfrm>
-            <a:off x="823784" y="2141537"/>
-            <a:ext cx="3933567" cy="4351338"/>
-          </a:xfrm>
-        </p:spPr>
-        <p:txBody>
-          <a:bodyPr/>
-          <a:lstStyle/>
-          <a:p>
-            <a:pPr marL="0" indent="0">
-              <a:buNone/>
-            </a:pPr>
-            <a:r>
-              <a:rPr lang="en-US" dirty="0">
-                <a:solidFill>
-                  <a:schemeClr val="bg1"/>
-                </a:solidFill>
-              </a:rPr>
-              <a:t>We started with the standard convolutional neural network which gave us an accuracy of </a:t>
-            </a:r>
-          </a:p>
-          <a:p>
-            <a:pPr marL="0" indent="0">
-              <a:buNone/>
-            </a:pPr>
-            <a:r>
-              <a:rPr lang="en-US" sz="3600" dirty="0">
-                <a:solidFill>
-                  <a:srgbClr val="FFFF00"/>
-                </a:solidFill>
-              </a:rPr>
-              <a:t>91.74%</a:t>
-            </a:r>
-          </a:p>
-        </p:txBody>
-      </p:sp>
-      <p:sp>
-        <p:nvSpPr>
-          <p:cNvPr id="6" name="Rectangle 5">
-            <a:extLst>
-              <a:ext uri="{FF2B5EF4-FFF2-40B4-BE49-F238E27FC236}">
-                <a16:creationId xmlns:a16="http://schemas.microsoft.com/office/drawing/2014/main" id="{A54DD88C-D977-422B-B722-CAD61B6CA889}"/>
-              </a:ext>
-            </a:extLst>
-          </p:cNvPr>
-          <p:cNvSpPr/>
+                </a:glow>
+              </a:effectLst>
+            </a:endParaRPr>
+          </a:p>
+        </p:txBody>
+      </p:sp>
+      <p:sp>
+        <p:nvSpPr>
+          <p:cNvPr id="15" name="TextBox 14">
+            <a:extLst>
+              <a:ext uri="{FF2B5EF4-FFF2-40B4-BE49-F238E27FC236}">
+                <a16:creationId xmlns:a16="http://schemas.microsoft.com/office/drawing/2014/main" id="{BC924AEE-77A3-4124-8D80-0EB123560B5E}"/>
+              </a:ext>
+            </a:extLst>
+          </p:cNvPr>
+          <p:cNvSpPr txBox="1"/>
           <p:nvPr/>
         </p:nvSpPr>
         <p:spPr>
           <a:xfrm>
-            <a:off x="4856205" y="2006601"/>
-            <a:ext cx="7203991" cy="3970318"/>
+            <a:off x="7308091" y="1600015"/>
+            <a:ext cx="1865870" cy="461665"/>
           </a:xfrm>
           <a:prstGeom prst="rect">
             <a:avLst/>
           </a:prstGeom>
+          <a:noFill/>
+        </p:spPr>
+        <p:txBody>
+          <a:bodyPr wrap="square" rtlCol="0">
+            <a:spAutoFit/>
+          </a:bodyPr>
+          <a:lstStyle/>
+          <a:p>
+            <a:r>
+              <a:rPr lang="en-SG" sz="2400" dirty="0">
+                <a:solidFill>
+                  <a:srgbClr val="FFFF00"/>
+                </a:solidFill>
+              </a:rPr>
+              <a:t>Input Layers</a:t>
+            </a:r>
+          </a:p>
+        </p:txBody>
+      </p:sp>
+      <p:pic>
+        <p:nvPicPr>
+          <p:cNvPr id="16" name="Picture 15">
+            <a:extLst>
+              <a:ext uri="{FF2B5EF4-FFF2-40B4-BE49-F238E27FC236}">
+                <a16:creationId xmlns:a16="http://schemas.microsoft.com/office/drawing/2014/main" id="{F368D2DB-955E-402C-8FC4-381AA64C7A12}"/>
+              </a:ext>
+            </a:extLst>
+          </p:cNvPr>
+          <p:cNvPicPr>
+            <a:picLocks noChangeAspect="1"/>
+          </p:cNvPicPr>
+          <p:nvPr/>
+        </p:nvPicPr>
+        <p:blipFill>
+          <a:blip r:embed="rId3"/>
+          <a:stretch>
+            <a:fillRect/>
+          </a:stretch>
+        </p:blipFill>
+        <p:spPr>
+          <a:xfrm>
+            <a:off x="5468929" y="2117099"/>
+            <a:ext cx="5544194" cy="4402980"/>
+          </a:xfrm>
+          <a:prstGeom prst="rect">
+            <a:avLst/>
+          </a:prstGeom>
+        </p:spPr>
+      </p:pic>
+      <p:sp>
+        <p:nvSpPr>
+          <p:cNvPr id="17" name="Rectangle 16">
+            <a:extLst>
+              <a:ext uri="{FF2B5EF4-FFF2-40B4-BE49-F238E27FC236}">
+                <a16:creationId xmlns:a16="http://schemas.microsoft.com/office/drawing/2014/main" id="{5BF687E9-96E3-4E6D-B281-D0F76900AF31}"/>
+              </a:ext>
+            </a:extLst>
+          </p:cNvPr>
+          <p:cNvSpPr/>
+          <p:nvPr/>
+        </p:nvSpPr>
+        <p:spPr>
+          <a:xfrm>
+            <a:off x="838200" y="2767916"/>
+            <a:ext cx="3793094" cy="2677656"/>
+          </a:xfrm>
+          <a:prstGeom prst="rect">
+            <a:avLst/>
+          </a:prstGeom>
         </p:spPr>
         <p:txBody>
           <a:bodyPr wrap="square">
@@ -7049,452 +7468,38 @@
           <a:lstStyle/>
           <a:p>
             <a:r>
-              <a:rPr lang="en-SG" dirty="0">
-                <a:solidFill>
-                  <a:srgbClr val="FFFF00"/>
-                </a:solidFill>
-              </a:rPr>
-              <a:t>def </a:t>
-            </a:r>
-            <a:r>
-              <a:rPr lang="en-SG" dirty="0" err="1">
-                <a:solidFill>
-                  <a:srgbClr val="FFFF00"/>
-                </a:solidFill>
-              </a:rPr>
-              <a:t>createModel</a:t>
-            </a:r>
-            <a:r>
-              <a:rPr lang="en-SG" dirty="0">
-                <a:solidFill>
-                  <a:srgbClr val="FFFF00"/>
-                </a:solidFill>
-              </a:rPr>
-              <a:t>():</a:t>
-            </a:r>
-          </a:p>
-          <a:p>
-            <a:r>
-              <a:rPr lang="en-SG" dirty="0">
-                <a:solidFill>
-                  <a:srgbClr val="FFFF00"/>
-                </a:solidFill>
-              </a:rPr>
-              <a:t>    model = Sequential()       </a:t>
-            </a:r>
-          </a:p>
-          <a:p>
-            <a:r>
-              <a:rPr lang="en-SG" dirty="0">
-                <a:solidFill>
-                  <a:srgbClr val="FFFF00"/>
-                </a:solidFill>
-              </a:rPr>
-              <a:t>    </a:t>
-            </a:r>
-            <a:r>
-              <a:rPr lang="en-SG" dirty="0" err="1">
-                <a:solidFill>
-                  <a:srgbClr val="FFFF00"/>
-                </a:solidFill>
-              </a:rPr>
-              <a:t>model.add</a:t>
-            </a:r>
-            <a:r>
-              <a:rPr lang="en-SG" dirty="0">
-                <a:solidFill>
-                  <a:srgbClr val="FFFF00"/>
-                </a:solidFill>
-              </a:rPr>
-              <a:t>(Conv2D(20, (5, 5), </a:t>
-            </a:r>
-            <a:r>
-              <a:rPr lang="en-SG" dirty="0" err="1">
-                <a:solidFill>
-                  <a:srgbClr val="FFFF00"/>
-                </a:solidFill>
-              </a:rPr>
-              <a:t>input_shape</a:t>
-            </a:r>
-            <a:r>
-              <a:rPr lang="en-SG" dirty="0">
-                <a:solidFill>
-                  <a:srgbClr val="FFFF00"/>
-                </a:solidFill>
-              </a:rPr>
-              <a:t>=(21, 21, 1), activation='</a:t>
-            </a:r>
-            <a:r>
-              <a:rPr lang="en-SG" dirty="0" err="1">
-                <a:solidFill>
-                  <a:srgbClr val="FFFF00"/>
-                </a:solidFill>
-              </a:rPr>
-              <a:t>relu</a:t>
-            </a:r>
-            <a:r>
-              <a:rPr lang="en-SG" dirty="0">
-                <a:solidFill>
-                  <a:srgbClr val="FFFF00"/>
-                </a:solidFill>
-              </a:rPr>
-              <a:t>'))       </a:t>
-            </a:r>
-          </a:p>
-          <a:p>
-            <a:r>
-              <a:rPr lang="en-SG" dirty="0">
-                <a:solidFill>
-                  <a:srgbClr val="FFFF00"/>
-                </a:solidFill>
-              </a:rPr>
-              <a:t>    </a:t>
-            </a:r>
-            <a:r>
-              <a:rPr lang="en-SG" dirty="0" err="1">
-                <a:solidFill>
-                  <a:srgbClr val="FFFF00"/>
-                </a:solidFill>
-              </a:rPr>
-              <a:t>model.add</a:t>
-            </a:r>
-            <a:r>
-              <a:rPr lang="en-SG" dirty="0">
-                <a:solidFill>
-                  <a:srgbClr val="FFFF00"/>
-                </a:solidFill>
-              </a:rPr>
-              <a:t>(MaxPooling2D(</a:t>
-            </a:r>
-            <a:r>
-              <a:rPr lang="en-SG" dirty="0" err="1">
-                <a:solidFill>
-                  <a:srgbClr val="FFFF00"/>
-                </a:solidFill>
-              </a:rPr>
-              <a:t>pool_size</a:t>
-            </a:r>
-            <a:r>
-              <a:rPr lang="en-SG" dirty="0">
-                <a:solidFill>
-                  <a:srgbClr val="FFFF00"/>
-                </a:solidFill>
-              </a:rPr>
-              <a:t>=(2, 2)))       </a:t>
-            </a:r>
-          </a:p>
-          <a:p>
-            <a:r>
-              <a:rPr lang="en-SG" dirty="0">
-                <a:solidFill>
-                  <a:srgbClr val="FFFF00"/>
-                </a:solidFill>
-              </a:rPr>
-              <a:t>    </a:t>
-            </a:r>
-            <a:r>
-              <a:rPr lang="en-SG" dirty="0" err="1">
-                <a:solidFill>
-                  <a:srgbClr val="FFFF00"/>
-                </a:solidFill>
-              </a:rPr>
-              <a:t>model.add</a:t>
-            </a:r>
-            <a:r>
-              <a:rPr lang="en-SG" dirty="0">
-                <a:solidFill>
-                  <a:srgbClr val="FFFF00"/>
-                </a:solidFill>
-              </a:rPr>
-              <a:t>(Conv2D(40, (5, 5), activation='</a:t>
-            </a:r>
-            <a:r>
-              <a:rPr lang="en-SG" dirty="0" err="1">
-                <a:solidFill>
-                  <a:srgbClr val="FFFF00"/>
-                </a:solidFill>
-              </a:rPr>
-              <a:t>relu</a:t>
-            </a:r>
-            <a:r>
-              <a:rPr lang="en-SG" dirty="0">
-                <a:solidFill>
-                  <a:srgbClr val="FFFF00"/>
-                </a:solidFill>
-              </a:rPr>
-              <a:t>'))       </a:t>
-            </a:r>
-          </a:p>
-          <a:p>
-            <a:r>
-              <a:rPr lang="en-SG" dirty="0">
-                <a:solidFill>
-                  <a:srgbClr val="FFFF00"/>
-                </a:solidFill>
-              </a:rPr>
-              <a:t>    </a:t>
-            </a:r>
-            <a:r>
-              <a:rPr lang="en-SG" dirty="0" err="1">
-                <a:solidFill>
-                  <a:srgbClr val="FFFF00"/>
-                </a:solidFill>
-              </a:rPr>
-              <a:t>model.add</a:t>
-            </a:r>
-            <a:r>
-              <a:rPr lang="en-SG" dirty="0">
-                <a:solidFill>
-                  <a:srgbClr val="FFFF00"/>
-                </a:solidFill>
-              </a:rPr>
-              <a:t>(MaxPooling2D(</a:t>
-            </a:r>
-            <a:r>
-              <a:rPr lang="en-SG" dirty="0" err="1">
-                <a:solidFill>
-                  <a:srgbClr val="FFFF00"/>
-                </a:solidFill>
-              </a:rPr>
-              <a:t>pool_size</a:t>
-            </a:r>
-            <a:r>
-              <a:rPr lang="en-SG" dirty="0">
-                <a:solidFill>
-                  <a:srgbClr val="FFFF00"/>
-                </a:solidFill>
-              </a:rPr>
-              <a:t>=(2, 2)))       </a:t>
-            </a:r>
-          </a:p>
-          <a:p>
-            <a:r>
-              <a:rPr lang="en-SG" dirty="0">
-                <a:solidFill>
-                  <a:srgbClr val="FFFF00"/>
-                </a:solidFill>
-              </a:rPr>
-              <a:t>    </a:t>
-            </a:r>
-            <a:r>
-              <a:rPr lang="en-SG" dirty="0" err="1">
-                <a:solidFill>
-                  <a:srgbClr val="FFFF00"/>
-                </a:solidFill>
-              </a:rPr>
-              <a:t>model.add</a:t>
-            </a:r>
-            <a:r>
-              <a:rPr lang="en-SG" dirty="0">
-                <a:solidFill>
-                  <a:srgbClr val="FFFF00"/>
-                </a:solidFill>
-              </a:rPr>
-              <a:t>(Dropout(0.2))       </a:t>
-            </a:r>
-          </a:p>
-          <a:p>
-            <a:r>
-              <a:rPr lang="en-SG" dirty="0">
-                <a:solidFill>
-                  <a:srgbClr val="FFFF00"/>
-                </a:solidFill>
-              </a:rPr>
-              <a:t>    </a:t>
-            </a:r>
-            <a:r>
-              <a:rPr lang="en-SG" dirty="0" err="1">
-                <a:solidFill>
-                  <a:srgbClr val="FFFF00"/>
-                </a:solidFill>
-              </a:rPr>
-              <a:t>model.add</a:t>
-            </a:r>
-            <a:r>
-              <a:rPr lang="en-SG" dirty="0">
-                <a:solidFill>
-                  <a:srgbClr val="FFFF00"/>
-                </a:solidFill>
-              </a:rPr>
-              <a:t>(Flatten())       </a:t>
-            </a:r>
-          </a:p>
-          <a:p>
-            <a:r>
-              <a:rPr lang="en-SG" dirty="0">
-                <a:solidFill>
-                  <a:srgbClr val="FFFF00"/>
-                </a:solidFill>
-              </a:rPr>
-              <a:t>    </a:t>
-            </a:r>
-            <a:r>
-              <a:rPr lang="en-SG" dirty="0" err="1">
-                <a:solidFill>
-                  <a:srgbClr val="FFFF00"/>
-                </a:solidFill>
-              </a:rPr>
-              <a:t>model.add</a:t>
-            </a:r>
-            <a:r>
-              <a:rPr lang="en-SG" dirty="0">
-                <a:solidFill>
-                  <a:srgbClr val="FFFF00"/>
-                </a:solidFill>
-              </a:rPr>
-              <a:t>(Dense(128, activation='</a:t>
-            </a:r>
-            <a:r>
-              <a:rPr lang="en-SG" dirty="0" err="1">
-                <a:solidFill>
-                  <a:srgbClr val="FFFF00"/>
-                </a:solidFill>
-              </a:rPr>
-              <a:t>relu</a:t>
-            </a:r>
-            <a:r>
-              <a:rPr lang="en-SG" dirty="0">
-                <a:solidFill>
-                  <a:srgbClr val="FFFF00"/>
-                </a:solidFill>
-              </a:rPr>
-              <a:t>'))       </a:t>
-            </a:r>
-          </a:p>
-          <a:p>
-            <a:r>
-              <a:rPr lang="en-SG" dirty="0">
-                <a:solidFill>
-                  <a:srgbClr val="FFFF00"/>
-                </a:solidFill>
-              </a:rPr>
-              <a:t>    </a:t>
-            </a:r>
-            <a:r>
-              <a:rPr lang="en-SG" dirty="0" err="1">
-                <a:solidFill>
-                  <a:srgbClr val="FFFF00"/>
-                </a:solidFill>
-              </a:rPr>
-              <a:t>model.add</a:t>
-            </a:r>
-            <a:r>
-              <a:rPr lang="en-SG" dirty="0">
-                <a:solidFill>
-                  <a:srgbClr val="FFFF00"/>
-                </a:solidFill>
-              </a:rPr>
-              <a:t>(Dense(</a:t>
-            </a:r>
-            <a:r>
-              <a:rPr lang="en-SG" dirty="0" err="1">
-                <a:solidFill>
-                  <a:srgbClr val="FFFF00"/>
-                </a:solidFill>
-              </a:rPr>
-              <a:t>num_classes</a:t>
-            </a:r>
-            <a:r>
-              <a:rPr lang="en-SG" dirty="0">
-                <a:solidFill>
-                  <a:srgbClr val="FFFF00"/>
-                </a:solidFill>
-              </a:rPr>
-              <a:t>, activation='</a:t>
-            </a:r>
-            <a:r>
-              <a:rPr lang="en-SG" dirty="0" err="1">
-                <a:solidFill>
-                  <a:srgbClr val="FFFF00"/>
-                </a:solidFill>
-              </a:rPr>
-              <a:t>softmax</a:t>
-            </a:r>
-            <a:r>
-              <a:rPr lang="en-SG" dirty="0">
-                <a:solidFill>
-                  <a:srgbClr val="FFFF00"/>
-                </a:solidFill>
-              </a:rPr>
-              <a:t>'))            </a:t>
-            </a:r>
-          </a:p>
-          <a:p>
-            <a:r>
-              <a:rPr lang="en-SG" dirty="0">
-                <a:solidFill>
-                  <a:srgbClr val="FFFF00"/>
-                </a:solidFill>
-              </a:rPr>
-              <a:t>    </a:t>
-            </a:r>
-            <a:r>
-              <a:rPr lang="en-SG" dirty="0" err="1">
-                <a:solidFill>
-                  <a:srgbClr val="FFFF00"/>
-                </a:solidFill>
-              </a:rPr>
-              <a:t>model.compile</a:t>
-            </a:r>
-            <a:r>
-              <a:rPr lang="en-SG" dirty="0">
-                <a:solidFill>
-                  <a:srgbClr val="FFFF00"/>
-                </a:solidFill>
-              </a:rPr>
-              <a:t>(loss='</a:t>
-            </a:r>
-            <a:r>
-              <a:rPr lang="en-SG" dirty="0" err="1">
-                <a:solidFill>
-                  <a:srgbClr val="FFFF00"/>
-                </a:solidFill>
-              </a:rPr>
-              <a:t>categorical_crossentropy</a:t>
-            </a:r>
-            <a:r>
-              <a:rPr lang="en-SG" dirty="0">
-                <a:solidFill>
-                  <a:srgbClr val="FFFF00"/>
-                </a:solidFill>
-              </a:rPr>
-              <a:t>', optimizer='</a:t>
-            </a:r>
-            <a:r>
-              <a:rPr lang="en-SG" dirty="0" err="1">
-                <a:solidFill>
-                  <a:srgbClr val="FFFF00"/>
-                </a:solidFill>
-              </a:rPr>
-              <a:t>adam</a:t>
-            </a:r>
-            <a:r>
-              <a:rPr lang="en-SG" dirty="0">
-                <a:solidFill>
-                  <a:srgbClr val="FFFF00"/>
-                </a:solidFill>
-              </a:rPr>
-              <a:t>', metrics=['accuracy']) </a:t>
-            </a:r>
-          </a:p>
-          <a:p>
-            <a:r>
-              <a:rPr lang="en-SG" dirty="0">
-                <a:solidFill>
-                  <a:srgbClr val="FFFF00"/>
-                </a:solidFill>
-              </a:rPr>
-              <a:t>      </a:t>
-            </a:r>
-          </a:p>
-          <a:p>
-            <a:r>
-              <a:rPr lang="en-SG" dirty="0">
-                <a:solidFill>
-                  <a:srgbClr val="FFFF00"/>
-                </a:solidFill>
-              </a:rPr>
-              <a:t>    return model</a:t>
+              <a:rPr lang="en-MY" sz="2400" dirty="0">
+                <a:solidFill>
+                  <a:schemeClr val="bg1">
+                    <a:lumMod val="95000"/>
+                  </a:schemeClr>
+                </a:solidFill>
+              </a:rPr>
+              <a:t>The input shape is (21,21,1)</a:t>
+            </a:r>
+          </a:p>
+          <a:p>
+            <a:r>
+              <a:rPr lang="en-MY" sz="2400" dirty="0">
+                <a:solidFill>
+                  <a:schemeClr val="bg1">
+                    <a:lumMod val="95000"/>
+                  </a:schemeClr>
+                </a:solidFill>
+              </a:rPr>
+              <a:t>16 Neurons of conv2D followed by batch normalization and RELU activation layer.</a:t>
+            </a:r>
+          </a:p>
+          <a:p>
+            <a:r>
+              <a:rPr lang="en-MY" sz="2400" dirty="0">
+                <a:solidFill>
+                  <a:schemeClr val="bg1">
+                    <a:lumMod val="95000"/>
+                  </a:schemeClr>
+                </a:solidFill>
+              </a:rPr>
+              <a:t>The output shape becomes (21,21,16) </a:t>
             </a:r>
           </a:p>
         </p:txBody>
@@ -7502,7 +7507,7 @@
     </p:spTree>
     <p:extLst>
       <p:ext uri="{BB962C8B-B14F-4D97-AF65-F5344CB8AC3E}">
-        <p14:creationId xmlns:p14="http://schemas.microsoft.com/office/powerpoint/2010/main" val="3993530136"/>
+        <p14:creationId xmlns:p14="http://schemas.microsoft.com/office/powerpoint/2010/main" val="1766840932"/>
       </p:ext>
     </p:extLst>
   </p:cSld>
@@ -7579,8 +7584,8 @@
         </p:nvSpPr>
         <p:spPr>
           <a:xfrm>
-            <a:off x="5243452" y="3340605"/>
-            <a:ext cx="6859220" cy="725312"/>
+            <a:off x="14608" y="1544596"/>
+            <a:ext cx="12177392" cy="5202194"/>
           </a:xfrm>
           <a:prstGeom prst="rect">
             <a:avLst/>
@@ -7618,10 +7623,10 @@
       </p:sp>
       <p:sp>
         <p:nvSpPr>
-          <p:cNvPr id="2" name="Title 1">
-            <a:extLst>
-              <a:ext uri="{FF2B5EF4-FFF2-40B4-BE49-F238E27FC236}">
-                <a16:creationId xmlns:a16="http://schemas.microsoft.com/office/drawing/2014/main" id="{C61AFF62-17DE-4FE5-9E08-14589EF1AFC2}"/>
+          <p:cNvPr id="15" name="Title 1">
+            <a:extLst>
+              <a:ext uri="{FF2B5EF4-FFF2-40B4-BE49-F238E27FC236}">
+                <a16:creationId xmlns:a16="http://schemas.microsoft.com/office/drawing/2014/main" id="{F40A4B05-7854-417E-B516-986BA4B1B01A}"/>
               </a:ext>
             </a:extLst>
           </p:cNvPr>
@@ -7634,18 +7639,18 @@
         </p:nvSpPr>
         <p:spPr>
           <a:xfrm>
-            <a:off x="1562776" y="863685"/>
-            <a:ext cx="8417011" cy="382273"/>
+            <a:off x="838200" y="204486"/>
+            <a:ext cx="10515600" cy="1018834"/>
           </a:xfrm>
         </p:spPr>
         <p:txBody>
           <a:bodyPr vert="horz" lIns="91440" tIns="45720" rIns="91440" bIns="45720" rtlCol="0" anchor="ctr">
-            <a:normAutofit fontScale="90000"/>
+            <a:normAutofit/>
           </a:bodyPr>
           <a:lstStyle/>
           <a:p>
             <a:r>
-              <a:rPr lang="en-US" dirty="0">
+              <a:rPr lang="en-MY" dirty="0">
                 <a:solidFill>
                   <a:schemeClr val="accent1">
                     <a:lumMod val="20000"/>
@@ -7661,17 +7666,33 @@
                   </a:glow>
                 </a:effectLst>
               </a:rPr>
-              <a:t>Results</a:t>
-            </a:r>
-          </a:p>
-        </p:txBody>
-      </p:sp>
-      <p:sp>
-        <p:nvSpPr>
-          <p:cNvPr id="7" name="Rectangle 6">
-            <a:extLst>
-              <a:ext uri="{FF2B5EF4-FFF2-40B4-BE49-F238E27FC236}">
-                <a16:creationId xmlns:a16="http://schemas.microsoft.com/office/drawing/2014/main" id="{DA0BC44D-2FC2-43AD-A585-20FF6AA7F652}"/>
+              <a:t>Residual Net Layer – resBlkV1</a:t>
+            </a:r>
+            <a:endParaRPr lang="en-US" dirty="0">
+              <a:solidFill>
+                <a:schemeClr val="accent1">
+                  <a:lumMod val="20000"/>
+                  <a:lumOff val="80000"/>
+                </a:schemeClr>
+              </a:solidFill>
+              <a:effectLst>
+                <a:glow rad="228600">
+                  <a:schemeClr val="accent1">
+                    <a:satMod val="175000"/>
+                    <a:alpha val="40000"/>
+                  </a:schemeClr>
+                </a:glow>
+              </a:effectLst>
+            </a:endParaRPr>
+          </a:p>
+        </p:txBody>
+      </p:sp>
+      <p:sp>
+        <p:nvSpPr>
+          <p:cNvPr id="2" name="Rectangle 1">
+            <a:extLst>
+              <a:ext uri="{FF2B5EF4-FFF2-40B4-BE49-F238E27FC236}">
+                <a16:creationId xmlns:a16="http://schemas.microsoft.com/office/drawing/2014/main" id="{EDBECE11-97A8-4A69-B869-B21E9AC41150}"/>
               </a:ext>
             </a:extLst>
           </p:cNvPr>
@@ -7680,8 +7701,8 @@
         </p:nvSpPr>
         <p:spPr>
           <a:xfrm>
-            <a:off x="5920403" y="3415079"/>
-            <a:ext cx="5898196" cy="584775"/>
+            <a:off x="1099752" y="2195234"/>
+            <a:ext cx="9638269" cy="3539430"/>
           </a:xfrm>
           <a:prstGeom prst="rect">
             <a:avLst/>
@@ -7693,602 +7714,99 @@
           </a:bodyPr>
           <a:lstStyle/>
           <a:p>
-            <a:r>
-              <a:rPr lang="en-SG" sz="2400" dirty="0">
+            <a:pPr marL="457200" indent="-457200">
+              <a:buFont typeface="Arial" panose="020B0604020202020204" pitchFamily="34" charset="0"/>
+              <a:buChar char="•"/>
+            </a:pPr>
+            <a:r>
+              <a:rPr lang="en-MY" sz="3200" dirty="0">
                 <a:solidFill>
                   <a:schemeClr val="bg1">
                     <a:lumMod val="95000"/>
                   </a:schemeClr>
                 </a:solidFill>
-                <a:latin typeface="&amp;quot"/>
-              </a:rPr>
-              <a:t>Best accuracy (on testing dataset): </a:t>
-            </a:r>
-            <a:r>
-              <a:rPr lang="en-SG" sz="3200" dirty="0">
-                <a:solidFill>
-                  <a:srgbClr val="FFFF00"/>
-                </a:solidFill>
-                <a:latin typeface="&amp;quot"/>
-              </a:rPr>
-              <a:t>91.74%</a:t>
-            </a:r>
-          </a:p>
-        </p:txBody>
-      </p:sp>
-      <p:sp>
-        <p:nvSpPr>
-          <p:cNvPr id="10" name="Rectangle 9">
-            <a:extLst>
-              <a:ext uri="{FF2B5EF4-FFF2-40B4-BE49-F238E27FC236}">
-                <a16:creationId xmlns:a16="http://schemas.microsoft.com/office/drawing/2014/main" id="{40089651-4F8C-4BF7-A03C-88B8942023D6}"/>
-              </a:ext>
-            </a:extLst>
-          </p:cNvPr>
-          <p:cNvSpPr/>
-          <p:nvPr/>
-        </p:nvSpPr>
-        <p:spPr>
-          <a:xfrm>
-            <a:off x="852569" y="4790961"/>
-            <a:ext cx="1420415" cy="1701914"/>
-          </a:xfrm>
-          <a:prstGeom prst="rect">
-            <a:avLst/>
-          </a:prstGeom>
-          <a:solidFill>
-            <a:schemeClr val="tx1">
-              <a:alpha val="50000"/>
-            </a:schemeClr>
-          </a:solidFill>
-        </p:spPr>
-        <p:style>
-          <a:lnRef idx="2">
-            <a:schemeClr val="accent1">
-              <a:shade val="50000"/>
-            </a:schemeClr>
-          </a:lnRef>
-          <a:fillRef idx="1">
-            <a:schemeClr val="accent1"/>
-          </a:fillRef>
-          <a:effectRef idx="0">
-            <a:schemeClr val="accent1"/>
-          </a:effectRef>
-          <a:fontRef idx="minor">
-            <a:schemeClr val="lt1"/>
-          </a:fontRef>
-        </p:style>
-        <p:txBody>
-          <a:bodyPr rtlCol="0" anchor="ctr"/>
-          <a:lstStyle/>
-          <a:p>
-            <a:pPr algn="ctr"/>
-            <a:endParaRPr lang="en-SG"/>
-          </a:p>
-        </p:txBody>
-      </p:sp>
-      <p:sp>
-        <p:nvSpPr>
-          <p:cNvPr id="14" name="Rectangle 13">
-            <a:extLst>
-              <a:ext uri="{FF2B5EF4-FFF2-40B4-BE49-F238E27FC236}">
-                <a16:creationId xmlns:a16="http://schemas.microsoft.com/office/drawing/2014/main" id="{5F6D48A8-D84F-4EC0-A50B-44F490212364}"/>
-              </a:ext>
-            </a:extLst>
-          </p:cNvPr>
-          <p:cNvSpPr/>
-          <p:nvPr/>
-        </p:nvSpPr>
-        <p:spPr>
-          <a:xfrm>
-            <a:off x="5243451" y="864973"/>
-            <a:ext cx="6859220" cy="2240176"/>
-          </a:xfrm>
-          <a:prstGeom prst="rect">
-            <a:avLst/>
-          </a:prstGeom>
-          <a:solidFill>
-            <a:schemeClr val="tx1">
-              <a:alpha val="50000"/>
-            </a:schemeClr>
-          </a:solidFill>
-        </p:spPr>
-        <p:style>
-          <a:lnRef idx="2">
-            <a:schemeClr val="accent1">
-              <a:shade val="50000"/>
-            </a:schemeClr>
-          </a:lnRef>
-          <a:fillRef idx="1">
-            <a:schemeClr val="accent1"/>
-          </a:fillRef>
-          <a:effectRef idx="0">
-            <a:schemeClr val="accent1"/>
-          </a:effectRef>
-          <a:fontRef idx="minor">
-            <a:schemeClr val="lt1"/>
-          </a:fontRef>
-        </p:style>
-        <p:txBody>
-          <a:bodyPr rtlCol="0" anchor="ctr"/>
-          <a:lstStyle/>
-          <a:p>
-            <a:pPr algn="ctr"/>
-            <a:endParaRPr lang="en-SG"/>
-          </a:p>
-        </p:txBody>
-      </p:sp>
-      <p:sp>
-        <p:nvSpPr>
-          <p:cNvPr id="15" name="Rectangle 14">
-            <a:extLst>
-              <a:ext uri="{FF2B5EF4-FFF2-40B4-BE49-F238E27FC236}">
-                <a16:creationId xmlns:a16="http://schemas.microsoft.com/office/drawing/2014/main" id="{60735BD5-849A-47BE-9F6C-CFDF91602973}"/>
-              </a:ext>
-            </a:extLst>
-          </p:cNvPr>
-          <p:cNvSpPr/>
-          <p:nvPr/>
-        </p:nvSpPr>
-        <p:spPr>
-          <a:xfrm>
-            <a:off x="895350" y="4903254"/>
-            <a:ext cx="1509632" cy="646331"/>
-          </a:xfrm>
-          <a:prstGeom prst="rect">
-            <a:avLst/>
-          </a:prstGeom>
-        </p:spPr>
-        <p:txBody>
-          <a:bodyPr wrap="square">
-            <a:spAutoFit/>
-          </a:bodyPr>
-          <a:lstStyle/>
-          <a:p>
-            <a:r>
-              <a:rPr lang="en-SG" dirty="0">
+              </a:rPr>
+              <a:t>Consists of 3 blocks for each resBLKV1.</a:t>
+            </a:r>
+          </a:p>
+          <a:p>
+            <a:pPr marL="457200" indent="-457200">
+              <a:buFont typeface="Arial" panose="020B0604020202020204" pitchFamily="34" charset="0"/>
+              <a:buChar char="•"/>
+            </a:pPr>
+            <a:r>
+              <a:rPr lang="en-MY" sz="3200" dirty="0">
                 <a:solidFill>
                   <a:schemeClr val="bg1">
                     <a:lumMod val="95000"/>
                   </a:schemeClr>
                 </a:solidFill>
-                <a:latin typeface="&amp;quot"/>
-              </a:rPr>
-              <a:t>Confusion Matrix</a:t>
-            </a:r>
-          </a:p>
-        </p:txBody>
-      </p:sp>
-      <p:sp>
-        <p:nvSpPr>
-          <p:cNvPr id="11" name="Rectangle 10">
-            <a:extLst>
-              <a:ext uri="{FF2B5EF4-FFF2-40B4-BE49-F238E27FC236}">
-                <a16:creationId xmlns:a16="http://schemas.microsoft.com/office/drawing/2014/main" id="{4BF70356-A21D-4A85-AF4F-01F0C968F0BA}"/>
-              </a:ext>
-            </a:extLst>
-          </p:cNvPr>
-          <p:cNvSpPr/>
-          <p:nvPr/>
-        </p:nvSpPr>
-        <p:spPr>
-          <a:xfrm>
-            <a:off x="5536153" y="948397"/>
-            <a:ext cx="5663863" cy="1477328"/>
-          </a:xfrm>
-          <a:prstGeom prst="rect">
-            <a:avLst/>
-          </a:prstGeom>
-        </p:spPr>
-        <p:txBody>
-          <a:bodyPr wrap="square">
-            <a:spAutoFit/>
-          </a:bodyPr>
-          <a:lstStyle/>
-          <a:p>
-            <a:r>
-              <a:rPr lang="en-SG" dirty="0">
+              </a:rPr>
+              <a:t>3 resBLKV1 are cascaded after input Residual layer.</a:t>
+            </a:r>
+          </a:p>
+          <a:p>
+            <a:pPr marL="457200" indent="-457200">
+              <a:buFont typeface="Arial" panose="020B0604020202020204" pitchFamily="34" charset="0"/>
+              <a:buChar char="•"/>
+            </a:pPr>
+            <a:r>
+              <a:rPr lang="en-MY" sz="3200" dirty="0">
                 <a:solidFill>
                   <a:schemeClr val="bg1">
                     <a:lumMod val="95000"/>
                   </a:schemeClr>
                 </a:solidFill>
-                <a:latin typeface="&amp;quot"/>
-              </a:rPr>
-              <a:t>Original Convolutional Neural Network</a:t>
-            </a:r>
-          </a:p>
-          <a:p>
-            <a:endParaRPr lang="en-SG" dirty="0">
-              <a:solidFill>
-                <a:schemeClr val="bg1">
-                  <a:lumMod val="95000"/>
-                </a:schemeClr>
-              </a:solidFill>
-              <a:latin typeface="&amp;quot"/>
-            </a:endParaRPr>
-          </a:p>
-          <a:p>
-            <a:r>
-              <a:rPr lang="en-SG" dirty="0">
+              </a:rPr>
+              <a:t>After each residual layer, size of the image is reduced.</a:t>
+            </a:r>
+          </a:p>
+          <a:p>
+            <a:pPr marL="457200" indent="-457200">
+              <a:buFont typeface="Arial" panose="020B0604020202020204" pitchFamily="34" charset="0"/>
+              <a:buChar char="•"/>
+            </a:pPr>
+            <a:r>
+              <a:rPr lang="en-MY" sz="3200" dirty="0">
                 <a:solidFill>
                   <a:schemeClr val="bg1">
                     <a:lumMod val="95000"/>
                   </a:schemeClr>
                 </a:solidFill>
-                <a:latin typeface="&amp;quot"/>
-              </a:rPr>
-              <a:t>Learning Rate = 2e^-3</a:t>
-            </a:r>
-          </a:p>
-          <a:p>
-            <a:endParaRPr lang="en-SG" dirty="0">
-              <a:solidFill>
-                <a:schemeClr val="bg1">
-                  <a:lumMod val="95000"/>
-                </a:schemeClr>
-              </a:solidFill>
-              <a:latin typeface="&amp;quot"/>
-            </a:endParaRPr>
-          </a:p>
-          <a:p>
-            <a:r>
-              <a:rPr lang="en-SG" dirty="0">
+              </a:rPr>
+              <a:t>(21,21) -&gt; (11,11)-&gt;(6,6)-&gt;(3,3)</a:t>
+            </a:r>
+          </a:p>
+          <a:p>
+            <a:pPr marL="457200" indent="-457200">
+              <a:buFont typeface="Arial" panose="020B0604020202020204" pitchFamily="34" charset="0"/>
+              <a:buChar char="•"/>
+            </a:pPr>
+            <a:r>
+              <a:rPr lang="en-MY" sz="3200" dirty="0">
                 <a:solidFill>
                   <a:schemeClr val="bg1">
                     <a:lumMod val="95000"/>
                   </a:schemeClr>
                 </a:solidFill>
-                <a:latin typeface="&amp;quot"/>
-              </a:rPr>
-              <a:t>Batch Size = 32</a:t>
-            </a:r>
-          </a:p>
-        </p:txBody>
-      </p:sp>
-      <p:pic>
-        <p:nvPicPr>
-          <p:cNvPr id="17" name="Picture 16">
-            <a:extLst>
-              <a:ext uri="{FF2B5EF4-FFF2-40B4-BE49-F238E27FC236}">
-                <a16:creationId xmlns:a16="http://schemas.microsoft.com/office/drawing/2014/main" id="{4E46135B-D02F-4DC8-8B5A-5DF8246BA106}"/>
-              </a:ext>
-            </a:extLst>
-          </p:cNvPr>
-          <p:cNvPicPr>
-            <a:picLocks noChangeAspect="1"/>
-          </p:cNvPicPr>
-          <p:nvPr/>
-        </p:nvPicPr>
-        <p:blipFill rotWithShape="1">
-          <a:blip r:embed="rId3"/>
-          <a:srcRect t="24652" r="57725" b="45557"/>
-          <a:stretch/>
-        </p:blipFill>
-        <p:spPr>
-          <a:xfrm>
-            <a:off x="5250592" y="4074328"/>
-            <a:ext cx="6859220" cy="2445764"/>
-          </a:xfrm>
-          <a:prstGeom prst="rect">
-            <a:avLst/>
-          </a:prstGeom>
-        </p:spPr>
-      </p:pic>
-      <p:pic>
-        <p:nvPicPr>
-          <p:cNvPr id="18" name="Picture 17">
-            <a:extLst>
-              <a:ext uri="{FF2B5EF4-FFF2-40B4-BE49-F238E27FC236}">
-                <a16:creationId xmlns:a16="http://schemas.microsoft.com/office/drawing/2014/main" id="{6449308F-09EE-4896-BE0B-E0620A684A86}"/>
-              </a:ext>
-            </a:extLst>
-          </p:cNvPr>
-          <p:cNvPicPr>
-            <a:picLocks noChangeAspect="1"/>
-          </p:cNvPicPr>
-          <p:nvPr/>
-        </p:nvPicPr>
-        <p:blipFill rotWithShape="1">
-          <a:blip r:embed="rId3"/>
-          <a:srcRect t="54444" r="83672" b="26667"/>
-          <a:stretch/>
-        </p:blipFill>
-        <p:spPr>
-          <a:xfrm>
-            <a:off x="2357357" y="4790960"/>
-            <a:ext cx="2615440" cy="1701913"/>
-          </a:xfrm>
-          <a:prstGeom prst="rect">
-            <a:avLst/>
-          </a:prstGeom>
-        </p:spPr>
-      </p:pic>
-      <p:pic>
-        <p:nvPicPr>
-          <p:cNvPr id="19" name="Picture 18">
-            <a:extLst>
-              <a:ext uri="{FF2B5EF4-FFF2-40B4-BE49-F238E27FC236}">
-                <a16:creationId xmlns:a16="http://schemas.microsoft.com/office/drawing/2014/main" id="{46A864DA-1A77-4280-8CC1-29C51799E39B}"/>
-              </a:ext>
-            </a:extLst>
-          </p:cNvPr>
-          <p:cNvPicPr>
-            <a:picLocks noChangeAspect="1"/>
-          </p:cNvPicPr>
-          <p:nvPr/>
-        </p:nvPicPr>
-        <p:blipFill rotWithShape="1">
-          <a:blip r:embed="rId4"/>
-          <a:srcRect l="733" t="23194" r="70078" b="40713"/>
-          <a:stretch/>
-        </p:blipFill>
-        <p:spPr>
-          <a:xfrm>
-            <a:off x="897734" y="1619743"/>
-            <a:ext cx="4061644" cy="2825026"/>
-          </a:xfrm>
-          <a:prstGeom prst="rect">
-            <a:avLst/>
-          </a:prstGeom>
-        </p:spPr>
-      </p:pic>
-      <p:sp>
-        <p:nvSpPr>
-          <p:cNvPr id="3" name="Oval 2">
-            <a:extLst>
-              <a:ext uri="{FF2B5EF4-FFF2-40B4-BE49-F238E27FC236}">
-                <a16:creationId xmlns:a16="http://schemas.microsoft.com/office/drawing/2014/main" id="{6CA7BD02-C6A9-42DC-AED6-C5A0CF5E7ABE}"/>
-              </a:ext>
-            </a:extLst>
-          </p:cNvPr>
-          <p:cNvSpPr/>
-          <p:nvPr/>
-        </p:nvSpPr>
-        <p:spPr>
-          <a:xfrm>
-            <a:off x="3701988" y="2210540"/>
-            <a:ext cx="985422" cy="665825"/>
-          </a:xfrm>
-          <a:prstGeom prst="ellipse">
-            <a:avLst/>
-          </a:prstGeom>
-          <a:noFill/>
-          <a:ln w="25400">
-            <a:solidFill>
-              <a:srgbClr val="00B0F0"/>
-            </a:solidFill>
-          </a:ln>
-        </p:spPr>
-        <p:style>
-          <a:lnRef idx="2">
-            <a:schemeClr val="accent1">
-              <a:shade val="50000"/>
-            </a:schemeClr>
-          </a:lnRef>
-          <a:fillRef idx="1">
-            <a:schemeClr val="accent1"/>
-          </a:fillRef>
-          <a:effectRef idx="0">
-            <a:schemeClr val="accent1"/>
-          </a:effectRef>
-          <a:fontRef idx="minor">
-            <a:schemeClr val="lt1"/>
-          </a:fontRef>
-        </p:style>
-        <p:txBody>
-          <a:bodyPr rtlCol="0" anchor="ctr"/>
-          <a:lstStyle/>
-          <a:p>
-            <a:pPr algn="ctr"/>
-            <a:endParaRPr lang="en-SG"/>
-          </a:p>
-        </p:txBody>
-      </p:sp>
-      <p:cxnSp>
-        <p:nvCxnSpPr>
-          <p:cNvPr id="9" name="Straight Connector 8">
-            <a:extLst>
-              <a:ext uri="{FF2B5EF4-FFF2-40B4-BE49-F238E27FC236}">
-                <a16:creationId xmlns:a16="http://schemas.microsoft.com/office/drawing/2014/main" id="{8A1E6E6A-A52E-48B0-BEFE-3374C1AB72F2}"/>
-              </a:ext>
-            </a:extLst>
-          </p:cNvPr>
-          <p:cNvCxnSpPr>
-            <a:stCxn id="3" idx="6"/>
-            <a:endCxn id="6" idx="1"/>
-          </p:cNvCxnSpPr>
-          <p:nvPr/>
-        </p:nvCxnSpPr>
-        <p:spPr>
-          <a:xfrm>
-            <a:off x="4687410" y="2543453"/>
-            <a:ext cx="951995" cy="322610"/>
-          </a:xfrm>
-          <a:prstGeom prst="line">
-            <a:avLst/>
-          </a:prstGeom>
-          <a:ln w="28575">
-            <a:solidFill>
-              <a:srgbClr val="85DFFF"/>
-            </a:solidFill>
-          </a:ln>
-        </p:spPr>
-        <p:style>
-          <a:lnRef idx="1">
-            <a:schemeClr val="accent1"/>
-          </a:lnRef>
-          <a:fillRef idx="0">
-            <a:schemeClr val="accent1"/>
-          </a:fillRef>
-          <a:effectRef idx="0">
-            <a:schemeClr val="accent1"/>
-          </a:effectRef>
-          <a:fontRef idx="minor">
-            <a:schemeClr val="tx1"/>
-          </a:fontRef>
-        </p:style>
-      </p:cxnSp>
-      <p:sp>
-        <p:nvSpPr>
-          <p:cNvPr id="20" name="Rectangle 19">
-            <a:extLst>
-              <a:ext uri="{FF2B5EF4-FFF2-40B4-BE49-F238E27FC236}">
-                <a16:creationId xmlns:a16="http://schemas.microsoft.com/office/drawing/2014/main" id="{5F0D1847-3932-49DE-9DFF-730260E4013C}"/>
-              </a:ext>
-            </a:extLst>
-          </p:cNvPr>
-          <p:cNvSpPr/>
-          <p:nvPr/>
-        </p:nvSpPr>
-        <p:spPr>
-          <a:xfrm>
-            <a:off x="5639405" y="2639667"/>
-            <a:ext cx="2980812" cy="382145"/>
-          </a:xfrm>
-          <a:prstGeom prst="rect">
-            <a:avLst/>
-          </a:prstGeom>
-          <a:solidFill>
-            <a:schemeClr val="tx1">
-              <a:alpha val="50000"/>
-            </a:schemeClr>
-          </a:solidFill>
-        </p:spPr>
-        <p:style>
-          <a:lnRef idx="2">
-            <a:schemeClr val="accent1">
-              <a:shade val="50000"/>
-            </a:schemeClr>
-          </a:lnRef>
-          <a:fillRef idx="1">
-            <a:schemeClr val="accent1"/>
-          </a:fillRef>
-          <a:effectRef idx="0">
-            <a:schemeClr val="accent1"/>
-          </a:effectRef>
-          <a:fontRef idx="minor">
-            <a:schemeClr val="lt1"/>
-          </a:fontRef>
-        </p:style>
-        <p:txBody>
-          <a:bodyPr rtlCol="0" anchor="ctr"/>
-          <a:lstStyle/>
-          <a:p>
-            <a:pPr algn="ctr"/>
-            <a:endParaRPr lang="en-SG"/>
-          </a:p>
-        </p:txBody>
-      </p:sp>
-      <p:sp>
-        <p:nvSpPr>
-          <p:cNvPr id="6" name="TextBox 5">
-            <a:extLst>
-              <a:ext uri="{FF2B5EF4-FFF2-40B4-BE49-F238E27FC236}">
-                <a16:creationId xmlns:a16="http://schemas.microsoft.com/office/drawing/2014/main" id="{F42A2E0E-DB88-4E61-BABD-2C34526D5645}"/>
-              </a:ext>
-            </a:extLst>
-          </p:cNvPr>
-          <p:cNvSpPr txBox="1"/>
-          <p:nvPr/>
-        </p:nvSpPr>
-        <p:spPr>
-          <a:xfrm>
-            <a:off x="5639405" y="2681397"/>
-            <a:ext cx="4465468" cy="369332"/>
-          </a:xfrm>
-          <a:prstGeom prst="rect">
-            <a:avLst/>
-          </a:prstGeom>
-          <a:noFill/>
-        </p:spPr>
-        <p:txBody>
-          <a:bodyPr wrap="square" rtlCol="0">
-            <a:spAutoFit/>
-          </a:bodyPr>
-          <a:lstStyle/>
-          <a:p>
-            <a:r>
-              <a:rPr lang="en-US" dirty="0">
-                <a:solidFill>
-                  <a:srgbClr val="85DFFF"/>
-                </a:solidFill>
-              </a:rPr>
-              <a:t>Loss value starts to increase…</a:t>
-            </a:r>
-            <a:endParaRPr lang="en-SG" dirty="0">
-              <a:solidFill>
-                <a:srgbClr val="85DFFF"/>
-              </a:solidFill>
-            </a:endParaRPr>
-          </a:p>
-        </p:txBody>
-      </p:sp>
-      <p:sp>
-        <p:nvSpPr>
-          <p:cNvPr id="21" name="Title 1">
-            <a:extLst>
-              <a:ext uri="{FF2B5EF4-FFF2-40B4-BE49-F238E27FC236}">
-                <a16:creationId xmlns:a16="http://schemas.microsoft.com/office/drawing/2014/main" id="{6D9F711F-EC23-4CD5-8C2C-F6F9C1C8F8AC}"/>
-              </a:ext>
-            </a:extLst>
-          </p:cNvPr>
-          <p:cNvSpPr txBox="1">
-            <a:spLocks/>
-          </p:cNvSpPr>
-          <p:nvPr/>
-        </p:nvSpPr>
-        <p:spPr>
-          <a:xfrm>
-            <a:off x="270394" y="112473"/>
-            <a:ext cx="6488752" cy="779260"/>
-          </a:xfrm>
-          <a:prstGeom prst="rect">
-            <a:avLst/>
-          </a:prstGeom>
-        </p:spPr>
-        <p:txBody>
-          <a:bodyPr vert="horz" lIns="91440" tIns="45720" rIns="91440" bIns="45720" rtlCol="0" anchor="ctr">
-            <a:normAutofit/>
-          </a:bodyPr>
-          <a:lstStyle>
-            <a:lvl1pPr algn="l" defTabSz="914400" rtl="0" eaLnBrk="1" latinLnBrk="0" hangingPunct="1">
-              <a:lnSpc>
-                <a:spcPct val="90000"/>
-              </a:lnSpc>
-              <a:spcBef>
-                <a:spcPct val="0"/>
-              </a:spcBef>
-              <a:buNone/>
-              <a:defRPr sz="4400" kern="1200">
-                <a:solidFill>
-                  <a:schemeClr val="tx1"/>
-                </a:solidFill>
-                <a:latin typeface="+mj-lt"/>
-                <a:ea typeface="+mj-ea"/>
-                <a:cs typeface="+mj-cs"/>
-              </a:defRPr>
-            </a:lvl1pPr>
-          </a:lstStyle>
-          <a:p>
-            <a:r>
-              <a:rPr lang="en-US" dirty="0">
-                <a:solidFill>
-                  <a:schemeClr val="accent1">
-                    <a:lumMod val="20000"/>
-                    <a:lumOff val="80000"/>
+              </a:rPr>
+              <a:t>After each residual layer, number of neurons increased.</a:t>
+            </a:r>
+          </a:p>
+          <a:p>
+            <a:pPr marL="457200" indent="-457200">
+              <a:buFont typeface="Arial" panose="020B0604020202020204" pitchFamily="34" charset="0"/>
+              <a:buChar char="•"/>
+            </a:pPr>
+            <a:r>
+              <a:rPr lang="en-MY" sz="3200" dirty="0">
+                <a:solidFill>
+                  <a:schemeClr val="bg1">
+                    <a:lumMod val="95000"/>
                   </a:schemeClr>
                 </a:solidFill>
-                <a:effectLst>
-                  <a:glow rad="228600">
-                    <a:schemeClr val="accent1">
-                      <a:satMod val="175000"/>
-                      <a:alpha val="40000"/>
-                    </a:schemeClr>
-                  </a:glow>
-                </a:effectLst>
-              </a:rPr>
-              <a:t>Standard Neural Network</a:t>
+              </a:rPr>
+              <a:t>16-&gt;32-&gt;64-&gt;128</a:t>
             </a:r>
           </a:p>
         </p:txBody>
@@ -8296,7 +7814,7 @@
     </p:spTree>
     <p:extLst>
       <p:ext uri="{BB962C8B-B14F-4D97-AF65-F5344CB8AC3E}">
-        <p14:creationId xmlns:p14="http://schemas.microsoft.com/office/powerpoint/2010/main" val="2240183593"/>
+        <p14:creationId xmlns:p14="http://schemas.microsoft.com/office/powerpoint/2010/main" val="2646362439"/>
       </p:ext>
     </p:extLst>
   </p:cSld>
@@ -8410,12 +7928,216 @@
           </a:p>
         </p:txBody>
       </p:sp>
-      <p:sp>
-        <p:nvSpPr>
-          <p:cNvPr id="2" name="Title 1">
-            <a:extLst>
-              <a:ext uri="{FF2B5EF4-FFF2-40B4-BE49-F238E27FC236}">
-                <a16:creationId xmlns:a16="http://schemas.microsoft.com/office/drawing/2014/main" id="{C61AFF62-17DE-4FE5-9E08-14589EF1AFC2}"/>
+      <p:pic>
+        <p:nvPicPr>
+          <p:cNvPr id="7" name="Picture 6">
+            <a:extLst>
+              <a:ext uri="{FF2B5EF4-FFF2-40B4-BE49-F238E27FC236}">
+                <a16:creationId xmlns:a16="http://schemas.microsoft.com/office/drawing/2014/main" id="{909062A1-70EE-438C-A6EF-BB21FDD93CB6}"/>
+              </a:ext>
+            </a:extLst>
+          </p:cNvPr>
+          <p:cNvPicPr>
+            <a:picLocks noChangeAspect="1"/>
+          </p:cNvPicPr>
+          <p:nvPr/>
+        </p:nvPicPr>
+        <p:blipFill rotWithShape="1">
+          <a:blip r:embed="rId3"/>
+          <a:srcRect r="12396"/>
+          <a:stretch/>
+        </p:blipFill>
+        <p:spPr>
+          <a:xfrm>
+            <a:off x="135746" y="2181360"/>
+            <a:ext cx="4059311" cy="4346994"/>
+          </a:xfrm>
+          <a:prstGeom prst="rect">
+            <a:avLst/>
+          </a:prstGeom>
+        </p:spPr>
+      </p:pic>
+      <p:pic>
+        <p:nvPicPr>
+          <p:cNvPr id="10" name="Picture 9">
+            <a:extLst>
+              <a:ext uri="{FF2B5EF4-FFF2-40B4-BE49-F238E27FC236}">
+                <a16:creationId xmlns:a16="http://schemas.microsoft.com/office/drawing/2014/main" id="{AA29796F-DBD4-4E41-BECE-8D95DC663A9E}"/>
+              </a:ext>
+            </a:extLst>
+          </p:cNvPr>
+          <p:cNvPicPr>
+            <a:picLocks noChangeAspect="1"/>
+          </p:cNvPicPr>
+          <p:nvPr/>
+        </p:nvPicPr>
+        <p:blipFill rotWithShape="1">
+          <a:blip r:embed="rId4"/>
+          <a:srcRect r="5040"/>
+          <a:stretch/>
+        </p:blipFill>
+        <p:spPr>
+          <a:xfrm>
+            <a:off x="4312793" y="2181359"/>
+            <a:ext cx="3962759" cy="4346995"/>
+          </a:xfrm>
+          <a:prstGeom prst="rect">
+            <a:avLst/>
+          </a:prstGeom>
+        </p:spPr>
+      </p:pic>
+      <p:pic>
+        <p:nvPicPr>
+          <p:cNvPr id="11" name="Picture 10">
+            <a:extLst>
+              <a:ext uri="{FF2B5EF4-FFF2-40B4-BE49-F238E27FC236}">
+                <a16:creationId xmlns:a16="http://schemas.microsoft.com/office/drawing/2014/main" id="{5BA33ECD-6C38-4657-A948-B13243001A0A}"/>
+              </a:ext>
+            </a:extLst>
+          </p:cNvPr>
+          <p:cNvPicPr>
+            <a:picLocks noChangeAspect="1"/>
+          </p:cNvPicPr>
+          <p:nvPr/>
+        </p:nvPicPr>
+        <p:blipFill rotWithShape="1">
+          <a:blip r:embed="rId5"/>
+          <a:srcRect l="7200" t="2521" r="19966" b="4220"/>
+          <a:stretch/>
+        </p:blipFill>
+        <p:spPr>
+          <a:xfrm>
+            <a:off x="8432072" y="2181359"/>
+            <a:ext cx="3591051" cy="4346995"/>
+          </a:xfrm>
+          <a:prstGeom prst="rect">
+            <a:avLst/>
+          </a:prstGeom>
+        </p:spPr>
+      </p:pic>
+      <p:sp>
+        <p:nvSpPr>
+          <p:cNvPr id="12" name="TextBox 11">
+            <a:extLst>
+              <a:ext uri="{FF2B5EF4-FFF2-40B4-BE49-F238E27FC236}">
+                <a16:creationId xmlns:a16="http://schemas.microsoft.com/office/drawing/2014/main" id="{0DDDBA9C-1B25-493C-9BFA-13517F85EBD7}"/>
+              </a:ext>
+            </a:extLst>
+          </p:cNvPr>
+          <p:cNvSpPr txBox="1"/>
+          <p:nvPr/>
+        </p:nvSpPr>
+        <p:spPr>
+          <a:xfrm>
+            <a:off x="1687697" y="1632146"/>
+            <a:ext cx="1186249" cy="461665"/>
+          </a:xfrm>
+          <a:prstGeom prst="rect">
+            <a:avLst/>
+          </a:prstGeom>
+          <a:noFill/>
+        </p:spPr>
+        <p:txBody>
+          <a:bodyPr wrap="square" rtlCol="0">
+            <a:spAutoFit/>
+          </a:bodyPr>
+          <a:lstStyle/>
+          <a:p>
+            <a:r>
+              <a:rPr lang="en-SG" sz="2400" dirty="0">
+                <a:solidFill>
+                  <a:srgbClr val="FFFF00"/>
+                </a:solidFill>
+              </a:rPr>
+              <a:t>Block 1</a:t>
+            </a:r>
+          </a:p>
+        </p:txBody>
+      </p:sp>
+      <p:sp>
+        <p:nvSpPr>
+          <p:cNvPr id="13" name="TextBox 12">
+            <a:extLst>
+              <a:ext uri="{FF2B5EF4-FFF2-40B4-BE49-F238E27FC236}">
+                <a16:creationId xmlns:a16="http://schemas.microsoft.com/office/drawing/2014/main" id="{D60676E9-41AE-466E-B602-505E38B54344}"/>
+              </a:ext>
+            </a:extLst>
+          </p:cNvPr>
+          <p:cNvSpPr txBox="1"/>
+          <p:nvPr/>
+        </p:nvSpPr>
+        <p:spPr>
+          <a:xfrm>
+            <a:off x="5785491" y="1632145"/>
+            <a:ext cx="1186249" cy="461665"/>
+          </a:xfrm>
+          <a:prstGeom prst="rect">
+            <a:avLst/>
+          </a:prstGeom>
+          <a:noFill/>
+        </p:spPr>
+        <p:txBody>
+          <a:bodyPr wrap="square" rtlCol="0">
+            <a:spAutoFit/>
+          </a:bodyPr>
+          <a:lstStyle/>
+          <a:p>
+            <a:r>
+              <a:rPr lang="en-SG" sz="2400" dirty="0">
+                <a:solidFill>
+                  <a:srgbClr val="FFFF00"/>
+                </a:solidFill>
+              </a:rPr>
+              <a:t>Block 2</a:t>
+            </a:r>
+          </a:p>
+        </p:txBody>
+      </p:sp>
+      <p:sp>
+        <p:nvSpPr>
+          <p:cNvPr id="14" name="TextBox 13">
+            <a:extLst>
+              <a:ext uri="{FF2B5EF4-FFF2-40B4-BE49-F238E27FC236}">
+                <a16:creationId xmlns:a16="http://schemas.microsoft.com/office/drawing/2014/main" id="{474E530C-BA5E-479D-8110-0F63FD3EAB04}"/>
+              </a:ext>
+            </a:extLst>
+          </p:cNvPr>
+          <p:cNvSpPr txBox="1"/>
+          <p:nvPr/>
+        </p:nvSpPr>
+        <p:spPr>
+          <a:xfrm>
+            <a:off x="9634472" y="1641608"/>
+            <a:ext cx="1186249" cy="461665"/>
+          </a:xfrm>
+          <a:prstGeom prst="rect">
+            <a:avLst/>
+          </a:prstGeom>
+          <a:noFill/>
+        </p:spPr>
+        <p:txBody>
+          <a:bodyPr wrap="square" rtlCol="0">
+            <a:spAutoFit/>
+          </a:bodyPr>
+          <a:lstStyle/>
+          <a:p>
+            <a:r>
+              <a:rPr lang="en-SG" sz="2400" dirty="0">
+                <a:solidFill>
+                  <a:srgbClr val="FFFF00"/>
+                </a:solidFill>
+              </a:rPr>
+              <a:t>Block 3</a:t>
+            </a:r>
+          </a:p>
+        </p:txBody>
+      </p:sp>
+      <p:sp>
+        <p:nvSpPr>
+          <p:cNvPr id="15" name="Title 1">
+            <a:extLst>
+              <a:ext uri="{FF2B5EF4-FFF2-40B4-BE49-F238E27FC236}">
+                <a16:creationId xmlns:a16="http://schemas.microsoft.com/office/drawing/2014/main" id="{F40A4B05-7854-417E-B516-986BA4B1B01A}"/>
               </a:ext>
             </a:extLst>
           </p:cNvPr>
@@ -8476,143 +8198,10 @@
           </a:p>
         </p:txBody>
       </p:sp>
-      <p:sp>
-        <p:nvSpPr>
-          <p:cNvPr id="15" name="TextBox 14">
-            <a:extLst>
-              <a:ext uri="{FF2B5EF4-FFF2-40B4-BE49-F238E27FC236}">
-                <a16:creationId xmlns:a16="http://schemas.microsoft.com/office/drawing/2014/main" id="{BC924AEE-77A3-4124-8D80-0EB123560B5E}"/>
-              </a:ext>
-            </a:extLst>
-          </p:cNvPr>
-          <p:cNvSpPr txBox="1"/>
-          <p:nvPr/>
-        </p:nvSpPr>
-        <p:spPr>
-          <a:xfrm>
-            <a:off x="7308091" y="1600015"/>
-            <a:ext cx="1865870" cy="461665"/>
-          </a:xfrm>
-          <a:prstGeom prst="rect">
-            <a:avLst/>
-          </a:prstGeom>
-          <a:noFill/>
-        </p:spPr>
-        <p:txBody>
-          <a:bodyPr wrap="square" rtlCol="0">
-            <a:spAutoFit/>
-          </a:bodyPr>
-          <a:lstStyle/>
-          <a:p>
-            <a:r>
-              <a:rPr lang="en-SG" sz="2400" dirty="0">
-                <a:solidFill>
-                  <a:srgbClr val="FFFF00"/>
-                </a:solidFill>
-              </a:rPr>
-              <a:t>Input Layers</a:t>
-            </a:r>
-          </a:p>
-        </p:txBody>
-      </p:sp>
-      <p:pic>
-        <p:nvPicPr>
-          <p:cNvPr id="16" name="Picture 15">
-            <a:extLst>
-              <a:ext uri="{FF2B5EF4-FFF2-40B4-BE49-F238E27FC236}">
-                <a16:creationId xmlns:a16="http://schemas.microsoft.com/office/drawing/2014/main" id="{F368D2DB-955E-402C-8FC4-381AA64C7A12}"/>
-              </a:ext>
-            </a:extLst>
-          </p:cNvPr>
-          <p:cNvPicPr>
-            <a:picLocks noChangeAspect="1"/>
-          </p:cNvPicPr>
-          <p:nvPr/>
-        </p:nvPicPr>
-        <p:blipFill>
-          <a:blip r:embed="rId3"/>
-          <a:stretch>
-            <a:fillRect/>
-          </a:stretch>
-        </p:blipFill>
-        <p:spPr>
-          <a:xfrm>
-            <a:off x="5468929" y="2117099"/>
-            <a:ext cx="5544194" cy="4402980"/>
-          </a:xfrm>
-          <a:prstGeom prst="rect">
-            <a:avLst/>
-          </a:prstGeom>
-        </p:spPr>
-      </p:pic>
-      <p:sp>
-        <p:nvSpPr>
-          <p:cNvPr id="17" name="Rectangle 16">
-            <a:extLst>
-              <a:ext uri="{FF2B5EF4-FFF2-40B4-BE49-F238E27FC236}">
-                <a16:creationId xmlns:a16="http://schemas.microsoft.com/office/drawing/2014/main" id="{5BF687E9-96E3-4E6D-B281-D0F76900AF31}"/>
-              </a:ext>
-            </a:extLst>
-          </p:cNvPr>
-          <p:cNvSpPr/>
-          <p:nvPr/>
-        </p:nvSpPr>
-        <p:spPr>
-          <a:xfrm>
-            <a:off x="838200" y="2767916"/>
-            <a:ext cx="3793094" cy="2677656"/>
-          </a:xfrm>
-          <a:prstGeom prst="rect">
-            <a:avLst/>
-          </a:prstGeom>
-        </p:spPr>
-        <p:txBody>
-          <a:bodyPr wrap="square">
-            <a:spAutoFit/>
-          </a:bodyPr>
-          <a:lstStyle/>
-          <a:p>
-            <a:r>
-              <a:rPr lang="en-MY" sz="2400" dirty="0">
-                <a:solidFill>
-                  <a:schemeClr val="bg1">
-                    <a:lumMod val="95000"/>
-                  </a:schemeClr>
-                </a:solidFill>
-              </a:rPr>
-              <a:t>The input shape is (21,21,1)</a:t>
-            </a:r>
-          </a:p>
-          <a:p>
-            <a:r>
-              <a:rPr lang="en-MY" sz="2400" dirty="0">
-                <a:solidFill>
-                  <a:schemeClr val="bg1">
-                    <a:lumMod val="95000"/>
-                  </a:schemeClr>
-                </a:solidFill>
-              </a:rPr>
-              <a:t>16 Neurons of conv2D followed by batch normalization and RELU activation layer.</a:t>
-            </a:r>
-          </a:p>
-          <a:p>
-            <a:r>
-              <a:rPr lang="en-MY" sz="2400" dirty="0">
-                <a:solidFill>
-                  <a:schemeClr val="bg1">
-                    <a:lumMod val="95000"/>
-                  </a:schemeClr>
-                </a:solidFill>
-              </a:rPr>
-              <a:t>The output shape becomes (21,21,16) </a:t>
-            </a:r>
-          </a:p>
-        </p:txBody>
-      </p:sp>
     </p:spTree>
     <p:extLst>
       <p:ext uri="{BB962C8B-B14F-4D97-AF65-F5344CB8AC3E}">
-        <p14:creationId xmlns:p14="http://schemas.microsoft.com/office/powerpoint/2010/main" val="1766840932"/>
+        <p14:creationId xmlns:p14="http://schemas.microsoft.com/office/powerpoint/2010/main" val="2913087792"/>
       </p:ext>
     </p:extLst>
   </p:cSld>
@@ -8755,7 +8344,7 @@
           <a:lstStyle/>
           <a:p>
             <a:r>
-              <a:rPr lang="en-MY" dirty="0">
+              <a:rPr lang="en-US" dirty="0">
                 <a:solidFill>
                   <a:schemeClr val="accent1">
                     <a:lumMod val="20000"/>
@@ -8771,9 +8360,9 @@
                   </a:glow>
                 </a:effectLst>
               </a:rPr>
-              <a:t>Residual Net Layer – resBlkV1</a:t>
-            </a:r>
-            <a:endParaRPr lang="en-US" dirty="0">
+              <a:t>Final Layers</a:t>
+            </a:r>
+            <a:endParaRPr lang="en-US" sz="3200" dirty="0">
               <a:solidFill>
                 <a:schemeClr val="accent1">
                   <a:lumMod val="20000"/>
@@ -8792,126 +8381,123 @@
           </a:p>
         </p:txBody>
       </p:sp>
-      <p:sp>
-        <p:nvSpPr>
-          <p:cNvPr id="2" name="Rectangle 1">
-            <a:extLst>
-              <a:ext uri="{FF2B5EF4-FFF2-40B4-BE49-F238E27FC236}">
-                <a16:creationId xmlns:a16="http://schemas.microsoft.com/office/drawing/2014/main" id="{EDBECE11-97A8-4A69-B869-B21E9AC41150}"/>
-              </a:ext>
-            </a:extLst>
-          </p:cNvPr>
-          <p:cNvSpPr/>
+      <p:pic>
+        <p:nvPicPr>
+          <p:cNvPr id="16" name="Picture 15">
+            <a:extLst>
+              <a:ext uri="{FF2B5EF4-FFF2-40B4-BE49-F238E27FC236}">
+                <a16:creationId xmlns:a16="http://schemas.microsoft.com/office/drawing/2014/main" id="{2FBABB5F-32B8-4511-BC07-8F7A030E5207}"/>
+              </a:ext>
+            </a:extLst>
+          </p:cNvPr>
+          <p:cNvPicPr>
+            <a:picLocks noChangeAspect="1"/>
+          </p:cNvPicPr>
           <p:nvPr/>
-        </p:nvSpPr>
-        <p:spPr>
-          <a:xfrm>
-            <a:off x="1099752" y="2195234"/>
-            <a:ext cx="9638269" cy="3539430"/>
+        </p:nvPicPr>
+        <p:blipFill rotWithShape="1">
+          <a:blip r:embed="rId3"/>
+          <a:srcRect l="2321" t="7701" r="8124" b="10526"/>
+          <a:stretch/>
+        </p:blipFill>
+        <p:spPr>
+          <a:xfrm>
+            <a:off x="6190737" y="2843628"/>
+            <a:ext cx="5721178" cy="2274961"/>
           </a:xfrm>
           <a:prstGeom prst="rect">
             <a:avLst/>
           </a:prstGeom>
         </p:spPr>
+      </p:pic>
+      <p:sp>
+        <p:nvSpPr>
+          <p:cNvPr id="2" name="Rectangle 1">
+            <a:extLst>
+              <a:ext uri="{FF2B5EF4-FFF2-40B4-BE49-F238E27FC236}">
+                <a16:creationId xmlns:a16="http://schemas.microsoft.com/office/drawing/2014/main" id="{639FA166-56B4-4A3C-8D6F-30CEF8E5E577}"/>
+              </a:ext>
+            </a:extLst>
+          </p:cNvPr>
+          <p:cNvSpPr/>
+          <p:nvPr/>
+        </p:nvSpPr>
+        <p:spPr>
+          <a:xfrm>
+            <a:off x="838200" y="2391366"/>
+            <a:ext cx="4808838" cy="3785652"/>
+          </a:xfrm>
+          <a:prstGeom prst="rect">
+            <a:avLst/>
+          </a:prstGeom>
+        </p:spPr>
         <p:txBody>
           <a:bodyPr wrap="square">
             <a:spAutoFit/>
           </a:bodyPr>
           <a:lstStyle/>
           <a:p>
-            <a:pPr marL="457200" indent="-457200">
+            <a:pPr marL="342900" indent="-342900">
               <a:buFont typeface="Arial" panose="020B0604020202020204" pitchFamily="34" charset="0"/>
               <a:buChar char="•"/>
             </a:pPr>
             <a:r>
-              <a:rPr lang="en-MY" sz="3200" dirty="0">
+              <a:rPr lang="en-MY" sz="2400" dirty="0">
                 <a:solidFill>
                   <a:schemeClr val="bg1">
                     <a:lumMod val="95000"/>
                   </a:schemeClr>
                 </a:solidFill>
               </a:rPr>
-              <a:t>Consists of 3 blocks for each resBLKV1.</a:t>
-            </a:r>
-          </a:p>
-          <a:p>
-            <a:pPr marL="457200" indent="-457200">
+              <a:t>The average pooling layers are used to average out the value from final image of (3,3) into just (1,1).</a:t>
+            </a:r>
+          </a:p>
+          <a:p>
+            <a:pPr marL="342900" indent="-342900">
               <a:buFont typeface="Arial" panose="020B0604020202020204" pitchFamily="34" charset="0"/>
               <a:buChar char="•"/>
             </a:pPr>
             <a:r>
-              <a:rPr lang="en-MY" sz="3200" dirty="0">
+              <a:rPr lang="en-MY" sz="2400" dirty="0">
                 <a:solidFill>
                   <a:schemeClr val="bg1">
                     <a:lumMod val="95000"/>
                   </a:schemeClr>
                 </a:solidFill>
               </a:rPr>
-              <a:t>3 resBLKV1 are cascaded after input Residual layer.</a:t>
-            </a:r>
-          </a:p>
-          <a:p>
-            <a:pPr marL="457200" indent="-457200">
+              <a:t>Flattened layer forms the final 1D layer.</a:t>
+            </a:r>
+          </a:p>
+          <a:p>
+            <a:pPr marL="342900" indent="-342900">
               <a:buFont typeface="Arial" panose="020B0604020202020204" pitchFamily="34" charset="0"/>
               <a:buChar char="•"/>
             </a:pPr>
             <a:r>
-              <a:rPr lang="en-MY" sz="3200" dirty="0">
+              <a:rPr lang="en-MY" sz="2400" dirty="0">
                 <a:solidFill>
                   <a:schemeClr val="bg1">
                     <a:lumMod val="95000"/>
                   </a:schemeClr>
                 </a:solidFill>
               </a:rPr>
-              <a:t>After each residual layer, size of the image is reduced.</a:t>
-            </a:r>
-          </a:p>
-          <a:p>
-            <a:pPr marL="457200" indent="-457200">
+              <a:t>Dense at output layer will give the final prediction value for the class.</a:t>
+            </a:r>
+          </a:p>
+          <a:p>
+            <a:pPr marL="342900" indent="-342900">
               <a:buFont typeface="Arial" panose="020B0604020202020204" pitchFamily="34" charset="0"/>
               <a:buChar char="•"/>
             </a:pPr>
             <a:r>
-              <a:rPr lang="en-MY" sz="3200" dirty="0">
+              <a:rPr lang="en-MY" sz="2400" dirty="0">
                 <a:solidFill>
                   <a:schemeClr val="bg1">
                     <a:lumMod val="95000"/>
                   </a:schemeClr>
                 </a:solidFill>
               </a:rPr>
-              <a:t>(21,21) -&gt; (11,11)-&gt;(6,6)-&gt;(3,3)</a:t>
-            </a:r>
-          </a:p>
-          <a:p>
-            <a:pPr marL="457200" indent="-457200">
-              <a:buFont typeface="Arial" panose="020B0604020202020204" pitchFamily="34" charset="0"/>
-              <a:buChar char="•"/>
-            </a:pPr>
-            <a:r>
-              <a:rPr lang="en-MY" sz="3200" dirty="0">
-                <a:solidFill>
-                  <a:schemeClr val="bg1">
-                    <a:lumMod val="95000"/>
-                  </a:schemeClr>
-                </a:solidFill>
-              </a:rPr>
-              <a:t>After each residual layer, number of neurons increased.</a:t>
-            </a:r>
-          </a:p>
-          <a:p>
-            <a:pPr marL="457200" indent="-457200">
-              <a:buFont typeface="Arial" panose="020B0604020202020204" pitchFamily="34" charset="0"/>
-              <a:buChar char="•"/>
-            </a:pPr>
-            <a:r>
-              <a:rPr lang="en-MY" sz="3200" dirty="0">
-                <a:solidFill>
-                  <a:schemeClr val="bg1">
-                    <a:lumMod val="95000"/>
-                  </a:schemeClr>
-                </a:solidFill>
-              </a:rPr>
-              <a:t>16-&gt;32-&gt;64-&gt;128</a:t>
+              <a:t>In total, 1,392,864 parameters are used.</a:t>
             </a:r>
           </a:p>
         </p:txBody>
@@ -8919,7 +8505,7 @@
     </p:spTree>
     <p:extLst>
       <p:ext uri="{BB962C8B-B14F-4D97-AF65-F5344CB8AC3E}">
-        <p14:creationId xmlns:p14="http://schemas.microsoft.com/office/powerpoint/2010/main" val="2646362439"/>
+        <p14:creationId xmlns:p14="http://schemas.microsoft.com/office/powerpoint/2010/main" val="1331619187"/>
       </p:ext>
     </p:extLst>
   </p:cSld>
@@ -8984,10 +8570,10 @@
       </p:pic>
       <p:sp>
         <p:nvSpPr>
-          <p:cNvPr id="5" name="Rectangle 4">
-            <a:extLst>
-              <a:ext uri="{FF2B5EF4-FFF2-40B4-BE49-F238E27FC236}">
-                <a16:creationId xmlns:a16="http://schemas.microsoft.com/office/drawing/2014/main" id="{AD864145-8069-48BD-A4B5-9A9F320D1E5E}"/>
+          <p:cNvPr id="14" name="Rectangle 13">
+            <a:extLst>
+              <a:ext uri="{FF2B5EF4-FFF2-40B4-BE49-F238E27FC236}">
+                <a16:creationId xmlns:a16="http://schemas.microsoft.com/office/drawing/2014/main" id="{5F6D48A8-D84F-4EC0-A50B-44F490212364}"/>
               </a:ext>
             </a:extLst>
           </p:cNvPr>
@@ -8996,8 +8582,8 @@
         </p:nvSpPr>
         <p:spPr>
           <a:xfrm>
-            <a:off x="14608" y="1544596"/>
-            <a:ext cx="12177392" cy="5202194"/>
+            <a:off x="588463" y="1386610"/>
+            <a:ext cx="11015074" cy="5128489"/>
           </a:xfrm>
           <a:prstGeom prst="rect">
             <a:avLst/>
@@ -9033,216 +8619,12 @@
           </a:p>
         </p:txBody>
       </p:sp>
-      <p:pic>
-        <p:nvPicPr>
-          <p:cNvPr id="7" name="Picture 6">
-            <a:extLst>
-              <a:ext uri="{FF2B5EF4-FFF2-40B4-BE49-F238E27FC236}">
-                <a16:creationId xmlns:a16="http://schemas.microsoft.com/office/drawing/2014/main" id="{909062A1-70EE-438C-A6EF-BB21FDD93CB6}"/>
-              </a:ext>
-            </a:extLst>
-          </p:cNvPr>
-          <p:cNvPicPr>
-            <a:picLocks noChangeAspect="1"/>
-          </p:cNvPicPr>
-          <p:nvPr/>
-        </p:nvPicPr>
-        <p:blipFill rotWithShape="1">
-          <a:blip r:embed="rId3"/>
-          <a:srcRect r="12396"/>
-          <a:stretch/>
-        </p:blipFill>
-        <p:spPr>
-          <a:xfrm>
-            <a:off x="135746" y="2181360"/>
-            <a:ext cx="4059311" cy="4346994"/>
-          </a:xfrm>
-          <a:prstGeom prst="rect">
-            <a:avLst/>
-          </a:prstGeom>
-        </p:spPr>
-      </p:pic>
-      <p:pic>
-        <p:nvPicPr>
-          <p:cNvPr id="10" name="Picture 9">
-            <a:extLst>
-              <a:ext uri="{FF2B5EF4-FFF2-40B4-BE49-F238E27FC236}">
-                <a16:creationId xmlns:a16="http://schemas.microsoft.com/office/drawing/2014/main" id="{AA29796F-DBD4-4E41-BECE-8D95DC663A9E}"/>
-              </a:ext>
-            </a:extLst>
-          </p:cNvPr>
-          <p:cNvPicPr>
-            <a:picLocks noChangeAspect="1"/>
-          </p:cNvPicPr>
-          <p:nvPr/>
-        </p:nvPicPr>
-        <p:blipFill rotWithShape="1">
-          <a:blip r:embed="rId4"/>
-          <a:srcRect r="5040"/>
-          <a:stretch/>
-        </p:blipFill>
-        <p:spPr>
-          <a:xfrm>
-            <a:off x="4312793" y="2181359"/>
-            <a:ext cx="3962759" cy="4346995"/>
-          </a:xfrm>
-          <a:prstGeom prst="rect">
-            <a:avLst/>
-          </a:prstGeom>
-        </p:spPr>
-      </p:pic>
-      <p:pic>
-        <p:nvPicPr>
-          <p:cNvPr id="11" name="Picture 10">
-            <a:extLst>
-              <a:ext uri="{FF2B5EF4-FFF2-40B4-BE49-F238E27FC236}">
-                <a16:creationId xmlns:a16="http://schemas.microsoft.com/office/drawing/2014/main" id="{5BA33ECD-6C38-4657-A948-B13243001A0A}"/>
-              </a:ext>
-            </a:extLst>
-          </p:cNvPr>
-          <p:cNvPicPr>
-            <a:picLocks noChangeAspect="1"/>
-          </p:cNvPicPr>
-          <p:nvPr/>
-        </p:nvPicPr>
-        <p:blipFill rotWithShape="1">
-          <a:blip r:embed="rId5"/>
-          <a:srcRect l="7200" t="2521" r="19966" b="4220"/>
-          <a:stretch/>
-        </p:blipFill>
-        <p:spPr>
-          <a:xfrm>
-            <a:off x="8432072" y="2181359"/>
-            <a:ext cx="3591051" cy="4346995"/>
-          </a:xfrm>
-          <a:prstGeom prst="rect">
-            <a:avLst/>
-          </a:prstGeom>
-        </p:spPr>
-      </p:pic>
-      <p:sp>
-        <p:nvSpPr>
-          <p:cNvPr id="12" name="TextBox 11">
-            <a:extLst>
-              <a:ext uri="{FF2B5EF4-FFF2-40B4-BE49-F238E27FC236}">
-                <a16:creationId xmlns:a16="http://schemas.microsoft.com/office/drawing/2014/main" id="{0DDDBA9C-1B25-493C-9BFA-13517F85EBD7}"/>
-              </a:ext>
-            </a:extLst>
-          </p:cNvPr>
-          <p:cNvSpPr txBox="1"/>
-          <p:nvPr/>
-        </p:nvSpPr>
-        <p:spPr>
-          <a:xfrm>
-            <a:off x="1687697" y="1632146"/>
-            <a:ext cx="1186249" cy="461665"/>
-          </a:xfrm>
-          <a:prstGeom prst="rect">
-            <a:avLst/>
-          </a:prstGeom>
-          <a:noFill/>
-        </p:spPr>
-        <p:txBody>
-          <a:bodyPr wrap="square" rtlCol="0">
-            <a:spAutoFit/>
-          </a:bodyPr>
-          <a:lstStyle/>
-          <a:p>
-            <a:r>
-              <a:rPr lang="en-SG" sz="2400" dirty="0">
-                <a:solidFill>
-                  <a:srgbClr val="FFFF00"/>
-                </a:solidFill>
-              </a:rPr>
-              <a:t>Block 1</a:t>
-            </a:r>
-          </a:p>
-        </p:txBody>
-      </p:sp>
-      <p:sp>
-        <p:nvSpPr>
-          <p:cNvPr id="13" name="TextBox 12">
-            <a:extLst>
-              <a:ext uri="{FF2B5EF4-FFF2-40B4-BE49-F238E27FC236}">
-                <a16:creationId xmlns:a16="http://schemas.microsoft.com/office/drawing/2014/main" id="{D60676E9-41AE-466E-B602-505E38B54344}"/>
-              </a:ext>
-            </a:extLst>
-          </p:cNvPr>
-          <p:cNvSpPr txBox="1"/>
-          <p:nvPr/>
-        </p:nvSpPr>
-        <p:spPr>
-          <a:xfrm>
-            <a:off x="5785491" y="1632145"/>
-            <a:ext cx="1186249" cy="461665"/>
-          </a:xfrm>
-          <a:prstGeom prst="rect">
-            <a:avLst/>
-          </a:prstGeom>
-          <a:noFill/>
-        </p:spPr>
-        <p:txBody>
-          <a:bodyPr wrap="square" rtlCol="0">
-            <a:spAutoFit/>
-          </a:bodyPr>
-          <a:lstStyle/>
-          <a:p>
-            <a:r>
-              <a:rPr lang="en-SG" sz="2400" dirty="0">
-                <a:solidFill>
-                  <a:srgbClr val="FFFF00"/>
-                </a:solidFill>
-              </a:rPr>
-              <a:t>Block 2</a:t>
-            </a:r>
-          </a:p>
-        </p:txBody>
-      </p:sp>
-      <p:sp>
-        <p:nvSpPr>
-          <p:cNvPr id="14" name="TextBox 13">
-            <a:extLst>
-              <a:ext uri="{FF2B5EF4-FFF2-40B4-BE49-F238E27FC236}">
-                <a16:creationId xmlns:a16="http://schemas.microsoft.com/office/drawing/2014/main" id="{474E530C-BA5E-479D-8110-0F63FD3EAB04}"/>
-              </a:ext>
-            </a:extLst>
-          </p:cNvPr>
-          <p:cNvSpPr txBox="1"/>
-          <p:nvPr/>
-        </p:nvSpPr>
-        <p:spPr>
-          <a:xfrm>
-            <a:off x="9634472" y="1641608"/>
-            <a:ext cx="1186249" cy="461665"/>
-          </a:xfrm>
-          <a:prstGeom prst="rect">
-            <a:avLst/>
-          </a:prstGeom>
-          <a:noFill/>
-        </p:spPr>
-        <p:txBody>
-          <a:bodyPr wrap="square" rtlCol="0">
-            <a:spAutoFit/>
-          </a:bodyPr>
-          <a:lstStyle/>
-          <a:p>
-            <a:r>
-              <a:rPr lang="en-SG" sz="2400" dirty="0">
-                <a:solidFill>
-                  <a:srgbClr val="FFFF00"/>
-                </a:solidFill>
-              </a:rPr>
-              <a:t>Block 3</a:t>
-            </a:r>
-          </a:p>
-        </p:txBody>
-      </p:sp>
-      <p:sp>
-        <p:nvSpPr>
-          <p:cNvPr id="15" name="Title 1">
-            <a:extLst>
-              <a:ext uri="{FF2B5EF4-FFF2-40B4-BE49-F238E27FC236}">
-                <a16:creationId xmlns:a16="http://schemas.microsoft.com/office/drawing/2014/main" id="{F40A4B05-7854-417E-B516-986BA4B1B01A}"/>
+      <p:sp>
+        <p:nvSpPr>
+          <p:cNvPr id="17" name="Title 1">
+            <a:extLst>
+              <a:ext uri="{FF2B5EF4-FFF2-40B4-BE49-F238E27FC236}">
+                <a16:creationId xmlns:a16="http://schemas.microsoft.com/office/drawing/2014/main" id="{35869334-5B83-4310-8BF7-2CF769D310AD}"/>
               </a:ext>
             </a:extLst>
           </p:cNvPr>
@@ -9255,8 +8637,8 @@
         </p:nvSpPr>
         <p:spPr>
           <a:xfrm>
-            <a:off x="838200" y="204486"/>
-            <a:ext cx="10515600" cy="1018834"/>
+            <a:off x="588462" y="61048"/>
+            <a:ext cx="6059987" cy="1325563"/>
           </a:xfrm>
         </p:spPr>
         <p:txBody>
@@ -9266,7 +8648,7 @@
           <a:lstStyle/>
           <a:p>
             <a:r>
-              <a:rPr lang="en-US" dirty="0">
+              <a:rPr lang="en-US" sz="3600" dirty="0">
                 <a:solidFill>
                   <a:schemeClr val="accent1">
                     <a:lumMod val="20000"/>
@@ -9282,31 +8664,525 @@
                   </a:glow>
                 </a:effectLst>
               </a:rPr>
-              <a:t>Incorporating the Resnet</a:t>
-            </a:r>
-            <a:endParaRPr lang="en-US" sz="3200" dirty="0">
+              <a:t>Stepped Learning Rate Setting</a:t>
+            </a:r>
+          </a:p>
+        </p:txBody>
+      </p:sp>
+      <p:sp>
+        <p:nvSpPr>
+          <p:cNvPr id="22" name="Content Placeholder 2">
+            <a:extLst>
+              <a:ext uri="{FF2B5EF4-FFF2-40B4-BE49-F238E27FC236}">
+                <a16:creationId xmlns:a16="http://schemas.microsoft.com/office/drawing/2014/main" id="{BEA25717-6A53-4136-834C-E8DB3315455F}"/>
+              </a:ext>
+            </a:extLst>
+          </p:cNvPr>
+          <p:cNvSpPr>
+            <a:spLocks noGrp="1"/>
+          </p:cNvSpPr>
+          <p:nvPr>
+            <p:ph idx="1"/>
+          </p:nvPr>
+        </p:nvSpPr>
+        <p:spPr>
+          <a:xfrm>
+            <a:off x="838200" y="1825625"/>
+            <a:ext cx="10515600" cy="4351338"/>
+          </a:xfrm>
+        </p:spPr>
+        <p:txBody>
+          <a:bodyPr/>
+          <a:lstStyle/>
+          <a:p>
+            <a:pPr marL="0" indent="0">
+              <a:buNone/>
+            </a:pPr>
+            <a:r>
+              <a:rPr lang="en-MY" dirty="0">
+                <a:solidFill>
+                  <a:schemeClr val="bg1">
+                    <a:lumMod val="95000"/>
+                  </a:schemeClr>
+                </a:solidFill>
+              </a:rPr>
+              <a:t>Then we introduced the stepped learning rate, applying an initial learning rate at the beginning, and effecting a step wise decay for the learning scheduler.</a:t>
+            </a:r>
+          </a:p>
+        </p:txBody>
+      </p:sp>
+      <p:pic>
+        <p:nvPicPr>
+          <p:cNvPr id="23" name="Picture 22">
+            <a:extLst>
+              <a:ext uri="{FF2B5EF4-FFF2-40B4-BE49-F238E27FC236}">
+                <a16:creationId xmlns:a16="http://schemas.microsoft.com/office/drawing/2014/main" id="{7F3C6DBE-965C-4354-82F1-96C7CB630DAD}"/>
+              </a:ext>
+            </a:extLst>
+          </p:cNvPr>
+          <p:cNvPicPr>
+            <a:picLocks noChangeAspect="1"/>
+          </p:cNvPicPr>
+          <p:nvPr/>
+        </p:nvPicPr>
+        <p:blipFill>
+          <a:blip r:embed="rId3"/>
+          <a:stretch>
+            <a:fillRect/>
+          </a:stretch>
+        </p:blipFill>
+        <p:spPr>
+          <a:xfrm>
+            <a:off x="1638943" y="3429000"/>
+            <a:ext cx="3629025" cy="2352675"/>
+          </a:xfrm>
+          <a:prstGeom prst="rect">
+            <a:avLst/>
+          </a:prstGeom>
+        </p:spPr>
+      </p:pic>
+      <p:sp>
+        <p:nvSpPr>
+          <p:cNvPr id="2" name="Rectangle 1">
+            <a:extLst>
+              <a:ext uri="{FF2B5EF4-FFF2-40B4-BE49-F238E27FC236}">
+                <a16:creationId xmlns:a16="http://schemas.microsoft.com/office/drawing/2014/main" id="{72EA8370-0227-410F-A36A-3CA7973ABE9F}"/>
+              </a:ext>
+            </a:extLst>
+          </p:cNvPr>
+          <p:cNvSpPr/>
+          <p:nvPr/>
+        </p:nvSpPr>
+        <p:spPr>
+          <a:xfrm>
+            <a:off x="7200807" y="2712511"/>
+            <a:ext cx="3705317" cy="3785652"/>
+          </a:xfrm>
+          <a:prstGeom prst="rect">
+            <a:avLst/>
+          </a:prstGeom>
+        </p:spPr>
+        <p:txBody>
+          <a:bodyPr wrap="square">
+            <a:spAutoFit/>
+          </a:bodyPr>
+          <a:lstStyle/>
+          <a:p>
+            <a:r>
+              <a:rPr lang="en-SG" sz="1200" dirty="0">
+                <a:solidFill>
+                  <a:srgbClr val="FFFF00"/>
+                </a:solidFill>
+              </a:rPr>
+              <a:t>def </a:t>
+            </a:r>
+            <a:r>
+              <a:rPr lang="en-SG" sz="1200" dirty="0" err="1">
+                <a:solidFill>
+                  <a:srgbClr val="FFFF00"/>
+                </a:solidFill>
+              </a:rPr>
+              <a:t>lrSchedule</a:t>
+            </a:r>
+            <a:r>
+              <a:rPr lang="en-SG" sz="1200" dirty="0">
+                <a:solidFill>
+                  <a:srgbClr val="FFFF00"/>
+                </a:solidFill>
+              </a:rPr>
+              <a:t>(epoch):</a:t>
+            </a:r>
+          </a:p>
+          <a:p>
+            <a:r>
+              <a:rPr lang="en-SG" sz="1200" dirty="0">
+                <a:solidFill>
+                  <a:srgbClr val="FFFF00"/>
+                </a:solidFill>
+              </a:rPr>
+              <a:t>    </a:t>
+            </a:r>
+            <a:r>
+              <a:rPr lang="en-SG" sz="1200" dirty="0" err="1">
+                <a:solidFill>
+                  <a:srgbClr val="FFFF00"/>
+                </a:solidFill>
+              </a:rPr>
+              <a:t>lr</a:t>
+            </a:r>
+            <a:r>
+              <a:rPr lang="en-SG" sz="1200" dirty="0">
+                <a:solidFill>
+                  <a:srgbClr val="FFFF00"/>
+                </a:solidFill>
+              </a:rPr>
+              <a:t>  = 1e-3</a:t>
+            </a:r>
+          </a:p>
+          <a:p>
+            <a:r>
+              <a:rPr lang="en-SG" sz="1200" dirty="0">
+                <a:solidFill>
+                  <a:srgbClr val="FFFF00"/>
+                </a:solidFill>
+              </a:rPr>
+              <a:t>    </a:t>
+            </a:r>
+          </a:p>
+          <a:p>
+            <a:r>
+              <a:rPr lang="en-SG" sz="1200" dirty="0">
+                <a:solidFill>
+                  <a:srgbClr val="FFFF00"/>
+                </a:solidFill>
+              </a:rPr>
+              <a:t>    if epoch &gt; 160:</a:t>
+            </a:r>
+          </a:p>
+          <a:p>
+            <a:r>
+              <a:rPr lang="en-SG" sz="1200" dirty="0">
+                <a:solidFill>
+                  <a:srgbClr val="FFFF00"/>
+                </a:solidFill>
+              </a:rPr>
+              <a:t>        </a:t>
+            </a:r>
+            <a:r>
+              <a:rPr lang="en-SG" sz="1200" dirty="0" err="1">
+                <a:solidFill>
+                  <a:srgbClr val="FFFF00"/>
+                </a:solidFill>
+              </a:rPr>
+              <a:t>lr</a:t>
+            </a:r>
+            <a:r>
+              <a:rPr lang="en-SG" sz="1200" dirty="0">
+                <a:solidFill>
+                  <a:srgbClr val="FFFF00"/>
+                </a:solidFill>
+              </a:rPr>
+              <a:t>  *= 0.5e-3</a:t>
+            </a:r>
+          </a:p>
+          <a:p>
+            <a:r>
+              <a:rPr lang="en-SG" sz="1200" dirty="0">
+                <a:solidFill>
+                  <a:srgbClr val="FFFF00"/>
+                </a:solidFill>
+              </a:rPr>
+              <a:t>        </a:t>
+            </a:r>
+          </a:p>
+          <a:p>
+            <a:r>
+              <a:rPr lang="en-SG" sz="1200" dirty="0">
+                <a:solidFill>
+                  <a:srgbClr val="FFFF00"/>
+                </a:solidFill>
+              </a:rPr>
+              <a:t>    </a:t>
+            </a:r>
+            <a:r>
+              <a:rPr lang="en-SG" sz="1200" dirty="0" err="1">
+                <a:solidFill>
+                  <a:srgbClr val="FFFF00"/>
+                </a:solidFill>
+              </a:rPr>
+              <a:t>elif</a:t>
+            </a:r>
+            <a:r>
+              <a:rPr lang="en-SG" sz="1200" dirty="0">
+                <a:solidFill>
+                  <a:srgbClr val="FFFF00"/>
+                </a:solidFill>
+              </a:rPr>
+              <a:t> epoch &gt; 140:</a:t>
+            </a:r>
+          </a:p>
+          <a:p>
+            <a:r>
+              <a:rPr lang="en-SG" sz="1200" dirty="0">
+                <a:solidFill>
+                  <a:srgbClr val="FFFF00"/>
+                </a:solidFill>
+              </a:rPr>
+              <a:t>        </a:t>
+            </a:r>
+            <a:r>
+              <a:rPr lang="en-SG" sz="1200" dirty="0" err="1">
+                <a:solidFill>
+                  <a:srgbClr val="FFFF00"/>
+                </a:solidFill>
+              </a:rPr>
+              <a:t>lr</a:t>
+            </a:r>
+            <a:r>
+              <a:rPr lang="en-SG" sz="1200" dirty="0">
+                <a:solidFill>
+                  <a:srgbClr val="FFFF00"/>
+                </a:solidFill>
+              </a:rPr>
+              <a:t>  *= 1e-3</a:t>
+            </a:r>
+          </a:p>
+          <a:p>
+            <a:r>
+              <a:rPr lang="en-SG" sz="1200" dirty="0">
+                <a:solidFill>
+                  <a:srgbClr val="FFFF00"/>
+                </a:solidFill>
+              </a:rPr>
+              <a:t>        </a:t>
+            </a:r>
+          </a:p>
+          <a:p>
+            <a:r>
+              <a:rPr lang="en-SG" sz="1200" dirty="0">
+                <a:solidFill>
+                  <a:srgbClr val="FFFF00"/>
+                </a:solidFill>
+              </a:rPr>
+              <a:t>    </a:t>
+            </a:r>
+            <a:r>
+              <a:rPr lang="en-SG" sz="1200" dirty="0" err="1">
+                <a:solidFill>
+                  <a:srgbClr val="FFFF00"/>
+                </a:solidFill>
+              </a:rPr>
+              <a:t>elif</a:t>
+            </a:r>
+            <a:r>
+              <a:rPr lang="en-SG" sz="1200" dirty="0">
+                <a:solidFill>
+                  <a:srgbClr val="FFFF00"/>
+                </a:solidFill>
+              </a:rPr>
+              <a:t> epoch &gt; 120:</a:t>
+            </a:r>
+          </a:p>
+          <a:p>
+            <a:r>
+              <a:rPr lang="en-SG" sz="1200" dirty="0">
+                <a:solidFill>
+                  <a:srgbClr val="FFFF00"/>
+                </a:solidFill>
+              </a:rPr>
+              <a:t>        </a:t>
+            </a:r>
+            <a:r>
+              <a:rPr lang="en-SG" sz="1200" dirty="0" err="1">
+                <a:solidFill>
+                  <a:srgbClr val="FFFF00"/>
+                </a:solidFill>
+              </a:rPr>
+              <a:t>lr</a:t>
+            </a:r>
+            <a:r>
+              <a:rPr lang="en-SG" sz="1200" dirty="0">
+                <a:solidFill>
+                  <a:srgbClr val="FFFF00"/>
+                </a:solidFill>
+              </a:rPr>
+              <a:t>  *= 1e-2</a:t>
+            </a:r>
+          </a:p>
+          <a:p>
+            <a:r>
+              <a:rPr lang="en-SG" sz="1200" dirty="0">
+                <a:solidFill>
+                  <a:srgbClr val="FFFF00"/>
+                </a:solidFill>
+              </a:rPr>
+              <a:t>        </a:t>
+            </a:r>
+          </a:p>
+          <a:p>
+            <a:r>
+              <a:rPr lang="en-SG" sz="1200" dirty="0">
+                <a:solidFill>
+                  <a:srgbClr val="FFFF00"/>
+                </a:solidFill>
+              </a:rPr>
+              <a:t>    </a:t>
+            </a:r>
+            <a:r>
+              <a:rPr lang="en-SG" sz="1200" dirty="0" err="1">
+                <a:solidFill>
+                  <a:srgbClr val="FFFF00"/>
+                </a:solidFill>
+              </a:rPr>
+              <a:t>elif</a:t>
+            </a:r>
+            <a:r>
+              <a:rPr lang="en-SG" sz="1200" dirty="0">
+                <a:solidFill>
+                  <a:srgbClr val="FFFF00"/>
+                </a:solidFill>
+              </a:rPr>
+              <a:t> epoch &gt; 80:</a:t>
+            </a:r>
+          </a:p>
+          <a:p>
+            <a:r>
+              <a:rPr lang="en-SG" sz="1200" dirty="0">
+                <a:solidFill>
+                  <a:srgbClr val="FFFF00"/>
+                </a:solidFill>
+              </a:rPr>
+              <a:t>        </a:t>
+            </a:r>
+            <a:r>
+              <a:rPr lang="en-SG" sz="1200" dirty="0" err="1">
+                <a:solidFill>
+                  <a:srgbClr val="FFFF00"/>
+                </a:solidFill>
+              </a:rPr>
+              <a:t>lr</a:t>
+            </a:r>
+            <a:r>
+              <a:rPr lang="en-SG" sz="1200" dirty="0">
+                <a:solidFill>
+                  <a:srgbClr val="FFFF00"/>
+                </a:solidFill>
+              </a:rPr>
+              <a:t>  *= 1e-1</a:t>
+            </a:r>
+          </a:p>
+          <a:p>
+            <a:r>
+              <a:rPr lang="en-SG" sz="1200" dirty="0">
+                <a:solidFill>
+                  <a:srgbClr val="FFFF00"/>
+                </a:solidFill>
+              </a:rPr>
+              <a:t>        </a:t>
+            </a:r>
+          </a:p>
+          <a:p>
+            <a:r>
+              <a:rPr lang="en-SG" sz="1200" dirty="0">
+                <a:solidFill>
+                  <a:srgbClr val="FFFF00"/>
+                </a:solidFill>
+              </a:rPr>
+              <a:t>    print('Learning rate: ', </a:t>
+            </a:r>
+            <a:r>
+              <a:rPr lang="en-SG" sz="1200" dirty="0" err="1">
+                <a:solidFill>
+                  <a:srgbClr val="FFFF00"/>
+                </a:solidFill>
+              </a:rPr>
+              <a:t>lr</a:t>
+            </a:r>
+            <a:r>
+              <a:rPr lang="en-SG" sz="1200" dirty="0">
+                <a:solidFill>
+                  <a:srgbClr val="FFFF00"/>
+                </a:solidFill>
+              </a:rPr>
+              <a:t>)</a:t>
+            </a:r>
+          </a:p>
+          <a:p>
+            <a:r>
+              <a:rPr lang="en-SG" sz="1200" dirty="0">
+                <a:solidFill>
+                  <a:srgbClr val="FFFF00"/>
+                </a:solidFill>
+              </a:rPr>
+              <a:t>    </a:t>
+            </a:r>
+          </a:p>
+          <a:p>
+            <a:r>
+              <a:rPr lang="en-SG" sz="1200" dirty="0">
+                <a:solidFill>
+                  <a:srgbClr val="FFFF00"/>
+                </a:solidFill>
+              </a:rPr>
+              <a:t>    return </a:t>
+            </a:r>
+            <a:r>
+              <a:rPr lang="en-SG" sz="1200" dirty="0" err="1">
+                <a:solidFill>
+                  <a:srgbClr val="FFFF00"/>
+                </a:solidFill>
+              </a:rPr>
+              <a:t>lr</a:t>
+            </a:r>
+            <a:endParaRPr lang="en-SG" sz="1200" dirty="0">
               <a:solidFill>
-                <a:schemeClr val="accent1">
-                  <a:lumMod val="20000"/>
-                  <a:lumOff val="80000"/>
-                </a:schemeClr>
+                <a:srgbClr val="FFFF00"/>
               </a:solidFill>
-              <a:effectLst>
-                <a:glow rad="228600">
-                  <a:schemeClr val="accent1">
-                    <a:satMod val="175000"/>
-                    <a:alpha val="40000"/>
-                  </a:schemeClr>
-                </a:glow>
-              </a:effectLst>
             </a:endParaRPr>
+          </a:p>
+          <a:p>
+            <a:endParaRPr lang="en-SG" sz="1200" dirty="0">
+              <a:solidFill>
+                <a:srgbClr val="FFFF00"/>
+              </a:solidFill>
+            </a:endParaRPr>
+          </a:p>
+          <a:p>
+            <a:r>
+              <a:rPr lang="en-SG" sz="1200" dirty="0" err="1">
+                <a:solidFill>
+                  <a:srgbClr val="FFFF00"/>
+                </a:solidFill>
+              </a:rPr>
+              <a:t>LRScheduler</a:t>
+            </a:r>
+            <a:r>
+              <a:rPr lang="en-SG" sz="1200" dirty="0">
+                <a:solidFill>
+                  <a:srgbClr val="FFFF00"/>
+                </a:solidFill>
+              </a:rPr>
+              <a:t>     = </a:t>
+            </a:r>
+            <a:r>
+              <a:rPr lang="en-SG" sz="1200" dirty="0" err="1">
+                <a:solidFill>
+                  <a:srgbClr val="FFFF00"/>
+                </a:solidFill>
+              </a:rPr>
+              <a:t>LearningRateScheduler</a:t>
+            </a:r>
+            <a:r>
+              <a:rPr lang="en-SG" sz="1200" dirty="0">
+                <a:solidFill>
+                  <a:srgbClr val="FFFF00"/>
+                </a:solidFill>
+              </a:rPr>
+              <a:t>(</a:t>
+            </a:r>
+            <a:r>
+              <a:rPr lang="en-SG" sz="1200" dirty="0" err="1">
+                <a:solidFill>
+                  <a:srgbClr val="FFFF00"/>
+                </a:solidFill>
+              </a:rPr>
+              <a:t>lrSchedule</a:t>
+            </a:r>
+            <a:r>
+              <a:rPr lang="en-SG" sz="1200" dirty="0">
+                <a:solidFill>
+                  <a:srgbClr val="FFFF00"/>
+                </a:solidFill>
+              </a:rPr>
+              <a:t>)</a:t>
+            </a:r>
           </a:p>
         </p:txBody>
       </p:sp>
     </p:spTree>
     <p:extLst>
       <p:ext uri="{BB962C8B-B14F-4D97-AF65-F5344CB8AC3E}">
-        <p14:creationId xmlns:p14="http://schemas.microsoft.com/office/powerpoint/2010/main" val="2913087792"/>
+        <p14:creationId xmlns:p14="http://schemas.microsoft.com/office/powerpoint/2010/main" val="88083868"/>
       </p:ext>
     </p:extLst>
   </p:cSld>
@@ -9595,8 +9471,8 @@
         </p:nvSpPr>
         <p:spPr>
           <a:xfrm>
-            <a:off x="14608" y="1544596"/>
-            <a:ext cx="12177392" cy="5202194"/>
+            <a:off x="5243452" y="3340605"/>
+            <a:ext cx="6859220" cy="725312"/>
           </a:xfrm>
           <a:prstGeom prst="rect">
             <a:avLst/>
@@ -9634,10 +9510,10 @@
       </p:sp>
       <p:sp>
         <p:nvSpPr>
-          <p:cNvPr id="15" name="Title 1">
-            <a:extLst>
-              <a:ext uri="{FF2B5EF4-FFF2-40B4-BE49-F238E27FC236}">
-                <a16:creationId xmlns:a16="http://schemas.microsoft.com/office/drawing/2014/main" id="{F40A4B05-7854-417E-B516-986BA4B1B01A}"/>
+          <p:cNvPr id="2" name="Title 1">
+            <a:extLst>
+              <a:ext uri="{FF2B5EF4-FFF2-40B4-BE49-F238E27FC236}">
+                <a16:creationId xmlns:a16="http://schemas.microsoft.com/office/drawing/2014/main" id="{C61AFF62-17DE-4FE5-9E08-14589EF1AFC2}"/>
               </a:ext>
             </a:extLst>
           </p:cNvPr>
@@ -9650,18 +9526,18 @@
         </p:nvSpPr>
         <p:spPr>
           <a:xfrm>
-            <a:off x="838200" y="204486"/>
-            <a:ext cx="10515600" cy="1018834"/>
+            <a:off x="588463" y="61048"/>
+            <a:ext cx="4421174" cy="1325563"/>
           </a:xfrm>
         </p:spPr>
         <p:txBody>
           <a:bodyPr vert="horz" lIns="91440" tIns="45720" rIns="91440" bIns="45720" rtlCol="0" anchor="ctr">
-            <a:normAutofit/>
+            <a:normAutofit fontScale="90000"/>
           </a:bodyPr>
           <a:lstStyle/>
           <a:p>
             <a:r>
-              <a:rPr lang="en-US" dirty="0">
+              <a:rPr lang="en-US" sz="3600" dirty="0">
                 <a:solidFill>
                   <a:schemeClr val="accent1">
                     <a:lumMod val="20000"/>
@@ -9677,33 +9553,387 @@
                   </a:glow>
                 </a:effectLst>
               </a:rPr>
-              <a:t>Final Layers</a:t>
-            </a:r>
-            <a:endParaRPr lang="en-US" sz="3200" dirty="0">
-              <a:solidFill>
-                <a:schemeClr val="accent1">
-                  <a:lumMod val="20000"/>
-                  <a:lumOff val="80000"/>
-                </a:schemeClr>
-              </a:solidFill>
-              <a:effectLst>
-                <a:glow rad="228600">
+              <a:t>Improved Results</a:t>
+            </a:r>
+            <a:br>
+              <a:rPr lang="en-US" sz="3600" dirty="0">
+                <a:solidFill>
                   <a:schemeClr val="accent1">
-                    <a:satMod val="175000"/>
-                    <a:alpha val="40000"/>
+                    <a:lumMod val="20000"/>
+                    <a:lumOff val="80000"/>
                   </a:schemeClr>
-                </a:glow>
-              </a:effectLst>
-            </a:endParaRPr>
+                </a:solidFill>
+                <a:effectLst>
+                  <a:glow rad="228600">
+                    <a:schemeClr val="accent1">
+                      <a:satMod val="175000"/>
+                      <a:alpha val="40000"/>
+                    </a:schemeClr>
+                  </a:glow>
+                </a:effectLst>
+              </a:rPr>
+            </a:br>
+            <a:r>
+              <a:rPr lang="en-US" sz="3600" dirty="0">
+                <a:solidFill>
+                  <a:schemeClr val="accent1">
+                    <a:lumMod val="20000"/>
+                    <a:lumOff val="80000"/>
+                  </a:schemeClr>
+                </a:solidFill>
+                <a:effectLst>
+                  <a:glow rad="228600">
+                    <a:schemeClr val="accent1">
+                      <a:satMod val="175000"/>
+                      <a:alpha val="40000"/>
+                    </a:schemeClr>
+                  </a:glow>
+                </a:effectLst>
+              </a:rPr>
+              <a:t>with Resnet – 1</a:t>
+            </a:r>
+            <a:r>
+              <a:rPr lang="en-US" sz="3600" baseline="30000" dirty="0">
+                <a:solidFill>
+                  <a:schemeClr val="accent1">
+                    <a:lumMod val="20000"/>
+                    <a:lumOff val="80000"/>
+                  </a:schemeClr>
+                </a:solidFill>
+                <a:effectLst>
+                  <a:glow rad="228600">
+                    <a:schemeClr val="accent1">
+                      <a:satMod val="175000"/>
+                      <a:alpha val="40000"/>
+                    </a:schemeClr>
+                  </a:glow>
+                </a:effectLst>
+              </a:rPr>
+              <a:t>st</a:t>
+            </a:r>
+            <a:r>
+              <a:rPr lang="en-US" sz="3600" dirty="0">
+                <a:solidFill>
+                  <a:schemeClr val="accent1">
+                    <a:lumMod val="20000"/>
+                    <a:lumOff val="80000"/>
+                  </a:schemeClr>
+                </a:solidFill>
+                <a:effectLst>
+                  <a:glow rad="228600">
+                    <a:schemeClr val="accent1">
+                      <a:satMod val="175000"/>
+                      <a:alpha val="40000"/>
+                    </a:schemeClr>
+                  </a:glow>
+                </a:effectLst>
+              </a:rPr>
+              <a:t> Attempt</a:t>
+            </a:r>
+          </a:p>
+        </p:txBody>
+      </p:sp>
+      <p:sp>
+        <p:nvSpPr>
+          <p:cNvPr id="7" name="Rectangle 6">
+            <a:extLst>
+              <a:ext uri="{FF2B5EF4-FFF2-40B4-BE49-F238E27FC236}">
+                <a16:creationId xmlns:a16="http://schemas.microsoft.com/office/drawing/2014/main" id="{DA0BC44D-2FC2-43AD-A585-20FF6AA7F652}"/>
+              </a:ext>
+            </a:extLst>
+          </p:cNvPr>
+          <p:cNvSpPr/>
+          <p:nvPr/>
+        </p:nvSpPr>
+        <p:spPr>
+          <a:xfrm>
+            <a:off x="5920403" y="3415079"/>
+            <a:ext cx="5898196" cy="584775"/>
+          </a:xfrm>
+          <a:prstGeom prst="rect">
+            <a:avLst/>
+          </a:prstGeom>
+        </p:spPr>
+        <p:txBody>
+          <a:bodyPr wrap="square">
+            <a:spAutoFit/>
+          </a:bodyPr>
+          <a:lstStyle/>
+          <a:p>
+            <a:r>
+              <a:rPr lang="en-SG" sz="2400" dirty="0">
+                <a:solidFill>
+                  <a:schemeClr val="bg1">
+                    <a:lumMod val="95000"/>
+                  </a:schemeClr>
+                </a:solidFill>
+                <a:latin typeface="&amp;quot"/>
+              </a:rPr>
+              <a:t>Best accuracy (on testing dataset): </a:t>
+            </a:r>
+            <a:r>
+              <a:rPr lang="en-SG" sz="3200" dirty="0">
+                <a:solidFill>
+                  <a:srgbClr val="FFFF00"/>
+                </a:solidFill>
+                <a:latin typeface="&amp;quot"/>
+              </a:rPr>
+              <a:t>97.71%</a:t>
+            </a:r>
+          </a:p>
+        </p:txBody>
+      </p:sp>
+      <p:sp>
+        <p:nvSpPr>
+          <p:cNvPr id="10" name="Rectangle 9">
+            <a:extLst>
+              <a:ext uri="{FF2B5EF4-FFF2-40B4-BE49-F238E27FC236}">
+                <a16:creationId xmlns:a16="http://schemas.microsoft.com/office/drawing/2014/main" id="{40089651-4F8C-4BF7-A03C-88B8942023D6}"/>
+              </a:ext>
+            </a:extLst>
+          </p:cNvPr>
+          <p:cNvSpPr/>
+          <p:nvPr/>
+        </p:nvSpPr>
+        <p:spPr>
+          <a:xfrm>
+            <a:off x="852569" y="4790961"/>
+            <a:ext cx="1420415" cy="1701914"/>
+          </a:xfrm>
+          <a:prstGeom prst="rect">
+            <a:avLst/>
+          </a:prstGeom>
+          <a:solidFill>
+            <a:schemeClr val="tx1">
+              <a:alpha val="50000"/>
+            </a:schemeClr>
+          </a:solidFill>
+        </p:spPr>
+        <p:style>
+          <a:lnRef idx="2">
+            <a:schemeClr val="accent1">
+              <a:shade val="50000"/>
+            </a:schemeClr>
+          </a:lnRef>
+          <a:fillRef idx="1">
+            <a:schemeClr val="accent1"/>
+          </a:fillRef>
+          <a:effectRef idx="0">
+            <a:schemeClr val="accent1"/>
+          </a:effectRef>
+          <a:fontRef idx="minor">
+            <a:schemeClr val="lt1"/>
+          </a:fontRef>
+        </p:style>
+        <p:txBody>
+          <a:bodyPr rtlCol="0" anchor="ctr"/>
+          <a:lstStyle/>
+          <a:p>
+            <a:pPr algn="ctr"/>
+            <a:endParaRPr lang="en-SG"/>
+          </a:p>
+        </p:txBody>
+      </p:sp>
+      <p:sp>
+        <p:nvSpPr>
+          <p:cNvPr id="14" name="Rectangle 13">
+            <a:extLst>
+              <a:ext uri="{FF2B5EF4-FFF2-40B4-BE49-F238E27FC236}">
+                <a16:creationId xmlns:a16="http://schemas.microsoft.com/office/drawing/2014/main" id="{5F6D48A8-D84F-4EC0-A50B-44F490212364}"/>
+              </a:ext>
+            </a:extLst>
+          </p:cNvPr>
+          <p:cNvSpPr/>
+          <p:nvPr/>
+        </p:nvSpPr>
+        <p:spPr>
+          <a:xfrm>
+            <a:off x="5243451" y="581452"/>
+            <a:ext cx="6859220" cy="2533650"/>
+          </a:xfrm>
+          <a:prstGeom prst="rect">
+            <a:avLst/>
+          </a:prstGeom>
+          <a:solidFill>
+            <a:schemeClr val="tx1">
+              <a:alpha val="50000"/>
+            </a:schemeClr>
+          </a:solidFill>
+        </p:spPr>
+        <p:style>
+          <a:lnRef idx="2">
+            <a:schemeClr val="accent1">
+              <a:shade val="50000"/>
+            </a:schemeClr>
+          </a:lnRef>
+          <a:fillRef idx="1">
+            <a:schemeClr val="accent1"/>
+          </a:fillRef>
+          <a:effectRef idx="0">
+            <a:schemeClr val="accent1"/>
+          </a:effectRef>
+          <a:fontRef idx="minor">
+            <a:schemeClr val="lt1"/>
+          </a:fontRef>
+        </p:style>
+        <p:txBody>
+          <a:bodyPr rtlCol="0" anchor="ctr"/>
+          <a:lstStyle/>
+          <a:p>
+            <a:pPr algn="ctr"/>
+            <a:endParaRPr lang="en-SG"/>
+          </a:p>
+        </p:txBody>
+      </p:sp>
+      <p:sp>
+        <p:nvSpPr>
+          <p:cNvPr id="15" name="Rectangle 14">
+            <a:extLst>
+              <a:ext uri="{FF2B5EF4-FFF2-40B4-BE49-F238E27FC236}">
+                <a16:creationId xmlns:a16="http://schemas.microsoft.com/office/drawing/2014/main" id="{60735BD5-849A-47BE-9F6C-CFDF91602973}"/>
+              </a:ext>
+            </a:extLst>
+          </p:cNvPr>
+          <p:cNvSpPr/>
+          <p:nvPr/>
+        </p:nvSpPr>
+        <p:spPr>
+          <a:xfrm>
+            <a:off x="895350" y="4903254"/>
+            <a:ext cx="1509632" cy="646331"/>
+          </a:xfrm>
+          <a:prstGeom prst="rect">
+            <a:avLst/>
+          </a:prstGeom>
+        </p:spPr>
+        <p:txBody>
+          <a:bodyPr wrap="square">
+            <a:spAutoFit/>
+          </a:bodyPr>
+          <a:lstStyle/>
+          <a:p>
+            <a:r>
+              <a:rPr lang="en-SG" dirty="0">
+                <a:solidFill>
+                  <a:schemeClr val="bg1">
+                    <a:lumMod val="95000"/>
+                  </a:schemeClr>
+                </a:solidFill>
+                <a:latin typeface="&amp;quot"/>
+              </a:rPr>
+              <a:t>Confusion Matrix</a:t>
+            </a:r>
+          </a:p>
+        </p:txBody>
+      </p:sp>
+      <p:sp>
+        <p:nvSpPr>
+          <p:cNvPr id="11" name="Rectangle 10">
+            <a:extLst>
+              <a:ext uri="{FF2B5EF4-FFF2-40B4-BE49-F238E27FC236}">
+                <a16:creationId xmlns:a16="http://schemas.microsoft.com/office/drawing/2014/main" id="{4BF70356-A21D-4A85-AF4F-01F0C968F0BA}"/>
+              </a:ext>
+            </a:extLst>
+          </p:cNvPr>
+          <p:cNvSpPr/>
+          <p:nvPr/>
+        </p:nvSpPr>
+        <p:spPr>
+          <a:xfrm>
+            <a:off x="5589795" y="1275398"/>
+            <a:ext cx="5563979" cy="1697068"/>
+          </a:xfrm>
+          <a:prstGeom prst="rect">
+            <a:avLst/>
+          </a:prstGeom>
+        </p:spPr>
+        <p:txBody>
+          <a:bodyPr wrap="square">
+            <a:spAutoFit/>
+          </a:bodyPr>
+          <a:lstStyle/>
+          <a:p>
+            <a:pPr>
+              <a:lnSpc>
+                <a:spcPct val="150000"/>
+              </a:lnSpc>
+            </a:pPr>
+            <a:r>
+              <a:rPr lang="en-SG" sz="2400" dirty="0">
+                <a:solidFill>
+                  <a:srgbClr val="FFFF00"/>
+                </a:solidFill>
+                <a:latin typeface="&amp;quot"/>
+              </a:rPr>
+              <a:t>Using Resnet layers</a:t>
+            </a:r>
+          </a:p>
+          <a:p>
+            <a:pPr>
+              <a:lnSpc>
+                <a:spcPct val="150000"/>
+              </a:lnSpc>
+            </a:pPr>
+            <a:r>
+              <a:rPr lang="en-SG" sz="2400" dirty="0">
+                <a:solidFill>
+                  <a:schemeClr val="bg1">
+                    <a:lumMod val="95000"/>
+                  </a:schemeClr>
+                </a:solidFill>
+                <a:latin typeface="&amp;quot"/>
+              </a:rPr>
+              <a:t>Stepped Initial Learning Rate </a:t>
+            </a:r>
+            <a:r>
+              <a:rPr lang="en-SG" sz="2400" dirty="0" err="1">
+                <a:solidFill>
+                  <a:schemeClr val="bg1">
+                    <a:lumMod val="95000"/>
+                  </a:schemeClr>
+                </a:solidFill>
+                <a:latin typeface="&amp;quot"/>
+              </a:rPr>
+              <a:t>lr</a:t>
+            </a:r>
+            <a:r>
+              <a:rPr lang="en-SG" sz="2400" dirty="0">
+                <a:solidFill>
+                  <a:schemeClr val="bg1">
+                    <a:lumMod val="95000"/>
+                  </a:schemeClr>
+                </a:solidFill>
+                <a:latin typeface="&amp;quot"/>
+              </a:rPr>
+              <a:t> = 2e^-3</a:t>
+            </a:r>
+          </a:p>
+          <a:p>
+            <a:pPr>
+              <a:lnSpc>
+                <a:spcPct val="150000"/>
+              </a:lnSpc>
+            </a:pPr>
+            <a:r>
+              <a:rPr lang="en-SG" sz="2400" dirty="0">
+                <a:solidFill>
+                  <a:schemeClr val="bg1">
+                    <a:lumMod val="95000"/>
+                  </a:schemeClr>
+                </a:solidFill>
+                <a:latin typeface="&amp;quot"/>
+              </a:rPr>
+              <a:t>Batch Size = 32</a:t>
+            </a:r>
           </a:p>
         </p:txBody>
       </p:sp>
       <p:pic>
         <p:nvPicPr>
-          <p:cNvPr id="16" name="Picture 15">
-            <a:extLst>
-              <a:ext uri="{FF2B5EF4-FFF2-40B4-BE49-F238E27FC236}">
-                <a16:creationId xmlns:a16="http://schemas.microsoft.com/office/drawing/2014/main" id="{2FBABB5F-32B8-4511-BC07-8F7A030E5207}"/>
+          <p:cNvPr id="6" name="Picture 5">
+            <a:extLst>
+              <a:ext uri="{FF2B5EF4-FFF2-40B4-BE49-F238E27FC236}">
+                <a16:creationId xmlns:a16="http://schemas.microsoft.com/office/drawing/2014/main" id="{49966BFF-C89F-489B-9934-B13102A9BE55}"/>
               </a:ext>
             </a:extLst>
           </p:cNvPr>
@@ -9714,115 +9944,172 @@
         </p:nvPicPr>
         <p:blipFill rotWithShape="1">
           <a:blip r:embed="rId3"/>
-          <a:srcRect l="2321" t="7701" r="8124" b="10526"/>
+          <a:srcRect l="391" t="27361" r="58281" b="44723"/>
           <a:stretch/>
         </p:blipFill>
         <p:spPr>
           <a:xfrm>
-            <a:off x="6190737" y="2843628"/>
-            <a:ext cx="5721178" cy="2274961"/>
+            <a:off x="5243451" y="4155045"/>
+            <a:ext cx="6859220" cy="2337830"/>
           </a:xfrm>
           <a:prstGeom prst="rect">
             <a:avLst/>
           </a:prstGeom>
         </p:spPr>
       </p:pic>
-      <p:sp>
-        <p:nvSpPr>
-          <p:cNvPr id="2" name="Rectangle 1">
-            <a:extLst>
-              <a:ext uri="{FF2B5EF4-FFF2-40B4-BE49-F238E27FC236}">
-                <a16:creationId xmlns:a16="http://schemas.microsoft.com/office/drawing/2014/main" id="{639FA166-56B4-4A3C-8D6F-30CEF8E5E577}"/>
-              </a:ext>
-            </a:extLst>
-          </p:cNvPr>
-          <p:cNvSpPr/>
+      <p:pic>
+        <p:nvPicPr>
+          <p:cNvPr id="17" name="Picture 16">
+            <a:extLst>
+              <a:ext uri="{FF2B5EF4-FFF2-40B4-BE49-F238E27FC236}">
+                <a16:creationId xmlns:a16="http://schemas.microsoft.com/office/drawing/2014/main" id="{6FBF95BD-2826-462D-9C81-29B957CF1BB8}"/>
+              </a:ext>
+            </a:extLst>
+          </p:cNvPr>
+          <p:cNvPicPr>
+            <a:picLocks noChangeAspect="1"/>
+          </p:cNvPicPr>
           <p:nvPr/>
-        </p:nvSpPr>
-        <p:spPr>
-          <a:xfrm>
-            <a:off x="838200" y="2391366"/>
-            <a:ext cx="4808838" cy="3785652"/>
+        </p:nvPicPr>
+        <p:blipFill rotWithShape="1">
+          <a:blip r:embed="rId3"/>
+          <a:srcRect l="391" t="57037" r="83887" b="24861"/>
+          <a:stretch/>
+        </p:blipFill>
+        <p:spPr>
+          <a:xfrm>
+            <a:off x="2381785" y="4790961"/>
+            <a:ext cx="2627852" cy="1701914"/>
           </a:xfrm>
           <a:prstGeom prst="rect">
             <a:avLst/>
           </a:prstGeom>
         </p:spPr>
-        <p:txBody>
-          <a:bodyPr wrap="square">
+      </p:pic>
+      <p:pic>
+        <p:nvPicPr>
+          <p:cNvPr id="12" name="Picture 11">
+            <a:extLst>
+              <a:ext uri="{FF2B5EF4-FFF2-40B4-BE49-F238E27FC236}">
+                <a16:creationId xmlns:a16="http://schemas.microsoft.com/office/drawing/2014/main" id="{31A62B5C-BD7C-4E7A-A117-47738C77C259}"/>
+              </a:ext>
+            </a:extLst>
+          </p:cNvPr>
+          <p:cNvPicPr>
+            <a:picLocks noChangeAspect="1"/>
+          </p:cNvPicPr>
+          <p:nvPr/>
+        </p:nvPicPr>
+        <p:blipFill rotWithShape="1">
+          <a:blip r:embed="rId4"/>
+          <a:srcRect l="1406" t="41807" r="70156" b="22499"/>
+          <a:stretch/>
+        </p:blipFill>
+        <p:spPr>
+          <a:xfrm>
+            <a:off x="895350" y="1638605"/>
+            <a:ext cx="4107904" cy="2900362"/>
+          </a:xfrm>
+          <a:prstGeom prst="rect">
+            <a:avLst/>
+          </a:prstGeom>
+        </p:spPr>
+      </p:pic>
+      <p:sp>
+        <p:nvSpPr>
+          <p:cNvPr id="3" name="TextBox 2">
+            <a:extLst>
+              <a:ext uri="{FF2B5EF4-FFF2-40B4-BE49-F238E27FC236}">
+                <a16:creationId xmlns:a16="http://schemas.microsoft.com/office/drawing/2014/main" id="{54B2D997-C8FE-46A6-AFEB-31707FD10DE0}"/>
+              </a:ext>
+            </a:extLst>
+          </p:cNvPr>
+          <p:cNvSpPr txBox="1"/>
+          <p:nvPr/>
+        </p:nvSpPr>
+        <p:spPr>
+          <a:xfrm>
+            <a:off x="5589795" y="723828"/>
+            <a:ext cx="3146432" cy="461665"/>
+          </a:xfrm>
+          <a:prstGeom prst="rect">
+            <a:avLst/>
+          </a:prstGeom>
+          <a:noFill/>
+        </p:spPr>
+        <p:txBody>
+          <a:bodyPr wrap="square" rtlCol="0">
             <a:spAutoFit/>
           </a:bodyPr>
           <a:lstStyle/>
           <a:p>
-            <a:pPr marL="342900" indent="-342900">
-              <a:buFont typeface="Arial" panose="020B0604020202020204" pitchFamily="34" charset="0"/>
-              <a:buChar char="•"/>
-            </a:pPr>
-            <a:r>
-              <a:rPr lang="en-MY" sz="2400" dirty="0">
-                <a:solidFill>
-                  <a:schemeClr val="bg1">
-                    <a:lumMod val="95000"/>
-                  </a:schemeClr>
-                </a:solidFill>
-              </a:rPr>
-              <a:t>The average pooling layers are used to average out the value from final image of (3,3) into just (1,1).</a:t>
-            </a:r>
-          </a:p>
-          <a:p>
-            <a:pPr marL="342900" indent="-342900">
-              <a:buFont typeface="Arial" panose="020B0604020202020204" pitchFamily="34" charset="0"/>
-              <a:buChar char="•"/>
-            </a:pPr>
-            <a:r>
-              <a:rPr lang="en-MY" sz="2400" dirty="0">
-                <a:solidFill>
-                  <a:schemeClr val="bg1">
-                    <a:lumMod val="95000"/>
-                  </a:schemeClr>
-                </a:solidFill>
-              </a:rPr>
-              <a:t>Flattened layer forms the final 1D layer.</a:t>
-            </a:r>
-          </a:p>
-          <a:p>
-            <a:pPr marL="342900" indent="-342900">
-              <a:buFont typeface="Arial" panose="020B0604020202020204" pitchFamily="34" charset="0"/>
-              <a:buChar char="•"/>
-            </a:pPr>
-            <a:r>
-              <a:rPr lang="en-MY" sz="2400" dirty="0">
-                <a:solidFill>
-                  <a:schemeClr val="bg1">
-                    <a:lumMod val="95000"/>
-                  </a:schemeClr>
-                </a:solidFill>
-              </a:rPr>
-              <a:t>Dense at output layer will give the final prediction value for the class.</a:t>
-            </a:r>
-          </a:p>
-          <a:p>
-            <a:pPr marL="342900" indent="-342900">
-              <a:buFont typeface="Arial" panose="020B0604020202020204" pitchFamily="34" charset="0"/>
-              <a:buChar char="•"/>
-            </a:pPr>
-            <a:r>
-              <a:rPr lang="en-MY" sz="2400" dirty="0">
-                <a:solidFill>
-                  <a:schemeClr val="bg1">
-                    <a:lumMod val="95000"/>
-                  </a:schemeClr>
-                </a:solidFill>
-              </a:rPr>
-              <a:t>In total, 1,392,864 parameters are used.</a:t>
-            </a:r>
+            <a:r>
+              <a:rPr lang="en-SG" sz="2400" dirty="0">
+                <a:solidFill>
+                  <a:srgbClr val="00FF00"/>
+                </a:solidFill>
+              </a:rPr>
+              <a:t>HYPER-PARAMETERS</a:t>
+            </a:r>
+          </a:p>
+        </p:txBody>
+      </p:sp>
+      <p:sp>
+        <p:nvSpPr>
+          <p:cNvPr id="8" name="Arrow: Right 7">
+            <a:extLst>
+              <a:ext uri="{FF2B5EF4-FFF2-40B4-BE49-F238E27FC236}">
+                <a16:creationId xmlns:a16="http://schemas.microsoft.com/office/drawing/2014/main" id="{34EE87BA-A63C-46E1-A4CE-71284C5E26EE}"/>
+              </a:ext>
+            </a:extLst>
+          </p:cNvPr>
+          <p:cNvSpPr/>
+          <p:nvPr/>
+        </p:nvSpPr>
+        <p:spPr>
+          <a:xfrm rot="10800000">
+            <a:off x="8869501" y="1386611"/>
+            <a:ext cx="457200" cy="461665"/>
+          </a:xfrm>
+          <a:prstGeom prst="rightArrow">
+            <a:avLst/>
+          </a:prstGeom>
+          <a:solidFill>
+            <a:schemeClr val="accent4">
+              <a:lumMod val="60000"/>
+              <a:lumOff val="40000"/>
+            </a:schemeClr>
+          </a:solidFill>
+        </p:spPr>
+        <p:style>
+          <a:lnRef idx="2">
+            <a:schemeClr val="accent1">
+              <a:shade val="50000"/>
+            </a:schemeClr>
+          </a:lnRef>
+          <a:fillRef idx="1">
+            <a:schemeClr val="accent1"/>
+          </a:fillRef>
+          <a:effectRef idx="0">
+            <a:schemeClr val="accent1"/>
+          </a:effectRef>
+          <a:fontRef idx="minor">
+            <a:schemeClr val="lt1"/>
+          </a:fontRef>
+        </p:style>
+        <p:txBody>
+          <a:bodyPr rtlCol="0" anchor="ctr"/>
+          <a:lstStyle/>
+          <a:p>
+            <a:pPr algn="ctr"/>
+            <a:endParaRPr lang="en-SG"/>
           </a:p>
         </p:txBody>
       </p:sp>
     </p:spTree>
     <p:extLst>
       <p:ext uri="{BB962C8B-B14F-4D97-AF65-F5344CB8AC3E}">
-        <p14:creationId xmlns:p14="http://schemas.microsoft.com/office/powerpoint/2010/main" val="1331619187"/>
+        <p14:creationId xmlns:p14="http://schemas.microsoft.com/office/powerpoint/2010/main" val="2923231016"/>
       </p:ext>
     </p:extLst>
   </p:cSld>
@@ -9938,131 +10225,6 @@
       </p:sp>
       <p:sp>
         <p:nvSpPr>
-          <p:cNvPr id="2" name="Title 1">
-            <a:extLst>
-              <a:ext uri="{FF2B5EF4-FFF2-40B4-BE49-F238E27FC236}">
-                <a16:creationId xmlns:a16="http://schemas.microsoft.com/office/drawing/2014/main" id="{C61AFF62-17DE-4FE5-9E08-14589EF1AFC2}"/>
-              </a:ext>
-            </a:extLst>
-          </p:cNvPr>
-          <p:cNvSpPr>
-            <a:spLocks noGrp="1"/>
-          </p:cNvSpPr>
-          <p:nvPr>
-            <p:ph type="title"/>
-          </p:nvPr>
-        </p:nvSpPr>
-        <p:spPr>
-          <a:xfrm>
-            <a:off x="588463" y="61048"/>
-            <a:ext cx="4421174" cy="1325563"/>
-          </a:xfrm>
-        </p:spPr>
-        <p:txBody>
-          <a:bodyPr vert="horz" lIns="91440" tIns="45720" rIns="91440" bIns="45720" rtlCol="0" anchor="ctr">
-            <a:normAutofit fontScale="90000"/>
-          </a:bodyPr>
-          <a:lstStyle/>
-          <a:p>
-            <a:r>
-              <a:rPr lang="en-US" sz="3600" dirty="0">
-                <a:solidFill>
-                  <a:schemeClr val="accent1">
-                    <a:lumMod val="20000"/>
-                    <a:lumOff val="80000"/>
-                  </a:schemeClr>
-                </a:solidFill>
-                <a:effectLst>
-                  <a:glow rad="228600">
-                    <a:schemeClr val="accent1">
-                      <a:satMod val="175000"/>
-                      <a:alpha val="40000"/>
-                    </a:schemeClr>
-                  </a:glow>
-                </a:effectLst>
-              </a:rPr>
-              <a:t>Improved Results</a:t>
-            </a:r>
-            <a:br>
-              <a:rPr lang="en-US" sz="3600" dirty="0">
-                <a:solidFill>
-                  <a:schemeClr val="accent1">
-                    <a:lumMod val="20000"/>
-                    <a:lumOff val="80000"/>
-                  </a:schemeClr>
-                </a:solidFill>
-                <a:effectLst>
-                  <a:glow rad="228600">
-                    <a:schemeClr val="accent1">
-                      <a:satMod val="175000"/>
-                      <a:alpha val="40000"/>
-                    </a:schemeClr>
-                  </a:glow>
-                </a:effectLst>
-              </a:rPr>
-            </a:br>
-            <a:r>
-              <a:rPr lang="en-US" sz="3600" dirty="0">
-                <a:solidFill>
-                  <a:schemeClr val="accent1">
-                    <a:lumMod val="20000"/>
-                    <a:lumOff val="80000"/>
-                  </a:schemeClr>
-                </a:solidFill>
-                <a:effectLst>
-                  <a:glow rad="228600">
-                    <a:schemeClr val="accent1">
-                      <a:satMod val="175000"/>
-                      <a:alpha val="40000"/>
-                    </a:schemeClr>
-                  </a:glow>
-                </a:effectLst>
-              </a:rPr>
-              <a:t>with Resnet – 1</a:t>
-            </a:r>
-            <a:r>
-              <a:rPr lang="en-US" sz="3600" baseline="30000" dirty="0">
-                <a:solidFill>
-                  <a:schemeClr val="accent1">
-                    <a:lumMod val="20000"/>
-                    <a:lumOff val="80000"/>
-                  </a:schemeClr>
-                </a:solidFill>
-                <a:effectLst>
-                  <a:glow rad="228600">
-                    <a:schemeClr val="accent1">
-                      <a:satMod val="175000"/>
-                      <a:alpha val="40000"/>
-                    </a:schemeClr>
-                  </a:glow>
-                </a:effectLst>
-              </a:rPr>
-              <a:t>st</a:t>
-            </a:r>
-            <a:r>
-              <a:rPr lang="en-US" sz="3600" dirty="0">
-                <a:solidFill>
-                  <a:schemeClr val="accent1">
-                    <a:lumMod val="20000"/>
-                    <a:lumOff val="80000"/>
-                  </a:schemeClr>
-                </a:solidFill>
-                <a:effectLst>
-                  <a:glow rad="228600">
-                    <a:schemeClr val="accent1">
-                      <a:satMod val="175000"/>
-                      <a:alpha val="40000"/>
-                    </a:schemeClr>
-                  </a:glow>
-                </a:effectLst>
-              </a:rPr>
-              <a:t> Attempt</a:t>
-            </a:r>
-          </a:p>
-        </p:txBody>
-      </p:sp>
-      <p:sp>
-        <p:nvSpPr>
           <p:cNvPr id="7" name="Rectangle 6">
             <a:extLst>
               <a:ext uri="{FF2B5EF4-FFF2-40B4-BE49-F238E27FC236}">
@@ -10106,7 +10268,7 @@
                 </a:solidFill>
                 <a:latin typeface="&amp;quot"/>
               </a:rPr>
-              <a:t>97.71%</a:t>
+              <a:t>98.62%</a:t>
             </a:r>
           </a:p>
         </p:txBody>
@@ -10268,8 +10430,8 @@
         </p:nvSpPr>
         <p:spPr>
           <a:xfrm>
-            <a:off x="5589796" y="1275398"/>
-            <a:ext cx="3826053" cy="1697068"/>
+            <a:off x="5589794" y="1383877"/>
+            <a:ext cx="5764005" cy="1697068"/>
           </a:xfrm>
           <a:prstGeom prst="rect">
             <a:avLst/>
@@ -10289,7 +10451,9 @@
             <a:r>
               <a:rPr lang="en-SG" sz="2400" dirty="0">
                 <a:solidFill>
-                  <a:srgbClr val="FFFF00"/>
+                  <a:schemeClr val="bg1">
+                    <a:lumMod val="95000"/>
+                  </a:schemeClr>
                 </a:solidFill>
                 <a:latin typeface="&amp;quot"/>
               </a:rPr>
@@ -10311,7 +10475,38 @@
                 </a:solidFill>
                 <a:latin typeface="&amp;quot"/>
               </a:rPr>
-              <a:t>Learning Rate = 2e^-3</a:t>
+              <a:t>Stepped Initial Learning Rate </a:t>
+            </a:r>
+            <a:r>
+              <a:rPr lang="en-SG" sz="2400" dirty="0" err="1">
+                <a:solidFill>
+                  <a:schemeClr val="bg1">
+                    <a:lumMod val="95000"/>
+                  </a:schemeClr>
+                </a:solidFill>
+                <a:latin typeface="&amp;quot"/>
+              </a:rPr>
+              <a:t>lr</a:t>
+            </a:r>
+            <a:r>
+              <a:rPr lang="en-SG" sz="2400" dirty="0">
+                <a:solidFill>
+                  <a:schemeClr val="bg1">
+                    <a:lumMod val="95000"/>
+                  </a:schemeClr>
+                </a:solidFill>
+                <a:latin typeface="&amp;quot"/>
+              </a:rPr>
+              <a:t> = </a:t>
+            </a:r>
+            <a:r>
+              <a:rPr lang="en-SG" sz="2400" b="1" dirty="0">
+                <a:solidFill>
+                  <a:srgbClr val="FFFF00"/>
+                </a:solidFill>
+                <a:latin typeface="&amp;quot"/>
+              </a:rPr>
+              <a:t>1e^-3</a:t>
             </a:r>
           </a:p>
           <a:p>
@@ -10339,7 +10534,7 @@
           <p:cNvPr id="6" name="Picture 5">
             <a:extLst>
               <a:ext uri="{FF2B5EF4-FFF2-40B4-BE49-F238E27FC236}">
-                <a16:creationId xmlns:a16="http://schemas.microsoft.com/office/drawing/2014/main" id="{49966BFF-C89F-489B-9934-B13102A9BE55}"/>
+                <a16:creationId xmlns:a16="http://schemas.microsoft.com/office/drawing/2014/main" id="{7F1A5F99-7ED2-44F6-82BD-041028389AC9}"/>
               </a:ext>
             </a:extLst>
           </p:cNvPr>
@@ -10350,13 +10545,13 @@
         </p:nvPicPr>
         <p:blipFill rotWithShape="1">
           <a:blip r:embed="rId3"/>
-          <a:srcRect l="391" t="27361" r="58281" b="44723"/>
+          <a:srcRect t="20555" r="57583" b="50204"/>
           <a:stretch/>
         </p:blipFill>
         <p:spPr>
           <a:xfrm>
-            <a:off x="5243451" y="4155045"/>
-            <a:ext cx="6859220" cy="2337830"/>
+            <a:off x="5243450" y="4154767"/>
+            <a:ext cx="6859220" cy="2436533"/>
           </a:xfrm>
           <a:prstGeom prst="rect">
             <a:avLst/>
@@ -10368,7 +10563,7 @@
           <p:cNvPr id="17" name="Picture 16">
             <a:extLst>
               <a:ext uri="{FF2B5EF4-FFF2-40B4-BE49-F238E27FC236}">
-                <a16:creationId xmlns:a16="http://schemas.microsoft.com/office/drawing/2014/main" id="{6FBF95BD-2826-462D-9C81-29B957CF1BB8}"/>
+                <a16:creationId xmlns:a16="http://schemas.microsoft.com/office/drawing/2014/main" id="{B953CCEA-6618-4D1D-8D2F-BC07FE315D34}"/>
               </a:ext>
             </a:extLst>
           </p:cNvPr>
@@ -10379,13 +10574,13 @@
         </p:nvPicPr>
         <p:blipFill rotWithShape="1">
           <a:blip r:embed="rId3"/>
-          <a:srcRect l="391" t="57037" r="83887" b="24861"/>
+          <a:srcRect t="50530" r="83515" b="30141"/>
           <a:stretch/>
         </p:blipFill>
         <p:spPr>
           <a:xfrm>
-            <a:off x="2381785" y="4790961"/>
-            <a:ext cx="2627852" cy="1701914"/>
+            <a:off x="2404981" y="4790961"/>
+            <a:ext cx="2591269" cy="1709093"/>
           </a:xfrm>
           <a:prstGeom prst="rect">
             <a:avLst/>
@@ -10394,10 +10589,10 @@
       </p:pic>
       <p:pic>
         <p:nvPicPr>
-          <p:cNvPr id="12" name="Picture 11">
-            <a:extLst>
-              <a:ext uri="{FF2B5EF4-FFF2-40B4-BE49-F238E27FC236}">
-                <a16:creationId xmlns:a16="http://schemas.microsoft.com/office/drawing/2014/main" id="{31A62B5C-BD7C-4E7A-A117-47738C77C259}"/>
+          <p:cNvPr id="8" name="Picture 7">
+            <a:extLst>
+              <a:ext uri="{FF2B5EF4-FFF2-40B4-BE49-F238E27FC236}">
+                <a16:creationId xmlns:a16="http://schemas.microsoft.com/office/drawing/2014/main" id="{1EEDCDFA-DE9F-44B9-AD68-00AB9B6D3A07}"/>
               </a:ext>
             </a:extLst>
           </p:cNvPr>
@@ -10408,13 +10603,13 @@
         </p:nvPicPr>
         <p:blipFill rotWithShape="1">
           <a:blip r:embed="rId4"/>
-          <a:srcRect l="1406" t="41807" r="70156" b="22499"/>
+          <a:srcRect l="733" t="37361" r="70156" b="27111"/>
           <a:stretch/>
         </p:blipFill>
         <p:spPr>
           <a:xfrm>
-            <a:off x="895350" y="1638605"/>
-            <a:ext cx="4107904" cy="2900362"/>
+            <a:off x="838200" y="1714778"/>
+            <a:ext cx="4158050" cy="2854493"/>
           </a:xfrm>
           <a:prstGeom prst="rect">
             <a:avLst/>
@@ -10423,10 +10618,135 @@
       </p:pic>
       <p:sp>
         <p:nvSpPr>
-          <p:cNvPr id="3" name="TextBox 2">
-            <a:extLst>
-              <a:ext uri="{FF2B5EF4-FFF2-40B4-BE49-F238E27FC236}">
-                <a16:creationId xmlns:a16="http://schemas.microsoft.com/office/drawing/2014/main" id="{54B2D997-C8FE-46A6-AFEB-31707FD10DE0}"/>
+          <p:cNvPr id="16" name="Title 1">
+            <a:extLst>
+              <a:ext uri="{FF2B5EF4-FFF2-40B4-BE49-F238E27FC236}">
+                <a16:creationId xmlns:a16="http://schemas.microsoft.com/office/drawing/2014/main" id="{55D79855-6676-4535-961A-C0F4F892117B}"/>
+              </a:ext>
+            </a:extLst>
+          </p:cNvPr>
+          <p:cNvSpPr>
+            <a:spLocks noGrp="1"/>
+          </p:cNvSpPr>
+          <p:nvPr>
+            <p:ph type="title"/>
+          </p:nvPr>
+        </p:nvSpPr>
+        <p:spPr>
+          <a:xfrm>
+            <a:off x="588462" y="61048"/>
+            <a:ext cx="4565660" cy="1325563"/>
+          </a:xfrm>
+        </p:spPr>
+        <p:txBody>
+          <a:bodyPr vert="horz" lIns="91440" tIns="45720" rIns="91440" bIns="45720" rtlCol="0" anchor="ctr">
+            <a:normAutofit fontScale="90000"/>
+          </a:bodyPr>
+          <a:lstStyle/>
+          <a:p>
+            <a:r>
+              <a:rPr lang="en-US" sz="3600" dirty="0">
+                <a:solidFill>
+                  <a:schemeClr val="accent1">
+                    <a:lumMod val="20000"/>
+                    <a:lumOff val="80000"/>
+                  </a:schemeClr>
+                </a:solidFill>
+                <a:effectLst>
+                  <a:glow rad="228600">
+                    <a:schemeClr val="accent1">
+                      <a:satMod val="175000"/>
+                      <a:alpha val="40000"/>
+                    </a:schemeClr>
+                  </a:glow>
+                </a:effectLst>
+              </a:rPr>
+              <a:t>Improved Results</a:t>
+            </a:r>
+            <a:br>
+              <a:rPr lang="en-US" sz="3600" dirty="0">
+                <a:solidFill>
+                  <a:schemeClr val="accent1">
+                    <a:lumMod val="20000"/>
+                    <a:lumOff val="80000"/>
+                  </a:schemeClr>
+                </a:solidFill>
+                <a:effectLst>
+                  <a:glow rad="228600">
+                    <a:schemeClr val="accent1">
+                      <a:satMod val="175000"/>
+                      <a:alpha val="40000"/>
+                    </a:schemeClr>
+                  </a:glow>
+                </a:effectLst>
+              </a:rPr>
+            </a:br>
+            <a:r>
+              <a:rPr lang="en-US" sz="3600" dirty="0">
+                <a:solidFill>
+                  <a:schemeClr val="accent1">
+                    <a:lumMod val="20000"/>
+                    <a:lumOff val="80000"/>
+                  </a:schemeClr>
+                </a:solidFill>
+                <a:effectLst>
+                  <a:glow rad="228600">
+                    <a:schemeClr val="accent1">
+                      <a:satMod val="175000"/>
+                      <a:alpha val="40000"/>
+                    </a:schemeClr>
+                  </a:glow>
+                </a:effectLst>
+              </a:rPr>
+              <a:t>with Resnet – 2</a:t>
+            </a:r>
+            <a:r>
+              <a:rPr lang="en-US" sz="3600" baseline="30000" dirty="0">
+                <a:solidFill>
+                  <a:schemeClr val="accent1">
+                    <a:lumMod val="20000"/>
+                    <a:lumOff val="80000"/>
+                  </a:schemeClr>
+                </a:solidFill>
+                <a:effectLst>
+                  <a:glow rad="228600">
+                    <a:schemeClr val="accent1">
+                      <a:satMod val="175000"/>
+                      <a:alpha val="40000"/>
+                    </a:schemeClr>
+                  </a:glow>
+                </a:effectLst>
+              </a:rPr>
+              <a:t>nd</a:t>
+            </a:r>
+            <a:r>
+              <a:rPr lang="en-US" sz="3600" dirty="0">
+                <a:solidFill>
+                  <a:schemeClr val="accent1">
+                    <a:lumMod val="20000"/>
+                    <a:lumOff val="80000"/>
+                  </a:schemeClr>
+                </a:solidFill>
+                <a:effectLst>
+                  <a:glow rad="228600">
+                    <a:schemeClr val="accent1">
+                      <a:satMod val="175000"/>
+                      <a:alpha val="40000"/>
+                    </a:schemeClr>
+                  </a:glow>
+                </a:effectLst>
+              </a:rPr>
+              <a:t> Attempt</a:t>
+            </a:r>
+          </a:p>
+        </p:txBody>
+      </p:sp>
+      <p:sp>
+        <p:nvSpPr>
+          <p:cNvPr id="18" name="TextBox 17">
+            <a:extLst>
+              <a:ext uri="{FF2B5EF4-FFF2-40B4-BE49-F238E27FC236}">
+                <a16:creationId xmlns:a16="http://schemas.microsoft.com/office/drawing/2014/main" id="{1C609462-7822-4BFD-88CF-F60AF19F83EE}"/>
               </a:ext>
             </a:extLst>
           </p:cNvPr>
@@ -10462,10 +10782,10 @@
       </p:sp>
       <p:sp>
         <p:nvSpPr>
-          <p:cNvPr id="8" name="Arrow: Right 7">
-            <a:extLst>
-              <a:ext uri="{FF2B5EF4-FFF2-40B4-BE49-F238E27FC236}">
-                <a16:creationId xmlns:a16="http://schemas.microsoft.com/office/drawing/2014/main" id="{34EE87BA-A63C-46E1-A4CE-71284C5E26EE}"/>
+          <p:cNvPr id="19" name="Arrow: Right 18">
+            <a:extLst>
+              <a:ext uri="{FF2B5EF4-FFF2-40B4-BE49-F238E27FC236}">
+                <a16:creationId xmlns:a16="http://schemas.microsoft.com/office/drawing/2014/main" id="{6A215682-9EA6-4985-829A-7E89D64DCA4B}"/>
               </a:ext>
             </a:extLst>
           </p:cNvPr>
@@ -10474,7 +10794,7 @@
         </p:nvSpPr>
         <p:spPr>
           <a:xfrm rot="10800000">
-            <a:off x="8869501" y="1386611"/>
+            <a:off x="10896599" y="2075674"/>
             <a:ext cx="457200" cy="461665"/>
           </a:xfrm>
           <a:prstGeom prst="rightArrow">
@@ -10515,7 +10835,7 @@
     </p:spTree>
     <p:extLst>
       <p:ext uri="{BB962C8B-B14F-4D97-AF65-F5344CB8AC3E}">
-        <p14:creationId xmlns:p14="http://schemas.microsoft.com/office/powerpoint/2010/main" val="2923231016"/>
+        <p14:creationId xmlns:p14="http://schemas.microsoft.com/office/powerpoint/2010/main" val="2185993378"/>
       </p:ext>
     </p:extLst>
   </p:cSld>
@@ -10674,7 +10994,7 @@
                 </a:solidFill>
                 <a:latin typeface="&amp;quot"/>
               </a:rPr>
-              <a:t>98.62%</a:t>
+              <a:t>99.08%</a:t>
             </a:r>
           </a:p>
         </p:txBody>
@@ -10744,8 +11064,8 @@
         </p:nvSpPr>
         <p:spPr>
           <a:xfrm>
-            <a:off x="5243451" y="571500"/>
-            <a:ext cx="6859220" cy="2533650"/>
+            <a:off x="5438683" y="571500"/>
+            <a:ext cx="6663988" cy="2533650"/>
           </a:xfrm>
           <a:prstGeom prst="rect">
             <a:avLst/>
@@ -10836,8 +11156,8 @@
         </p:nvSpPr>
         <p:spPr>
           <a:xfrm>
-            <a:off x="5589795" y="1383877"/>
-            <a:ext cx="3598040" cy="1697068"/>
+            <a:off x="5584694" y="1295834"/>
+            <a:ext cx="5228848" cy="2126864"/>
           </a:xfrm>
           <a:prstGeom prst="rect">
             <a:avLst/>
@@ -10881,16 +11201,49 @@
                 </a:solidFill>
                 <a:latin typeface="&amp;quot"/>
               </a:rPr>
-              <a:t>Learning Rate = </a:t>
+              <a:t>Stepped Initial Learning Rate </a:t>
+            </a:r>
+            <a:r>
+              <a:rPr lang="en-SG" sz="2400" dirty="0" err="1">
+                <a:solidFill>
+                  <a:schemeClr val="bg1">
+                    <a:lumMod val="95000"/>
+                  </a:schemeClr>
+                </a:solidFill>
+                <a:latin typeface="&amp;quot"/>
+              </a:rPr>
+              <a:t>lr</a:t>
+            </a:r>
+            <a:r>
+              <a:rPr lang="en-SG" sz="2400" dirty="0">
+                <a:solidFill>
+                  <a:schemeClr val="bg1">
+                    <a:lumMod val="95000"/>
+                  </a:schemeClr>
+                </a:solidFill>
+                <a:latin typeface="&amp;quot"/>
+              </a:rPr>
+              <a:t> </a:t>
             </a:r>
             <a:r>
               <a:rPr lang="en-SG" sz="2400" b="1" dirty="0">
                 <a:solidFill>
-                  <a:srgbClr val="FFFF00"/>
+                  <a:schemeClr val="bg1">
+                    <a:lumMod val="95000"/>
+                  </a:schemeClr>
                 </a:solidFill>
                 <a:latin typeface="&amp;quot"/>
               </a:rPr>
-              <a:t>1e^-3</a:t>
+              <a:t>= </a:t>
+            </a:r>
+            <a:r>
+              <a:rPr lang="en-SG" sz="2400" b="1" dirty="0">
+                <a:solidFill>
+                  <a:srgbClr val="FFFF00"/>
+                </a:solidFill>
+                <a:latin typeface="&amp;quot"/>
+              </a:rPr>
+              <a:t>0.3e^-3</a:t>
             </a:r>
           </a:p>
           <a:p>
@@ -10908,17 +11261,52 @@
                 </a:solidFill>
                 <a:latin typeface="&amp;quot"/>
               </a:rPr>
-              <a:t>Batch Size = 32</a:t>
-            </a:r>
+              <a:t>Batch Size </a:t>
+            </a:r>
+            <a:r>
+              <a:rPr lang="en-SG" sz="2400" b="1" dirty="0">
+                <a:solidFill>
+                  <a:schemeClr val="bg1">
+                    <a:lumMod val="95000"/>
+                  </a:schemeClr>
+                </a:solidFill>
+                <a:latin typeface="&amp;quot"/>
+              </a:rPr>
+              <a:t>= </a:t>
+            </a:r>
+            <a:r>
+              <a:rPr lang="en-SG" sz="2400" b="1" dirty="0">
+                <a:solidFill>
+                  <a:srgbClr val="FFFF00"/>
+                </a:solidFill>
+                <a:latin typeface="&amp;quot"/>
+              </a:rPr>
+              <a:t>30</a:t>
+            </a:r>
+          </a:p>
+          <a:p>
+            <a:pPr>
+              <a:lnSpc>
+                <a:spcPct val="150000"/>
+              </a:lnSpc>
+            </a:pPr>
+            <a:endParaRPr lang="en-SG" dirty="0">
+              <a:solidFill>
+                <a:schemeClr val="bg1">
+                  <a:lumMod val="95000"/>
+                </a:schemeClr>
+              </a:solidFill>
+              <a:latin typeface="&amp;quot"/>
+            </a:endParaRPr>
           </a:p>
         </p:txBody>
       </p:sp>
       <p:pic>
         <p:nvPicPr>
-          <p:cNvPr id="6" name="Picture 5">
-            <a:extLst>
-              <a:ext uri="{FF2B5EF4-FFF2-40B4-BE49-F238E27FC236}">
-                <a16:creationId xmlns:a16="http://schemas.microsoft.com/office/drawing/2014/main" id="{7F1A5F99-7ED2-44F6-82BD-041028389AC9}"/>
+          <p:cNvPr id="3" name="Picture 2">
+            <a:extLst>
+              <a:ext uri="{FF2B5EF4-FFF2-40B4-BE49-F238E27FC236}">
+                <a16:creationId xmlns:a16="http://schemas.microsoft.com/office/drawing/2014/main" id="{F8ECF66E-52D4-47CE-9309-D1A187D49EFF}"/>
               </a:ext>
             </a:extLst>
           </p:cNvPr>
@@ -10929,13 +11317,13 @@
         </p:nvPicPr>
         <p:blipFill rotWithShape="1">
           <a:blip r:embed="rId3"/>
-          <a:srcRect t="20555" r="57583" b="50204"/>
+          <a:srcRect l="733" t="58324" r="75170" b="11068"/>
           <a:stretch/>
         </p:blipFill>
         <p:spPr>
           <a:xfrm>
-            <a:off x="5243450" y="4154767"/>
-            <a:ext cx="6859220" cy="2436533"/>
+            <a:off x="852569" y="1591848"/>
+            <a:ext cx="4158664" cy="2971273"/>
           </a:xfrm>
           <a:prstGeom prst="rect">
             <a:avLst/>
@@ -10944,10 +11332,10 @@
       </p:pic>
       <p:pic>
         <p:nvPicPr>
-          <p:cNvPr id="17" name="Picture 16">
-            <a:extLst>
-              <a:ext uri="{FF2B5EF4-FFF2-40B4-BE49-F238E27FC236}">
-                <a16:creationId xmlns:a16="http://schemas.microsoft.com/office/drawing/2014/main" id="{B953CCEA-6618-4D1D-8D2F-BC07FE315D34}"/>
+          <p:cNvPr id="16" name="Picture 15">
+            <a:extLst>
+              <a:ext uri="{FF2B5EF4-FFF2-40B4-BE49-F238E27FC236}">
+                <a16:creationId xmlns:a16="http://schemas.microsoft.com/office/drawing/2014/main" id="{7968DEF5-E05A-43C4-BC13-968DF89522FC}"/>
               </a:ext>
             </a:extLst>
           </p:cNvPr>
@@ -10958,13 +11346,13 @@
         </p:nvPicPr>
         <p:blipFill rotWithShape="1">
           <a:blip r:embed="rId3"/>
-          <a:srcRect t="50530" r="83515" b="30141"/>
+          <a:srcRect t="37648" r="86323" b="46947"/>
           <a:stretch/>
         </p:blipFill>
         <p:spPr>
           <a:xfrm>
-            <a:off x="2404981" y="4790961"/>
-            <a:ext cx="2591269" cy="1709093"/>
+            <a:off x="2369470" y="4803757"/>
+            <a:ext cx="2666156" cy="1689118"/>
           </a:xfrm>
           <a:prstGeom prst="rect">
             <a:avLst/>
@@ -10973,10 +11361,10 @@
       </p:pic>
       <p:pic>
         <p:nvPicPr>
-          <p:cNvPr id="8" name="Picture 7">
-            <a:extLst>
-              <a:ext uri="{FF2B5EF4-FFF2-40B4-BE49-F238E27FC236}">
-                <a16:creationId xmlns:a16="http://schemas.microsoft.com/office/drawing/2014/main" id="{1EEDCDFA-DE9F-44B9-AD68-00AB9B6D3A07}"/>
+          <p:cNvPr id="18" name="Picture 17">
+            <a:extLst>
+              <a:ext uri="{FF2B5EF4-FFF2-40B4-BE49-F238E27FC236}">
+                <a16:creationId xmlns:a16="http://schemas.microsoft.com/office/drawing/2014/main" id="{A5392C68-9844-4809-8B9F-BA78CBF0ADEC}"/>
               </a:ext>
             </a:extLst>
           </p:cNvPr>
@@ -10986,14 +11374,14 @@
           <p:nvPr/>
         </p:nvPicPr>
         <p:blipFill rotWithShape="1">
-          <a:blip r:embed="rId4"/>
-          <a:srcRect l="733" t="37361" r="70156" b="27111"/>
+          <a:blip r:embed="rId3"/>
+          <a:srcRect t="13074" r="64976" b="63150"/>
           <a:stretch/>
         </p:blipFill>
         <p:spPr>
           <a:xfrm>
-            <a:off x="838200" y="1714778"/>
-            <a:ext cx="4158050" cy="2854493"/>
+            <a:off x="5243451" y="4177421"/>
+            <a:ext cx="6859220" cy="2311375"/>
           </a:xfrm>
           <a:prstGeom prst="rect">
             <a:avLst/>
@@ -11002,10 +11390,10 @@
       </p:pic>
       <p:sp>
         <p:nvSpPr>
-          <p:cNvPr id="16" name="Title 1">
-            <a:extLst>
-              <a:ext uri="{FF2B5EF4-FFF2-40B4-BE49-F238E27FC236}">
-                <a16:creationId xmlns:a16="http://schemas.microsoft.com/office/drawing/2014/main" id="{55D79855-6676-4535-961A-C0F4F892117B}"/>
+          <p:cNvPr id="17" name="Title 1">
+            <a:extLst>
+              <a:ext uri="{FF2B5EF4-FFF2-40B4-BE49-F238E27FC236}">
+                <a16:creationId xmlns:a16="http://schemas.microsoft.com/office/drawing/2014/main" id="{35869334-5B83-4310-8BF7-2CF769D310AD}"/>
               </a:ext>
             </a:extLst>
           </p:cNvPr>
@@ -11018,8 +11406,8 @@
         </p:nvSpPr>
         <p:spPr>
           <a:xfrm>
-            <a:off x="588462" y="61048"/>
-            <a:ext cx="4565660" cy="1325563"/>
+            <a:off x="588463" y="61048"/>
+            <a:ext cx="4850220" cy="1325563"/>
           </a:xfrm>
         </p:spPr>
         <p:txBody>
@@ -11082,84 +11470,7 @@
                   </a:glow>
                 </a:effectLst>
               </a:rPr>
-              <a:t>with Resnet – 2</a:t>
-            </a:r>
-            <a:r>
-              <a:rPr lang="en-US" sz="3600" baseline="30000" dirty="0">
-                <a:solidFill>
-                  <a:schemeClr val="accent1">
-                    <a:lumMod val="20000"/>
-                    <a:lumOff val="80000"/>
-                  </a:schemeClr>
-                </a:solidFill>
-                <a:effectLst>
-                  <a:glow rad="228600">
-                    <a:schemeClr val="accent1">
-                      <a:satMod val="175000"/>
-                      <a:alpha val="40000"/>
-                    </a:schemeClr>
-                  </a:glow>
-                </a:effectLst>
-              </a:rPr>
-              <a:t>nd</a:t>
-            </a:r>
-            <a:r>
-              <a:rPr lang="en-US" sz="3600" dirty="0">
-                <a:solidFill>
-                  <a:schemeClr val="accent1">
-                    <a:lumMod val="20000"/>
-                    <a:lumOff val="80000"/>
-                  </a:schemeClr>
-                </a:solidFill>
-                <a:effectLst>
-                  <a:glow rad="228600">
-                    <a:schemeClr val="accent1">
-                      <a:satMod val="175000"/>
-                      <a:alpha val="40000"/>
-                    </a:schemeClr>
-                  </a:glow>
-                </a:effectLst>
-              </a:rPr>
-              <a:t> Attempt</a:t>
-            </a:r>
-          </a:p>
-        </p:txBody>
-      </p:sp>
-      <p:sp>
-        <p:nvSpPr>
-          <p:cNvPr id="18" name="TextBox 17">
-            <a:extLst>
-              <a:ext uri="{FF2B5EF4-FFF2-40B4-BE49-F238E27FC236}">
-                <a16:creationId xmlns:a16="http://schemas.microsoft.com/office/drawing/2014/main" id="{1C609462-7822-4BFD-88CF-F60AF19F83EE}"/>
-              </a:ext>
-            </a:extLst>
-          </p:cNvPr>
-          <p:cNvSpPr txBox="1"/>
-          <p:nvPr/>
-        </p:nvSpPr>
-        <p:spPr>
-          <a:xfrm>
-            <a:off x="5589795" y="723828"/>
-            <a:ext cx="3146432" cy="461665"/>
-          </a:xfrm>
-          <a:prstGeom prst="rect">
-            <a:avLst/>
-          </a:prstGeom>
-          <a:noFill/>
-        </p:spPr>
-        <p:txBody>
-          <a:bodyPr wrap="square" rtlCol="0">
-            <a:spAutoFit/>
-          </a:bodyPr>
-          <a:lstStyle/>
-          <a:p>
-            <a:r>
-              <a:rPr lang="en-SG" sz="2400" dirty="0">
-                <a:solidFill>
-                  <a:srgbClr val="00FF00"/>
-                </a:solidFill>
-              </a:rPr>
-              <a:t>HYPER-PARAMETERS</a:t>
+              <a:t>with Resnet – Final Attempt</a:t>
             </a:r>
           </a:p>
         </p:txBody>
@@ -11169,7 +11480,7 @@
           <p:cNvPr id="19" name="Arrow: Right 18">
             <a:extLst>
               <a:ext uri="{FF2B5EF4-FFF2-40B4-BE49-F238E27FC236}">
-                <a16:creationId xmlns:a16="http://schemas.microsoft.com/office/drawing/2014/main" id="{6A215682-9EA6-4985-829A-7E89D64DCA4B}"/>
+                <a16:creationId xmlns:a16="http://schemas.microsoft.com/office/drawing/2014/main" id="{453726E7-F9EB-4542-8890-D658F683690E}"/>
               </a:ext>
             </a:extLst>
           </p:cNvPr>
@@ -11178,7 +11489,7 @@
         </p:nvSpPr>
         <p:spPr>
           <a:xfrm rot="10800000">
-            <a:off x="8959235" y="2063363"/>
+            <a:off x="11045571" y="1968618"/>
             <a:ext cx="457200" cy="461665"/>
           </a:xfrm>
           <a:prstGeom prst="rightArrow">
@@ -11216,78 +11527,12 @@
           </a:p>
         </p:txBody>
       </p:sp>
-    </p:spTree>
-    <p:extLst>
-      <p:ext uri="{BB962C8B-B14F-4D97-AF65-F5344CB8AC3E}">
-        <p14:creationId xmlns:p14="http://schemas.microsoft.com/office/powerpoint/2010/main" val="2185993378"/>
-      </p:ext>
-    </p:extLst>
-  </p:cSld>
-  <p:clrMapOvr>
-    <a:masterClrMapping/>
-  </p:clrMapOvr>
-</p:sld>
-</file>
-
-<file path=ppt/slides/slide23.xml><?xml version="1.0" encoding="utf-8"?>
-<p:sld xmlns:a="http://schemas.openxmlformats.org/drawingml/2006/main" xmlns:r="http://schemas.openxmlformats.org/officeDocument/2006/relationships" xmlns:p="http://schemas.openxmlformats.org/presentationml/2006/main">
-  <p:cSld>
-    <p:spTree>
-      <p:nvGrpSpPr>
-        <p:cNvPr id="1" name=""/>
-        <p:cNvGrpSpPr/>
-        <p:nvPr/>
-      </p:nvGrpSpPr>
-      <p:grpSpPr>
-        <a:xfrm>
-          <a:off x="0" y="0"/>
-          <a:ext cx="0" cy="0"/>
-          <a:chOff x="0" y="0"/>
-          <a:chExt cx="0" cy="0"/>
-        </a:xfrm>
-      </p:grpSpPr>
-      <p:pic>
-        <p:nvPicPr>
-          <p:cNvPr id="4" name="Picture 3" descr="A circuit board&#10;&#10;Description automatically generated">
-            <a:extLst>
-              <a:ext uri="{FF2B5EF4-FFF2-40B4-BE49-F238E27FC236}">
-                <a16:creationId xmlns:a16="http://schemas.microsoft.com/office/drawing/2014/main" id="{3EA77513-415A-4E0B-9463-B0162BE94324}"/>
-              </a:ext>
-            </a:extLst>
-          </p:cNvPr>
-          <p:cNvPicPr>
-            <a:picLocks noChangeAspect="1"/>
-          </p:cNvPicPr>
-          <p:nvPr/>
-        </p:nvPicPr>
-        <p:blipFill>
-          <a:blip r:embed="rId2">
-            <a:extLst>
-              <a:ext uri="{28A0092B-C50C-407E-A947-70E740481C1C}">
-                <a14:useLocalDpi xmlns:a14="http://schemas.microsoft.com/office/drawing/2010/main" val="0"/>
-              </a:ext>
-            </a:extLst>
-          </a:blip>
-          <a:stretch>
-            <a:fillRect/>
-          </a:stretch>
-        </p:blipFill>
-        <p:spPr>
-          <a:xfrm>
-            <a:off x="14608" y="0"/>
-            <a:ext cx="12177392" cy="6880226"/>
-          </a:xfrm>
-          <a:prstGeom prst="rect">
-            <a:avLst/>
-          </a:prstGeom>
-        </p:spPr>
-      </p:pic>
-      <p:sp>
-        <p:nvSpPr>
-          <p:cNvPr id="5" name="Rectangle 4">
-            <a:extLst>
-              <a:ext uri="{FF2B5EF4-FFF2-40B4-BE49-F238E27FC236}">
-                <a16:creationId xmlns:a16="http://schemas.microsoft.com/office/drawing/2014/main" id="{AD864145-8069-48BD-A4B5-9A9F320D1E5E}"/>
+      <p:sp>
+        <p:nvSpPr>
+          <p:cNvPr id="20" name="Arrow: Right 19">
+            <a:extLst>
+              <a:ext uri="{FF2B5EF4-FFF2-40B4-BE49-F238E27FC236}">
+                <a16:creationId xmlns:a16="http://schemas.microsoft.com/office/drawing/2014/main" id="{F089A756-C352-471B-ACF7-65337C3ED375}"/>
               </a:ext>
             </a:extLst>
           </p:cNvPr>
@@ -11295,16 +11540,17 @@
           <p:nvPr/>
         </p:nvSpPr>
         <p:spPr>
-          <a:xfrm>
-            <a:off x="5243452" y="3340605"/>
-            <a:ext cx="6859220" cy="725312"/>
-          </a:xfrm>
-          <a:prstGeom prst="rect">
+          <a:xfrm rot="10800000">
+            <a:off x="8373016" y="2530380"/>
+            <a:ext cx="457200" cy="461665"/>
+          </a:xfrm>
+          <a:prstGeom prst="rightArrow">
             <a:avLst/>
           </a:prstGeom>
           <a:solidFill>
-            <a:schemeClr val="tx1">
-              <a:alpha val="50000"/>
+            <a:schemeClr val="accent4">
+              <a:lumMod val="60000"/>
+              <a:lumOff val="40000"/>
             </a:schemeClr>
           </a:solidFill>
         </p:spPr>
@@ -11335,614 +11581,6 @@
       </p:sp>
       <p:sp>
         <p:nvSpPr>
-          <p:cNvPr id="7" name="Rectangle 6">
-            <a:extLst>
-              <a:ext uri="{FF2B5EF4-FFF2-40B4-BE49-F238E27FC236}">
-                <a16:creationId xmlns:a16="http://schemas.microsoft.com/office/drawing/2014/main" id="{DA0BC44D-2FC2-43AD-A585-20FF6AA7F652}"/>
-              </a:ext>
-            </a:extLst>
-          </p:cNvPr>
-          <p:cNvSpPr/>
-          <p:nvPr/>
-        </p:nvSpPr>
-        <p:spPr>
-          <a:xfrm>
-            <a:off x="5920403" y="3415079"/>
-            <a:ext cx="5898196" cy="584775"/>
-          </a:xfrm>
-          <a:prstGeom prst="rect">
-            <a:avLst/>
-          </a:prstGeom>
-        </p:spPr>
-        <p:txBody>
-          <a:bodyPr wrap="square">
-            <a:spAutoFit/>
-          </a:bodyPr>
-          <a:lstStyle/>
-          <a:p>
-            <a:r>
-              <a:rPr lang="en-SG" sz="2400" dirty="0">
-                <a:solidFill>
-                  <a:schemeClr val="bg1">
-                    <a:lumMod val="95000"/>
-                  </a:schemeClr>
-                </a:solidFill>
-                <a:latin typeface="&amp;quot"/>
-              </a:rPr>
-              <a:t>Best accuracy (on testing dataset): </a:t>
-            </a:r>
-            <a:r>
-              <a:rPr lang="en-SG" sz="3200" dirty="0">
-                <a:solidFill>
-                  <a:srgbClr val="FFFF00"/>
-                </a:solidFill>
-                <a:latin typeface="&amp;quot"/>
-              </a:rPr>
-              <a:t>99.08%</a:t>
-            </a:r>
-          </a:p>
-        </p:txBody>
-      </p:sp>
-      <p:sp>
-        <p:nvSpPr>
-          <p:cNvPr id="10" name="Rectangle 9">
-            <a:extLst>
-              <a:ext uri="{FF2B5EF4-FFF2-40B4-BE49-F238E27FC236}">
-                <a16:creationId xmlns:a16="http://schemas.microsoft.com/office/drawing/2014/main" id="{40089651-4F8C-4BF7-A03C-88B8942023D6}"/>
-              </a:ext>
-            </a:extLst>
-          </p:cNvPr>
-          <p:cNvSpPr/>
-          <p:nvPr/>
-        </p:nvSpPr>
-        <p:spPr>
-          <a:xfrm>
-            <a:off x="852569" y="4790961"/>
-            <a:ext cx="1420415" cy="1701914"/>
-          </a:xfrm>
-          <a:prstGeom prst="rect">
-            <a:avLst/>
-          </a:prstGeom>
-          <a:solidFill>
-            <a:schemeClr val="tx1">
-              <a:alpha val="50000"/>
-            </a:schemeClr>
-          </a:solidFill>
-        </p:spPr>
-        <p:style>
-          <a:lnRef idx="2">
-            <a:schemeClr val="accent1">
-              <a:shade val="50000"/>
-            </a:schemeClr>
-          </a:lnRef>
-          <a:fillRef idx="1">
-            <a:schemeClr val="accent1"/>
-          </a:fillRef>
-          <a:effectRef idx="0">
-            <a:schemeClr val="accent1"/>
-          </a:effectRef>
-          <a:fontRef idx="minor">
-            <a:schemeClr val="lt1"/>
-          </a:fontRef>
-        </p:style>
-        <p:txBody>
-          <a:bodyPr rtlCol="0" anchor="ctr"/>
-          <a:lstStyle/>
-          <a:p>
-            <a:pPr algn="ctr"/>
-            <a:endParaRPr lang="en-SG"/>
-          </a:p>
-        </p:txBody>
-      </p:sp>
-      <p:sp>
-        <p:nvSpPr>
-          <p:cNvPr id="14" name="Rectangle 13">
-            <a:extLst>
-              <a:ext uri="{FF2B5EF4-FFF2-40B4-BE49-F238E27FC236}">
-                <a16:creationId xmlns:a16="http://schemas.microsoft.com/office/drawing/2014/main" id="{5F6D48A8-D84F-4EC0-A50B-44F490212364}"/>
-              </a:ext>
-            </a:extLst>
-          </p:cNvPr>
-          <p:cNvSpPr/>
-          <p:nvPr/>
-        </p:nvSpPr>
-        <p:spPr>
-          <a:xfrm>
-            <a:off x="5438683" y="571500"/>
-            <a:ext cx="6663988" cy="2533650"/>
-          </a:xfrm>
-          <a:prstGeom prst="rect">
-            <a:avLst/>
-          </a:prstGeom>
-          <a:solidFill>
-            <a:schemeClr val="tx1">
-              <a:alpha val="50000"/>
-            </a:schemeClr>
-          </a:solidFill>
-        </p:spPr>
-        <p:style>
-          <a:lnRef idx="2">
-            <a:schemeClr val="accent1">
-              <a:shade val="50000"/>
-            </a:schemeClr>
-          </a:lnRef>
-          <a:fillRef idx="1">
-            <a:schemeClr val="accent1"/>
-          </a:fillRef>
-          <a:effectRef idx="0">
-            <a:schemeClr val="accent1"/>
-          </a:effectRef>
-          <a:fontRef idx="minor">
-            <a:schemeClr val="lt1"/>
-          </a:fontRef>
-        </p:style>
-        <p:txBody>
-          <a:bodyPr rtlCol="0" anchor="ctr"/>
-          <a:lstStyle/>
-          <a:p>
-            <a:pPr algn="ctr"/>
-            <a:endParaRPr lang="en-SG"/>
-          </a:p>
-        </p:txBody>
-      </p:sp>
-      <p:sp>
-        <p:nvSpPr>
-          <p:cNvPr id="15" name="Rectangle 14">
-            <a:extLst>
-              <a:ext uri="{FF2B5EF4-FFF2-40B4-BE49-F238E27FC236}">
-                <a16:creationId xmlns:a16="http://schemas.microsoft.com/office/drawing/2014/main" id="{60735BD5-849A-47BE-9F6C-CFDF91602973}"/>
-              </a:ext>
-            </a:extLst>
-          </p:cNvPr>
-          <p:cNvSpPr/>
-          <p:nvPr/>
-        </p:nvSpPr>
-        <p:spPr>
-          <a:xfrm>
-            <a:off x="895350" y="4903254"/>
-            <a:ext cx="1509632" cy="646331"/>
-          </a:xfrm>
-          <a:prstGeom prst="rect">
-            <a:avLst/>
-          </a:prstGeom>
-        </p:spPr>
-        <p:txBody>
-          <a:bodyPr wrap="square">
-            <a:spAutoFit/>
-          </a:bodyPr>
-          <a:lstStyle/>
-          <a:p>
-            <a:r>
-              <a:rPr lang="en-SG" dirty="0">
-                <a:solidFill>
-                  <a:schemeClr val="bg1">
-                    <a:lumMod val="95000"/>
-                  </a:schemeClr>
-                </a:solidFill>
-                <a:latin typeface="&amp;quot"/>
-              </a:rPr>
-              <a:t>Confusion Matrix</a:t>
-            </a:r>
-          </a:p>
-        </p:txBody>
-      </p:sp>
-      <p:sp>
-        <p:nvSpPr>
-          <p:cNvPr id="11" name="Rectangle 10">
-            <a:extLst>
-              <a:ext uri="{FF2B5EF4-FFF2-40B4-BE49-F238E27FC236}">
-                <a16:creationId xmlns:a16="http://schemas.microsoft.com/office/drawing/2014/main" id="{4BF70356-A21D-4A85-AF4F-01F0C968F0BA}"/>
-              </a:ext>
-            </a:extLst>
-          </p:cNvPr>
-          <p:cNvSpPr/>
-          <p:nvPr/>
-        </p:nvSpPr>
-        <p:spPr>
-          <a:xfrm>
-            <a:off x="5584694" y="1295834"/>
-            <a:ext cx="3615988" cy="2126864"/>
-          </a:xfrm>
-          <a:prstGeom prst="rect">
-            <a:avLst/>
-          </a:prstGeom>
-        </p:spPr>
-        <p:txBody>
-          <a:bodyPr wrap="square">
-            <a:spAutoFit/>
-          </a:bodyPr>
-          <a:lstStyle/>
-          <a:p>
-            <a:pPr>
-              <a:lnSpc>
-                <a:spcPct val="150000"/>
-              </a:lnSpc>
-            </a:pPr>
-            <a:r>
-              <a:rPr lang="en-SG" sz="2400" dirty="0">
-                <a:solidFill>
-                  <a:schemeClr val="bg1">
-                    <a:lumMod val="95000"/>
-                  </a:schemeClr>
-                </a:solidFill>
-                <a:latin typeface="&amp;quot"/>
-              </a:rPr>
-              <a:t>Using Resnet layers</a:t>
-            </a:r>
-          </a:p>
-          <a:p>
-            <a:pPr>
-              <a:lnSpc>
-                <a:spcPct val="150000"/>
-              </a:lnSpc>
-            </a:pPr>
-            <a:r>
-              <a:rPr lang="en-SG" sz="2400" dirty="0">
-                <a:solidFill>
-                  <a:schemeClr val="bg1">
-                    <a:lumMod val="95000"/>
-                  </a:schemeClr>
-                </a:solidFill>
-                <a:latin typeface="&amp;quot"/>
-              </a:rPr>
-              <a:t>Learning Rate </a:t>
-            </a:r>
-            <a:r>
-              <a:rPr lang="en-SG" sz="2400" b="1" dirty="0">
-                <a:solidFill>
-                  <a:schemeClr val="bg1">
-                    <a:lumMod val="95000"/>
-                  </a:schemeClr>
-                </a:solidFill>
-                <a:latin typeface="&amp;quot"/>
-              </a:rPr>
-              <a:t>= </a:t>
-            </a:r>
-            <a:r>
-              <a:rPr lang="en-SG" sz="2400" b="1" dirty="0">
-                <a:solidFill>
-                  <a:srgbClr val="FFFF00"/>
-                </a:solidFill>
-                <a:latin typeface="&amp;quot"/>
-              </a:rPr>
-              <a:t>0.3e^-3</a:t>
-            </a:r>
-          </a:p>
-          <a:p>
-            <a:pPr>
-              <a:lnSpc>
-                <a:spcPct val="150000"/>
-              </a:lnSpc>
-            </a:pPr>
-            <a:r>
-              <a:rPr lang="en-SG" sz="2400" dirty="0">
-                <a:solidFill>
-                  <a:schemeClr val="bg1">
-                    <a:lumMod val="95000"/>
-                  </a:schemeClr>
-                </a:solidFill>
-                <a:latin typeface="&amp;quot"/>
-              </a:rPr>
-              <a:t>Batch Size </a:t>
-            </a:r>
-            <a:r>
-              <a:rPr lang="en-SG" sz="2400" b="1" dirty="0">
-                <a:solidFill>
-                  <a:schemeClr val="bg1">
-                    <a:lumMod val="95000"/>
-                  </a:schemeClr>
-                </a:solidFill>
-                <a:latin typeface="&amp;quot"/>
-              </a:rPr>
-              <a:t>= </a:t>
-            </a:r>
-            <a:r>
-              <a:rPr lang="en-SG" sz="2400" b="1" dirty="0">
-                <a:solidFill>
-                  <a:srgbClr val="FFFF00"/>
-                </a:solidFill>
-                <a:latin typeface="&amp;quot"/>
-              </a:rPr>
-              <a:t>30</a:t>
-            </a:r>
-          </a:p>
-          <a:p>
-            <a:pPr>
-              <a:lnSpc>
-                <a:spcPct val="150000"/>
-              </a:lnSpc>
-            </a:pPr>
-            <a:endParaRPr lang="en-SG" dirty="0">
-              <a:solidFill>
-                <a:schemeClr val="bg1">
-                  <a:lumMod val="95000"/>
-                </a:schemeClr>
-              </a:solidFill>
-              <a:latin typeface="&amp;quot"/>
-            </a:endParaRPr>
-          </a:p>
-        </p:txBody>
-      </p:sp>
-      <p:pic>
-        <p:nvPicPr>
-          <p:cNvPr id="3" name="Picture 2">
-            <a:extLst>
-              <a:ext uri="{FF2B5EF4-FFF2-40B4-BE49-F238E27FC236}">
-                <a16:creationId xmlns:a16="http://schemas.microsoft.com/office/drawing/2014/main" id="{F8ECF66E-52D4-47CE-9309-D1A187D49EFF}"/>
-              </a:ext>
-            </a:extLst>
-          </p:cNvPr>
-          <p:cNvPicPr>
-            <a:picLocks noChangeAspect="1"/>
-          </p:cNvPicPr>
-          <p:nvPr/>
-        </p:nvPicPr>
-        <p:blipFill rotWithShape="1">
-          <a:blip r:embed="rId3"/>
-          <a:srcRect l="733" t="58324" r="75170" b="11068"/>
-          <a:stretch/>
-        </p:blipFill>
-        <p:spPr>
-          <a:xfrm>
-            <a:off x="852569" y="1591848"/>
-            <a:ext cx="4158664" cy="2971273"/>
-          </a:xfrm>
-          <a:prstGeom prst="rect">
-            <a:avLst/>
-          </a:prstGeom>
-        </p:spPr>
-      </p:pic>
-      <p:pic>
-        <p:nvPicPr>
-          <p:cNvPr id="16" name="Picture 15">
-            <a:extLst>
-              <a:ext uri="{FF2B5EF4-FFF2-40B4-BE49-F238E27FC236}">
-                <a16:creationId xmlns:a16="http://schemas.microsoft.com/office/drawing/2014/main" id="{7968DEF5-E05A-43C4-BC13-968DF89522FC}"/>
-              </a:ext>
-            </a:extLst>
-          </p:cNvPr>
-          <p:cNvPicPr>
-            <a:picLocks noChangeAspect="1"/>
-          </p:cNvPicPr>
-          <p:nvPr/>
-        </p:nvPicPr>
-        <p:blipFill rotWithShape="1">
-          <a:blip r:embed="rId3"/>
-          <a:srcRect t="37648" r="86323" b="46947"/>
-          <a:stretch/>
-        </p:blipFill>
-        <p:spPr>
-          <a:xfrm>
-            <a:off x="2369470" y="4803757"/>
-            <a:ext cx="2666156" cy="1689118"/>
-          </a:xfrm>
-          <a:prstGeom prst="rect">
-            <a:avLst/>
-          </a:prstGeom>
-        </p:spPr>
-      </p:pic>
-      <p:pic>
-        <p:nvPicPr>
-          <p:cNvPr id="18" name="Picture 17">
-            <a:extLst>
-              <a:ext uri="{FF2B5EF4-FFF2-40B4-BE49-F238E27FC236}">
-                <a16:creationId xmlns:a16="http://schemas.microsoft.com/office/drawing/2014/main" id="{A5392C68-9844-4809-8B9F-BA78CBF0ADEC}"/>
-              </a:ext>
-            </a:extLst>
-          </p:cNvPr>
-          <p:cNvPicPr>
-            <a:picLocks noChangeAspect="1"/>
-          </p:cNvPicPr>
-          <p:nvPr/>
-        </p:nvPicPr>
-        <p:blipFill rotWithShape="1">
-          <a:blip r:embed="rId3"/>
-          <a:srcRect t="13074" r="64976" b="63150"/>
-          <a:stretch/>
-        </p:blipFill>
-        <p:spPr>
-          <a:xfrm>
-            <a:off x="5243451" y="4177421"/>
-            <a:ext cx="6859220" cy="2311375"/>
-          </a:xfrm>
-          <a:prstGeom prst="rect">
-            <a:avLst/>
-          </a:prstGeom>
-        </p:spPr>
-      </p:pic>
-      <p:sp>
-        <p:nvSpPr>
-          <p:cNvPr id="17" name="Title 1">
-            <a:extLst>
-              <a:ext uri="{FF2B5EF4-FFF2-40B4-BE49-F238E27FC236}">
-                <a16:creationId xmlns:a16="http://schemas.microsoft.com/office/drawing/2014/main" id="{35869334-5B83-4310-8BF7-2CF769D310AD}"/>
-              </a:ext>
-            </a:extLst>
-          </p:cNvPr>
-          <p:cNvSpPr>
-            <a:spLocks noGrp="1"/>
-          </p:cNvSpPr>
-          <p:nvPr>
-            <p:ph type="title"/>
-          </p:nvPr>
-        </p:nvSpPr>
-        <p:spPr>
-          <a:xfrm>
-            <a:off x="588463" y="61048"/>
-            <a:ext cx="4850220" cy="1325563"/>
-          </a:xfrm>
-        </p:spPr>
-        <p:txBody>
-          <a:bodyPr vert="horz" lIns="91440" tIns="45720" rIns="91440" bIns="45720" rtlCol="0" anchor="ctr">
-            <a:normAutofit fontScale="90000"/>
-          </a:bodyPr>
-          <a:lstStyle/>
-          <a:p>
-            <a:r>
-              <a:rPr lang="en-US" sz="3600" dirty="0">
-                <a:solidFill>
-                  <a:schemeClr val="accent1">
-                    <a:lumMod val="20000"/>
-                    <a:lumOff val="80000"/>
-                  </a:schemeClr>
-                </a:solidFill>
-                <a:effectLst>
-                  <a:glow rad="228600">
-                    <a:schemeClr val="accent1">
-                      <a:satMod val="175000"/>
-                      <a:alpha val="40000"/>
-                    </a:schemeClr>
-                  </a:glow>
-                </a:effectLst>
-              </a:rPr>
-              <a:t>Improved Results</a:t>
-            </a:r>
-            <a:br>
-              <a:rPr lang="en-US" sz="3600" dirty="0">
-                <a:solidFill>
-                  <a:schemeClr val="accent1">
-                    <a:lumMod val="20000"/>
-                    <a:lumOff val="80000"/>
-                  </a:schemeClr>
-                </a:solidFill>
-                <a:effectLst>
-                  <a:glow rad="228600">
-                    <a:schemeClr val="accent1">
-                      <a:satMod val="175000"/>
-                      <a:alpha val="40000"/>
-                    </a:schemeClr>
-                  </a:glow>
-                </a:effectLst>
-              </a:rPr>
-            </a:br>
-            <a:r>
-              <a:rPr lang="en-US" sz="3600" dirty="0">
-                <a:solidFill>
-                  <a:schemeClr val="accent1">
-                    <a:lumMod val="20000"/>
-                    <a:lumOff val="80000"/>
-                  </a:schemeClr>
-                </a:solidFill>
-                <a:effectLst>
-                  <a:glow rad="228600">
-                    <a:schemeClr val="accent1">
-                      <a:satMod val="175000"/>
-                      <a:alpha val="40000"/>
-                    </a:schemeClr>
-                  </a:glow>
-                </a:effectLst>
-              </a:rPr>
-              <a:t>with Resnet – Final Attempt</a:t>
-            </a:r>
-          </a:p>
-        </p:txBody>
-      </p:sp>
-      <p:sp>
-        <p:nvSpPr>
-          <p:cNvPr id="19" name="Arrow: Right 18">
-            <a:extLst>
-              <a:ext uri="{FF2B5EF4-FFF2-40B4-BE49-F238E27FC236}">
-                <a16:creationId xmlns:a16="http://schemas.microsoft.com/office/drawing/2014/main" id="{453726E7-F9EB-4542-8890-D658F683690E}"/>
-              </a:ext>
-            </a:extLst>
-          </p:cNvPr>
-          <p:cNvSpPr/>
-          <p:nvPr/>
-        </p:nvSpPr>
-        <p:spPr>
-          <a:xfrm rot="10800000">
-            <a:off x="9346692" y="1939553"/>
-            <a:ext cx="457200" cy="461665"/>
-          </a:xfrm>
-          <a:prstGeom prst="rightArrow">
-            <a:avLst/>
-          </a:prstGeom>
-          <a:solidFill>
-            <a:schemeClr val="accent4">
-              <a:lumMod val="60000"/>
-              <a:lumOff val="40000"/>
-            </a:schemeClr>
-          </a:solidFill>
-        </p:spPr>
-        <p:style>
-          <a:lnRef idx="2">
-            <a:schemeClr val="accent1">
-              <a:shade val="50000"/>
-            </a:schemeClr>
-          </a:lnRef>
-          <a:fillRef idx="1">
-            <a:schemeClr val="accent1"/>
-          </a:fillRef>
-          <a:effectRef idx="0">
-            <a:schemeClr val="accent1"/>
-          </a:effectRef>
-          <a:fontRef idx="minor">
-            <a:schemeClr val="lt1"/>
-          </a:fontRef>
-        </p:style>
-        <p:txBody>
-          <a:bodyPr rtlCol="0" anchor="ctr"/>
-          <a:lstStyle/>
-          <a:p>
-            <a:pPr algn="ctr"/>
-            <a:endParaRPr lang="en-SG"/>
-          </a:p>
-        </p:txBody>
-      </p:sp>
-      <p:sp>
-        <p:nvSpPr>
-          <p:cNvPr id="20" name="Arrow: Right 19">
-            <a:extLst>
-              <a:ext uri="{FF2B5EF4-FFF2-40B4-BE49-F238E27FC236}">
-                <a16:creationId xmlns:a16="http://schemas.microsoft.com/office/drawing/2014/main" id="{F089A756-C352-471B-ACF7-65337C3ED375}"/>
-              </a:ext>
-            </a:extLst>
-          </p:cNvPr>
-          <p:cNvSpPr/>
-          <p:nvPr/>
-        </p:nvSpPr>
-        <p:spPr>
-          <a:xfrm rot="10800000">
-            <a:off x="8373016" y="2530380"/>
-            <a:ext cx="457200" cy="461665"/>
-          </a:xfrm>
-          <a:prstGeom prst="rightArrow">
-            <a:avLst/>
-          </a:prstGeom>
-          <a:solidFill>
-            <a:schemeClr val="accent4">
-              <a:lumMod val="60000"/>
-              <a:lumOff val="40000"/>
-            </a:schemeClr>
-          </a:solidFill>
-        </p:spPr>
-        <p:style>
-          <a:lnRef idx="2">
-            <a:schemeClr val="accent1">
-              <a:shade val="50000"/>
-            </a:schemeClr>
-          </a:lnRef>
-          <a:fillRef idx="1">
-            <a:schemeClr val="accent1"/>
-          </a:fillRef>
-          <a:effectRef idx="0">
-            <a:schemeClr val="accent1"/>
-          </a:effectRef>
-          <a:fontRef idx="minor">
-            <a:schemeClr val="lt1"/>
-          </a:fontRef>
-        </p:style>
-        <p:txBody>
-          <a:bodyPr rtlCol="0" anchor="ctr"/>
-          <a:lstStyle/>
-          <a:p>
-            <a:pPr algn="ctr"/>
-            <a:endParaRPr lang="en-SG"/>
-          </a:p>
-        </p:txBody>
-      </p:sp>
-      <p:sp>
-        <p:nvSpPr>
           <p:cNvPr id="21" name="TextBox 20">
             <a:extLst>
               <a:ext uri="{FF2B5EF4-FFF2-40B4-BE49-F238E27FC236}">
@@ -11993,7 +11631,7 @@
 </p:sld>
 </file>
 
-<file path=ppt/slides/slide24.xml><?xml version="1.0" encoding="utf-8"?>
+<file path=ppt/slides/slide23.xml><?xml version="1.0" encoding="utf-8"?>
 <p:sld xmlns:a="http://schemas.openxmlformats.org/drawingml/2006/main" xmlns:r="http://schemas.openxmlformats.org/officeDocument/2006/relationships" xmlns:p="http://schemas.openxmlformats.org/presentationml/2006/main">
   <p:cSld>
     <p:spTree>
